--- a/ART Analytics v0.2.pptx
+++ b/ART Analytics v0.2.pptx
@@ -124,6 +124,36 @@
       </a:defRPr>
     </a:lvl9pPr>
   </p:defaultTextStyle>
+  <p:extLst>
+    <p:ext uri="{EFAFB233-063F-42B5-8137-9DF3F51BA10A}">
+      <p15:sldGuideLst xmlns:p15="http://schemas.microsoft.com/office/powerpoint/2012/main">
+        <p15:guide id="1" orient="horz" pos="2160">
+          <p15:clr>
+            <a:srgbClr val="A4A3A4"/>
+          </p15:clr>
+        </p15:guide>
+        <p15:guide id="2" pos="2880">
+          <p15:clr>
+            <a:srgbClr val="A4A3A4"/>
+          </p15:clr>
+        </p15:guide>
+      </p15:sldGuideLst>
+    </p:ext>
+    <p:ext uri="{2D200454-40CA-4A62-9FC3-DE9A4176ACB9}">
+      <p15:notesGuideLst xmlns:p15="http://schemas.microsoft.com/office/powerpoint/2012/main">
+        <p15:guide id="1" orient="horz" pos="2880">
+          <p15:clr>
+            <a:srgbClr val="A4A3A4"/>
+          </p15:clr>
+        </p15:guide>
+        <p15:guide id="2" pos="2160">
+          <p15:clr>
+            <a:srgbClr val="A4A3A4"/>
+          </p15:clr>
+        </p15:guide>
+      </p15:notesGuideLst>
+    </p:ext>
+  </p:extLst>
 </p:presentation>
 </file>
 
@@ -2369,15 +2399,15 @@
 </file>
 
 <file path=ppt/diagrams/colors4.xml><?xml version="1.0" encoding="utf-8"?>
-<dgm:colorsDef xmlns:dgm="http://schemas.openxmlformats.org/drawingml/2006/diagram" xmlns:a="http://schemas.openxmlformats.org/drawingml/2006/main" uniqueId="urn:microsoft.com/office/officeart/2005/8/colors/colorful5">
+<dgm:colorsDef xmlns:dgm="http://schemas.openxmlformats.org/drawingml/2006/diagram" xmlns:a="http://schemas.openxmlformats.org/drawingml/2006/main" uniqueId="urn:microsoft.com/office/officeart/2005/8/colors/colorful1">
   <dgm:title val=""/>
   <dgm:desc val=""/>
   <dgm:catLst>
-    <dgm:cat type="colorful" pri="10500"/>
+    <dgm:cat type="colorful" pri="10100"/>
   </dgm:catLst>
   <dgm:styleLbl name="node0">
     <dgm:fillClrLst meth="repeat">
-      <a:schemeClr val="accent4"/>
+      <a:schemeClr val="accent1"/>
     </dgm:fillClrLst>
     <dgm:linClrLst meth="repeat">
       <a:schemeClr val="lt1"/>
@@ -2388,7 +2418,10 @@
     <dgm:txEffectClrLst/>
   </dgm:styleLbl>
   <dgm:styleLbl name="node1">
-    <dgm:fillClrLst>
+    <dgm:fillClrLst meth="repeat">
+      <a:schemeClr val="accent2"/>
+      <a:schemeClr val="accent3"/>
+      <a:schemeClr val="accent4"/>
       <a:schemeClr val="accent5"/>
       <a:schemeClr val="accent6"/>
     </dgm:fillClrLst>
@@ -2401,11 +2434,17 @@
     <dgm:txEffectClrLst/>
   </dgm:styleLbl>
   <dgm:styleLbl name="alignNode1">
-    <dgm:fillClrLst>
+    <dgm:fillClrLst meth="repeat">
+      <a:schemeClr val="accent2"/>
+      <a:schemeClr val="accent3"/>
+      <a:schemeClr val="accent4"/>
       <a:schemeClr val="accent5"/>
       <a:schemeClr val="accent6"/>
     </dgm:fillClrLst>
-    <dgm:linClrLst>
+    <dgm:linClrLst meth="repeat">
+      <a:schemeClr val="accent2"/>
+      <a:schemeClr val="accent3"/>
+      <a:schemeClr val="accent4"/>
       <a:schemeClr val="accent5"/>
       <a:schemeClr val="accent6"/>
     </dgm:linClrLst>
@@ -2415,7 +2454,10 @@
     <dgm:txEffectClrLst/>
   </dgm:styleLbl>
   <dgm:styleLbl name="lnNode1">
-    <dgm:fillClrLst>
+    <dgm:fillClrLst meth="repeat">
+      <a:schemeClr val="accent2"/>
+      <a:schemeClr val="accent3"/>
+      <a:schemeClr val="accent4"/>
       <a:schemeClr val="accent5"/>
       <a:schemeClr val="accent6"/>
     </dgm:fillClrLst>
@@ -2428,7 +2470,16 @@
     <dgm:txEffectClrLst/>
   </dgm:styleLbl>
   <dgm:styleLbl name="vennNode1">
-    <dgm:fillClrLst>
+    <dgm:fillClrLst meth="repeat">
+      <a:schemeClr val="accent2">
+        <a:alpha val="50000"/>
+      </a:schemeClr>
+      <a:schemeClr val="accent3">
+        <a:alpha val="50000"/>
+      </a:schemeClr>
+      <a:schemeClr val="accent4">
+        <a:alpha val="50000"/>
+      </a:schemeClr>
       <a:schemeClr val="accent5">
         <a:alpha val="50000"/>
       </a:schemeClr>
@@ -2446,30 +2497,6 @@
   </dgm:styleLbl>
   <dgm:styleLbl name="node2">
     <dgm:fillClrLst>
-      <a:schemeClr val="accent6"/>
-    </dgm:fillClrLst>
-    <dgm:linClrLst meth="repeat">
-      <a:schemeClr val="lt1"/>
-    </dgm:linClrLst>
-    <dgm:effectClrLst/>
-    <dgm:txLinClrLst/>
-    <dgm:txFillClrLst/>
-    <dgm:txEffectClrLst/>
-  </dgm:styleLbl>
-  <dgm:styleLbl name="node3">
-    <dgm:fillClrLst>
-      <a:schemeClr val="accent1"/>
-    </dgm:fillClrLst>
-    <dgm:linClrLst meth="repeat">
-      <a:schemeClr val="lt1"/>
-    </dgm:linClrLst>
-    <dgm:effectClrLst/>
-    <dgm:txLinClrLst/>
-    <dgm:txFillClrLst/>
-    <dgm:txEffectClrLst/>
-  </dgm:styleLbl>
-  <dgm:styleLbl name="node4">
-    <dgm:fillClrLst>
       <a:schemeClr val="accent2"/>
     </dgm:fillClrLst>
     <dgm:linClrLst meth="repeat">
@@ -2480,8 +2507,41 @@
     <dgm:txFillClrLst/>
     <dgm:txEffectClrLst/>
   </dgm:styleLbl>
+  <dgm:styleLbl name="node3">
+    <dgm:fillClrLst>
+      <a:schemeClr val="accent3"/>
+    </dgm:fillClrLst>
+    <dgm:linClrLst meth="repeat">
+      <a:schemeClr val="lt1"/>
+    </dgm:linClrLst>
+    <dgm:effectClrLst/>
+    <dgm:txLinClrLst/>
+    <dgm:txFillClrLst/>
+    <dgm:txEffectClrLst/>
+  </dgm:styleLbl>
+  <dgm:styleLbl name="node4">
+    <dgm:fillClrLst>
+      <a:schemeClr val="accent4"/>
+    </dgm:fillClrLst>
+    <dgm:linClrLst meth="repeat">
+      <a:schemeClr val="lt1"/>
+    </dgm:linClrLst>
+    <dgm:effectClrLst/>
+    <dgm:txLinClrLst/>
+    <dgm:txFillClrLst/>
+    <dgm:txEffectClrLst/>
+  </dgm:styleLbl>
   <dgm:styleLbl name="fgImgPlace1">
-    <dgm:fillClrLst>
+    <dgm:fillClrLst meth="repeat">
+      <a:schemeClr val="accent2">
+        <a:tint val="50000"/>
+      </a:schemeClr>
+      <a:schemeClr val="accent3">
+        <a:tint val="50000"/>
+      </a:schemeClr>
+      <a:schemeClr val="accent4">
+        <a:tint val="50000"/>
+      </a:schemeClr>
       <a:schemeClr val="accent5">
         <a:tint val="50000"/>
       </a:schemeClr>
@@ -2501,10 +2561,10 @@
   </dgm:styleLbl>
   <dgm:styleLbl name="alignImgPlace1">
     <dgm:fillClrLst>
-      <a:schemeClr val="accent5">
+      <a:schemeClr val="accent1">
         <a:tint val="50000"/>
       </a:schemeClr>
-      <a:schemeClr val="accent6">
+      <a:schemeClr val="accent2">
         <a:tint val="20000"/>
       </a:schemeClr>
     </dgm:fillClrLst>
@@ -2520,10 +2580,10 @@
   </dgm:styleLbl>
   <dgm:styleLbl name="bgImgPlace1">
     <dgm:fillClrLst>
-      <a:schemeClr val="accent5">
+      <a:schemeClr val="accent1">
         <a:tint val="50000"/>
       </a:schemeClr>
-      <a:schemeClr val="accent6">
+      <a:schemeClr val="accent2">
         <a:tint val="20000"/>
       </a:schemeClr>
     </dgm:fillClrLst>
@@ -2538,9 +2598,98 @@
     <dgm:txEffectClrLst/>
   </dgm:styleLbl>
   <dgm:styleLbl name="sibTrans2D1">
-    <dgm:fillClrLst>
+    <dgm:fillClrLst meth="repeat">
+      <a:schemeClr val="accent2"/>
+      <a:schemeClr val="accent3"/>
+      <a:schemeClr val="accent4"/>
       <a:schemeClr val="accent5"/>
       <a:schemeClr val="accent6"/>
+    </dgm:fillClrLst>
+    <dgm:linClrLst meth="cycle">
+      <a:schemeClr val="lt1"/>
+    </dgm:linClrLst>
+    <dgm:effectClrLst/>
+    <dgm:txLinClrLst/>
+    <dgm:txFillClrLst/>
+    <dgm:txEffectClrLst/>
+  </dgm:styleLbl>
+  <dgm:styleLbl name="fgSibTrans2D1">
+    <dgm:fillClrLst meth="repeat">
+      <a:schemeClr val="accent2"/>
+      <a:schemeClr val="accent3"/>
+      <a:schemeClr val="accent4"/>
+      <a:schemeClr val="accent5"/>
+      <a:schemeClr val="accent6"/>
+    </dgm:fillClrLst>
+    <dgm:linClrLst meth="cycle">
+      <a:schemeClr val="lt1"/>
+    </dgm:linClrLst>
+    <dgm:effectClrLst/>
+    <dgm:txLinClrLst/>
+    <dgm:txFillClrLst meth="repeat">
+      <a:schemeClr val="lt1"/>
+    </dgm:txFillClrLst>
+    <dgm:txEffectClrLst/>
+  </dgm:styleLbl>
+  <dgm:styleLbl name="bgSibTrans2D1">
+    <dgm:fillClrLst meth="repeat">
+      <a:schemeClr val="accent2"/>
+      <a:schemeClr val="accent3"/>
+      <a:schemeClr val="accent4"/>
+      <a:schemeClr val="accent5"/>
+      <a:schemeClr val="accent6"/>
+    </dgm:fillClrLst>
+    <dgm:linClrLst meth="cycle">
+      <a:schemeClr val="lt1"/>
+    </dgm:linClrLst>
+    <dgm:effectClrLst/>
+    <dgm:txLinClrLst/>
+    <dgm:txFillClrLst meth="repeat">
+      <a:schemeClr val="lt1"/>
+    </dgm:txFillClrLst>
+    <dgm:txEffectClrLst/>
+  </dgm:styleLbl>
+  <dgm:styleLbl name="sibTrans1D1">
+    <dgm:fillClrLst meth="repeat">
+      <a:schemeClr val="accent2"/>
+      <a:schemeClr val="accent3"/>
+      <a:schemeClr val="accent4"/>
+      <a:schemeClr val="accent5"/>
+      <a:schemeClr val="accent6"/>
+    </dgm:fillClrLst>
+    <dgm:linClrLst meth="repeat">
+      <a:schemeClr val="accent2"/>
+      <a:schemeClr val="accent3"/>
+      <a:schemeClr val="accent4"/>
+      <a:schemeClr val="accent5"/>
+      <a:schemeClr val="accent6"/>
+    </dgm:linClrLst>
+    <dgm:effectClrLst/>
+    <dgm:txLinClrLst/>
+    <dgm:txFillClrLst meth="repeat">
+      <a:schemeClr val="tx1"/>
+    </dgm:txFillClrLst>
+    <dgm:txEffectClrLst/>
+  </dgm:styleLbl>
+  <dgm:styleLbl name="callout">
+    <dgm:fillClrLst meth="repeat">
+      <a:schemeClr val="accent2"/>
+    </dgm:fillClrLst>
+    <dgm:linClrLst meth="repeat">
+      <a:schemeClr val="accent2">
+        <a:tint val="50000"/>
+      </a:schemeClr>
+    </dgm:linClrLst>
+    <dgm:effectClrLst/>
+    <dgm:txLinClrLst/>
+    <dgm:txFillClrLst meth="repeat">
+      <a:schemeClr val="tx1"/>
+    </dgm:txFillClrLst>
+    <dgm:txEffectClrLst/>
+  </dgm:styleLbl>
+  <dgm:styleLbl name="asst0">
+    <dgm:fillClrLst meth="repeat">
+      <a:schemeClr val="accent1"/>
     </dgm:fillClrLst>
     <dgm:linClrLst meth="repeat">
       <a:schemeClr val="lt1"/>
@@ -2550,10 +2699,57 @@
     <dgm:txFillClrLst/>
     <dgm:txEffectClrLst/>
   </dgm:styleLbl>
-  <dgm:styleLbl name="fgSibTrans2D1">
+  <dgm:styleLbl name="asst1">
+    <dgm:fillClrLst meth="repeat">
+      <a:schemeClr val="accent2"/>
+    </dgm:fillClrLst>
+    <dgm:linClrLst meth="repeat">
+      <a:schemeClr val="lt1"/>
+    </dgm:linClrLst>
+    <dgm:effectClrLst/>
+    <dgm:txLinClrLst/>
+    <dgm:txFillClrLst/>
+    <dgm:txEffectClrLst/>
+  </dgm:styleLbl>
+  <dgm:styleLbl name="asst2">
+    <dgm:fillClrLst>
+      <a:schemeClr val="accent3"/>
+    </dgm:fillClrLst>
+    <dgm:linClrLst meth="repeat">
+      <a:schemeClr val="lt1"/>
+    </dgm:linClrLst>
+    <dgm:effectClrLst/>
+    <dgm:txLinClrLst/>
+    <dgm:txFillClrLst/>
+    <dgm:txEffectClrLst/>
+  </dgm:styleLbl>
+  <dgm:styleLbl name="asst3">
+    <dgm:fillClrLst>
+      <a:schemeClr val="accent4"/>
+    </dgm:fillClrLst>
+    <dgm:linClrLst meth="repeat">
+      <a:schemeClr val="lt1"/>
+    </dgm:linClrLst>
+    <dgm:effectClrLst/>
+    <dgm:txLinClrLst/>
+    <dgm:txFillClrLst/>
+    <dgm:txEffectClrLst/>
+  </dgm:styleLbl>
+  <dgm:styleLbl name="asst4">
     <dgm:fillClrLst>
       <a:schemeClr val="accent5"/>
-      <a:schemeClr val="accent6"/>
+    </dgm:fillClrLst>
+    <dgm:linClrLst meth="repeat">
+      <a:schemeClr val="lt1"/>
+    </dgm:linClrLst>
+    <dgm:effectClrLst/>
+    <dgm:txLinClrLst/>
+    <dgm:txFillClrLst/>
+    <dgm:txEffectClrLst/>
+  </dgm:styleLbl>
+  <dgm:styleLbl name="parChTrans2D1">
+    <dgm:fillClrLst meth="repeat">
+      <a:schemeClr val="accent2"/>
     </dgm:fillClrLst>
     <dgm:linClrLst meth="repeat">
       <a:schemeClr val="lt1"/>
@@ -2565,104 +2761,8 @@
     </dgm:txFillClrLst>
     <dgm:txEffectClrLst/>
   </dgm:styleLbl>
-  <dgm:styleLbl name="bgSibTrans2D1">
-    <dgm:fillClrLst>
-      <a:schemeClr val="accent5"/>
-      <a:schemeClr val="accent6"/>
-    </dgm:fillClrLst>
-    <dgm:linClrLst meth="repeat">
-      <a:schemeClr val="lt1"/>
-    </dgm:linClrLst>
-    <dgm:effectClrLst/>
-    <dgm:txLinClrLst/>
-    <dgm:txFillClrLst meth="repeat">
-      <a:schemeClr val="lt1"/>
-    </dgm:txFillClrLst>
-    <dgm:txEffectClrLst/>
-  </dgm:styleLbl>
-  <dgm:styleLbl name="sibTrans1D1">
-    <dgm:fillClrLst/>
-    <dgm:linClrLst>
-      <a:schemeClr val="accent5"/>
-      <a:schemeClr val="accent6"/>
-    </dgm:linClrLst>
-    <dgm:effectClrLst/>
-    <dgm:txLinClrLst/>
-    <dgm:txFillClrLst meth="repeat">
-      <a:schemeClr val="tx1"/>
-    </dgm:txFillClrLst>
-    <dgm:txEffectClrLst/>
-  </dgm:styleLbl>
-  <dgm:styleLbl name="callout">
+  <dgm:styleLbl name="parChTrans2D2">
     <dgm:fillClrLst meth="repeat">
-      <a:schemeClr val="accent5"/>
-    </dgm:fillClrLst>
-    <dgm:linClrLst meth="repeat">
-      <a:schemeClr val="accent5">
-        <a:tint val="50000"/>
-      </a:schemeClr>
-    </dgm:linClrLst>
-    <dgm:effectClrLst/>
-    <dgm:txLinClrLst/>
-    <dgm:txFillClrLst meth="repeat">
-      <a:schemeClr val="tx1"/>
-    </dgm:txFillClrLst>
-    <dgm:txEffectClrLst/>
-  </dgm:styleLbl>
-  <dgm:styleLbl name="asst0">
-    <dgm:fillClrLst meth="repeat">
-      <a:schemeClr val="accent5"/>
-    </dgm:fillClrLst>
-    <dgm:linClrLst meth="repeat">
-      <a:schemeClr val="lt1">
-        <a:shade val="80000"/>
-      </a:schemeClr>
-    </dgm:linClrLst>
-    <dgm:effectClrLst/>
-    <dgm:txLinClrLst/>
-    <dgm:txFillClrLst/>
-    <dgm:txEffectClrLst/>
-  </dgm:styleLbl>
-  <dgm:styleLbl name="asst1">
-    <dgm:fillClrLst meth="repeat">
-      <a:schemeClr val="accent6"/>
-    </dgm:fillClrLst>
-    <dgm:linClrLst meth="repeat">
-      <a:schemeClr val="lt1">
-        <a:shade val="80000"/>
-      </a:schemeClr>
-    </dgm:linClrLst>
-    <dgm:effectClrLst/>
-    <dgm:txLinClrLst/>
-    <dgm:txFillClrLst/>
-    <dgm:txEffectClrLst/>
-  </dgm:styleLbl>
-  <dgm:styleLbl name="asst2">
-    <dgm:fillClrLst>
-      <a:schemeClr val="accent1"/>
-    </dgm:fillClrLst>
-    <dgm:linClrLst meth="repeat">
-      <a:schemeClr val="lt1"/>
-    </dgm:linClrLst>
-    <dgm:effectClrLst/>
-    <dgm:txLinClrLst/>
-    <dgm:txFillClrLst/>
-    <dgm:txEffectClrLst/>
-  </dgm:styleLbl>
-  <dgm:styleLbl name="asst3">
-    <dgm:fillClrLst>
-      <a:schemeClr val="accent2"/>
-    </dgm:fillClrLst>
-    <dgm:linClrLst meth="repeat">
-      <a:schemeClr val="lt1"/>
-    </dgm:linClrLst>
-    <dgm:effectClrLst/>
-    <dgm:txLinClrLst/>
-    <dgm:txFillClrLst/>
-    <dgm:txEffectClrLst/>
-  </dgm:styleLbl>
-  <dgm:styleLbl name="asst4">
-    <dgm:fillClrLst>
       <a:schemeClr val="accent3"/>
     </dgm:fillClrLst>
     <dgm:linClrLst meth="repeat">
@@ -2673,7 +2773,19 @@
     <dgm:txFillClrLst/>
     <dgm:txEffectClrLst/>
   </dgm:styleLbl>
-  <dgm:styleLbl name="parChTrans2D1">
+  <dgm:styleLbl name="parChTrans2D3">
+    <dgm:fillClrLst meth="repeat">
+      <a:schemeClr val="accent4"/>
+    </dgm:fillClrLst>
+    <dgm:linClrLst meth="repeat">
+      <a:schemeClr val="lt1"/>
+    </dgm:linClrLst>
+    <dgm:effectClrLst/>
+    <dgm:txLinClrLst/>
+    <dgm:txFillClrLst/>
+    <dgm:txEffectClrLst/>
+  </dgm:styleLbl>
+  <dgm:styleLbl name="parChTrans2D4">
     <dgm:fillClrLst meth="repeat">
       <a:schemeClr val="accent5"/>
     </dgm:fillClrLst>
@@ -2687,79 +2799,9 @@
     </dgm:txFillClrLst>
     <dgm:txEffectClrLst/>
   </dgm:styleLbl>
-  <dgm:styleLbl name="parChTrans2D2">
-    <dgm:fillClrLst meth="repeat">
-      <a:schemeClr val="accent6"/>
-    </dgm:fillClrLst>
-    <dgm:linClrLst meth="repeat">
-      <a:schemeClr val="lt1"/>
-    </dgm:linClrLst>
-    <dgm:effectClrLst/>
-    <dgm:txLinClrLst/>
-    <dgm:txFillClrLst/>
-    <dgm:txEffectClrLst/>
-  </dgm:styleLbl>
-  <dgm:styleLbl name="parChTrans2D3">
-    <dgm:fillClrLst meth="repeat">
-      <a:schemeClr val="accent6"/>
-    </dgm:fillClrLst>
-    <dgm:linClrLst meth="repeat">
-      <a:schemeClr val="lt1"/>
-    </dgm:linClrLst>
-    <dgm:effectClrLst/>
-    <dgm:txLinClrLst/>
-    <dgm:txFillClrLst/>
-    <dgm:txEffectClrLst/>
-  </dgm:styleLbl>
-  <dgm:styleLbl name="parChTrans2D4">
-    <dgm:fillClrLst meth="repeat">
-      <a:schemeClr val="accent1"/>
-    </dgm:fillClrLst>
-    <dgm:linClrLst meth="repeat">
-      <a:schemeClr val="lt1"/>
-    </dgm:linClrLst>
-    <dgm:effectClrLst/>
-    <dgm:txLinClrLst/>
-    <dgm:txFillClrLst meth="repeat">
-      <a:schemeClr val="lt1"/>
-    </dgm:txFillClrLst>
-    <dgm:txEffectClrLst/>
-  </dgm:styleLbl>
   <dgm:styleLbl name="parChTrans1D1">
     <dgm:fillClrLst meth="repeat">
-      <a:schemeClr val="accent5"/>
-    </dgm:fillClrLst>
-    <dgm:linClrLst meth="repeat">
-      <a:schemeClr val="accent5"/>
-    </dgm:linClrLst>
-    <dgm:effectClrLst/>
-    <dgm:txLinClrLst/>
-    <dgm:txFillClrLst meth="repeat">
-      <a:schemeClr val="tx1"/>
-    </dgm:txFillClrLst>
-    <dgm:txEffectClrLst/>
-  </dgm:styleLbl>
-  <dgm:styleLbl name="parChTrans1D2">
-    <dgm:fillClrLst meth="repeat">
-      <a:schemeClr val="accent6">
-        <a:tint val="90000"/>
-      </a:schemeClr>
-    </dgm:fillClrLst>
-    <dgm:linClrLst meth="repeat">
-      <a:schemeClr val="accent6"/>
-    </dgm:linClrLst>
-    <dgm:effectClrLst/>
-    <dgm:txLinClrLst/>
-    <dgm:txFillClrLst meth="repeat">
-      <a:schemeClr val="tx1"/>
-    </dgm:txFillClrLst>
-    <dgm:txEffectClrLst/>
-  </dgm:styleLbl>
-  <dgm:styleLbl name="parChTrans1D3">
-    <dgm:fillClrLst meth="repeat">
-      <a:schemeClr val="accent6">
-        <a:tint val="70000"/>
-      </a:schemeClr>
+      <a:schemeClr val="accent2"/>
     </dgm:fillClrLst>
     <dgm:linClrLst meth="repeat">
       <a:schemeClr val="accent1"/>
@@ -2771,10 +2813,10 @@
     </dgm:txFillClrLst>
     <dgm:txEffectClrLst/>
   </dgm:styleLbl>
-  <dgm:styleLbl name="parChTrans1D4">
+  <dgm:styleLbl name="parChTrans1D2">
     <dgm:fillClrLst meth="repeat">
-      <a:schemeClr val="accent6">
-        <a:tint val="50000"/>
+      <a:schemeClr val="accent3">
+        <a:tint val="90000"/>
       </a:schemeClr>
     </dgm:fillClrLst>
     <dgm:linClrLst meth="repeat">
@@ -2787,13 +2829,48 @@
     </dgm:txFillClrLst>
     <dgm:txEffectClrLst/>
   </dgm:styleLbl>
+  <dgm:styleLbl name="parChTrans1D3">
+    <dgm:fillClrLst meth="repeat">
+      <a:schemeClr val="accent4">
+        <a:tint val="70000"/>
+      </a:schemeClr>
+    </dgm:fillClrLst>
+    <dgm:linClrLst meth="repeat">
+      <a:schemeClr val="accent3"/>
+    </dgm:linClrLst>
+    <dgm:effectClrLst/>
+    <dgm:txLinClrLst/>
+    <dgm:txFillClrLst meth="repeat">
+      <a:schemeClr val="tx1"/>
+    </dgm:txFillClrLst>
+    <dgm:txEffectClrLst/>
+  </dgm:styleLbl>
+  <dgm:styleLbl name="parChTrans1D4">
+    <dgm:fillClrLst meth="repeat">
+      <a:schemeClr val="accent5">
+        <a:tint val="50000"/>
+      </a:schemeClr>
+    </dgm:fillClrLst>
+    <dgm:linClrLst meth="repeat">
+      <a:schemeClr val="accent4"/>
+    </dgm:linClrLst>
+    <dgm:effectClrLst/>
+    <dgm:txLinClrLst/>
+    <dgm:txFillClrLst meth="repeat">
+      <a:schemeClr val="tx1"/>
+    </dgm:txFillClrLst>
+    <dgm:txEffectClrLst/>
+  </dgm:styleLbl>
   <dgm:styleLbl name="fgAcc1">
     <dgm:fillClrLst meth="repeat">
       <a:schemeClr val="lt1">
         <a:alpha val="90000"/>
       </a:schemeClr>
     </dgm:fillClrLst>
-    <dgm:linClrLst>
+    <dgm:linClrLst meth="repeat">
+      <a:schemeClr val="accent2"/>
+      <a:schemeClr val="accent3"/>
+      <a:schemeClr val="accent4"/>
       <a:schemeClr val="accent5"/>
       <a:schemeClr val="accent6"/>
     </dgm:linClrLst>
@@ -2810,7 +2887,10 @@
         <a:alpha val="90000"/>
       </a:schemeClr>
     </dgm:fillClrLst>
-    <dgm:linClrLst>
+    <dgm:linClrLst meth="repeat">
+      <a:schemeClr val="accent2"/>
+      <a:schemeClr val="accent3"/>
+      <a:schemeClr val="accent4"/>
       <a:schemeClr val="accent5"/>
       <a:schemeClr val="accent6"/>
     </dgm:linClrLst>
@@ -2827,7 +2907,10 @@
         <a:alpha val="90000"/>
       </a:schemeClr>
     </dgm:fillClrLst>
-    <dgm:linClrLst>
+    <dgm:linClrLst meth="repeat">
+      <a:schemeClr val="accent2"/>
+      <a:schemeClr val="accent3"/>
+      <a:schemeClr val="accent4"/>
       <a:schemeClr val="accent5"/>
       <a:schemeClr val="accent6"/>
     </dgm:linClrLst>
@@ -2845,7 +2928,7 @@
       </a:schemeClr>
     </dgm:fillClrLst>
     <dgm:linClrLst meth="repeat">
-      <a:schemeClr val="accent5"/>
+      <a:schemeClr val="accent1"/>
     </dgm:linClrLst>
     <dgm:effectClrLst/>
     <dgm:txLinClrLst/>
@@ -2860,7 +2943,10 @@
         <a:alpha val="90000"/>
       </a:schemeClr>
     </dgm:fillClrLst>
-    <dgm:linClrLst>
+    <dgm:linClrLst meth="repeat">
+      <a:schemeClr val="accent2"/>
+      <a:schemeClr val="accent3"/>
+      <a:schemeClr val="accent4"/>
       <a:schemeClr val="accent5"/>
       <a:schemeClr val="accent6"/>
     </dgm:linClrLst>
@@ -2875,7 +2961,10 @@
     <dgm:fillClrLst meth="repeat">
       <a:schemeClr val="lt1"/>
     </dgm:fillClrLst>
-    <dgm:linClrLst>
+    <dgm:linClrLst meth="repeat">
+      <a:schemeClr val="accent2"/>
+      <a:schemeClr val="accent3"/>
+      <a:schemeClr val="accent4"/>
       <a:schemeClr val="accent5"/>
       <a:schemeClr val="accent6"/>
     </dgm:linClrLst>
@@ -2890,7 +2979,10 @@
     <dgm:fillClrLst meth="repeat">
       <a:schemeClr val="lt1"/>
     </dgm:fillClrLst>
-    <dgm:linClrLst>
+    <dgm:linClrLst meth="repeat">
+      <a:schemeClr val="accent2"/>
+      <a:schemeClr val="accent3"/>
+      <a:schemeClr val="accent4"/>
       <a:schemeClr val="accent5"/>
       <a:schemeClr val="accent6"/>
     </dgm:linClrLst>
@@ -2905,7 +2997,10 @@
     <dgm:fillClrLst meth="repeat">
       <a:schemeClr val="lt1"/>
     </dgm:fillClrLst>
-    <dgm:linClrLst>
+    <dgm:linClrLst meth="repeat">
+      <a:schemeClr val="accent2"/>
+      <a:schemeClr val="accent3"/>
+      <a:schemeClr val="accent4"/>
       <a:schemeClr val="accent5"/>
       <a:schemeClr val="accent6"/>
     </dgm:linClrLst>
@@ -2917,7 +3012,19 @@
     <dgm:txEffectClrLst/>
   </dgm:styleLbl>
   <dgm:styleLbl name="fgAccFollowNode1">
-    <dgm:fillClrLst>
+    <dgm:fillClrLst meth="repeat">
+      <a:schemeClr val="accent2">
+        <a:tint val="40000"/>
+        <a:alpha val="90000"/>
+      </a:schemeClr>
+      <a:schemeClr val="accent3">
+        <a:tint val="40000"/>
+        <a:alpha val="90000"/>
+      </a:schemeClr>
+      <a:schemeClr val="accent4">
+        <a:tint val="40000"/>
+        <a:alpha val="90000"/>
+      </a:schemeClr>
       <a:schemeClr val="accent5">
         <a:tint val="40000"/>
         <a:alpha val="90000"/>
@@ -2927,35 +3034,19 @@
         <a:alpha val="90000"/>
       </a:schemeClr>
     </dgm:fillClrLst>
-    <dgm:linClrLst>
-      <a:schemeClr val="accent5">
+    <dgm:linClrLst meth="repeat">
+      <a:schemeClr val="accent2">
         <a:tint val="40000"/>
         <a:alpha val="90000"/>
       </a:schemeClr>
-      <a:schemeClr val="accent5">
+      <a:schemeClr val="accent3">
         <a:tint val="40000"/>
         <a:alpha val="90000"/>
       </a:schemeClr>
-    </dgm:linClrLst>
-    <dgm:effectClrLst/>
-    <dgm:txLinClrLst/>
-    <dgm:txFillClrLst meth="repeat">
-      <a:schemeClr val="dk1"/>
-    </dgm:txFillClrLst>
-    <dgm:txEffectClrLst/>
-  </dgm:styleLbl>
-  <dgm:styleLbl name="alignAccFollowNode1">
-    <dgm:fillClrLst>
-      <a:schemeClr val="accent5">
+      <a:schemeClr val="accent4">
         <a:tint val="40000"/>
         <a:alpha val="90000"/>
       </a:schemeClr>
-      <a:schemeClr val="accent6">
-        <a:tint val="40000"/>
-        <a:alpha val="90000"/>
-      </a:schemeClr>
-    </dgm:fillClrLst>
-    <dgm:linClrLst>
       <a:schemeClr val="accent5">
         <a:tint val="40000"/>
         <a:alpha val="90000"/>
@@ -2972,8 +3063,20 @@
     </dgm:txFillClrLst>
     <dgm:txEffectClrLst/>
   </dgm:styleLbl>
-  <dgm:styleLbl name="bgAccFollowNode1">
-    <dgm:fillClrLst>
+  <dgm:styleLbl name="alignAccFollowNode1">
+    <dgm:fillClrLst meth="repeat">
+      <a:schemeClr val="accent2">
+        <a:tint val="40000"/>
+        <a:alpha val="90000"/>
+      </a:schemeClr>
+      <a:schemeClr val="accent3">
+        <a:tint val="40000"/>
+        <a:alpha val="90000"/>
+      </a:schemeClr>
+      <a:schemeClr val="accent4">
+        <a:tint val="40000"/>
+        <a:alpha val="90000"/>
+      </a:schemeClr>
       <a:schemeClr val="accent5">
         <a:tint val="40000"/>
         <a:alpha val="90000"/>
@@ -2983,7 +3086,19 @@
         <a:alpha val="90000"/>
       </a:schemeClr>
     </dgm:fillClrLst>
-    <dgm:linClrLst>
+    <dgm:linClrLst meth="repeat">
+      <a:schemeClr val="accent2">
+        <a:tint val="40000"/>
+        <a:alpha val="90000"/>
+      </a:schemeClr>
+      <a:schemeClr val="accent3">
+        <a:tint val="40000"/>
+        <a:alpha val="90000"/>
+      </a:schemeClr>
+      <a:schemeClr val="accent4">
+        <a:tint val="40000"/>
+        <a:alpha val="90000"/>
+      </a:schemeClr>
       <a:schemeClr val="accent5">
         <a:tint val="40000"/>
         <a:alpha val="90000"/>
@@ -3000,7 +3115,107 @@
     </dgm:txFillClrLst>
     <dgm:txEffectClrLst/>
   </dgm:styleLbl>
+  <dgm:styleLbl name="bgAccFollowNode1">
+    <dgm:fillClrLst meth="repeat">
+      <a:schemeClr val="accent2">
+        <a:tint val="40000"/>
+        <a:alpha val="90000"/>
+      </a:schemeClr>
+      <a:schemeClr val="accent3">
+        <a:tint val="40000"/>
+        <a:alpha val="90000"/>
+      </a:schemeClr>
+      <a:schemeClr val="accent4">
+        <a:tint val="40000"/>
+        <a:alpha val="90000"/>
+      </a:schemeClr>
+      <a:schemeClr val="accent5">
+        <a:tint val="40000"/>
+        <a:alpha val="90000"/>
+      </a:schemeClr>
+      <a:schemeClr val="accent6">
+        <a:tint val="40000"/>
+        <a:alpha val="90000"/>
+      </a:schemeClr>
+    </dgm:fillClrLst>
+    <dgm:linClrLst meth="repeat">
+      <a:schemeClr val="accent2">
+        <a:tint val="40000"/>
+        <a:alpha val="90000"/>
+      </a:schemeClr>
+      <a:schemeClr val="accent3">
+        <a:tint val="40000"/>
+        <a:alpha val="90000"/>
+      </a:schemeClr>
+      <a:schemeClr val="accent4">
+        <a:tint val="40000"/>
+        <a:alpha val="90000"/>
+      </a:schemeClr>
+      <a:schemeClr val="accent5">
+        <a:tint val="40000"/>
+        <a:alpha val="90000"/>
+      </a:schemeClr>
+      <a:schemeClr val="accent6">
+        <a:tint val="40000"/>
+        <a:alpha val="90000"/>
+      </a:schemeClr>
+    </dgm:linClrLst>
+    <dgm:effectClrLst/>
+    <dgm:txLinClrLst/>
+    <dgm:txFillClrLst meth="repeat">
+      <a:schemeClr val="dk1"/>
+    </dgm:txFillClrLst>
+    <dgm:txEffectClrLst/>
+  </dgm:styleLbl>
   <dgm:styleLbl name="fgAcc0">
+    <dgm:fillClrLst meth="repeat">
+      <a:schemeClr val="lt1">
+        <a:alpha val="90000"/>
+      </a:schemeClr>
+    </dgm:fillClrLst>
+    <dgm:linClrLst>
+      <a:schemeClr val="accent1"/>
+    </dgm:linClrLst>
+    <dgm:effectClrLst/>
+    <dgm:txLinClrLst/>
+    <dgm:txFillClrLst meth="repeat">
+      <a:schemeClr val="dk1"/>
+    </dgm:txFillClrLst>
+    <dgm:txEffectClrLst/>
+  </dgm:styleLbl>
+  <dgm:styleLbl name="fgAcc2">
+    <dgm:fillClrLst meth="repeat">
+      <a:schemeClr val="lt1">
+        <a:alpha val="90000"/>
+      </a:schemeClr>
+    </dgm:fillClrLst>
+    <dgm:linClrLst>
+      <a:schemeClr val="accent2"/>
+    </dgm:linClrLst>
+    <dgm:effectClrLst/>
+    <dgm:txLinClrLst/>
+    <dgm:txFillClrLst meth="repeat">
+      <a:schemeClr val="dk1"/>
+    </dgm:txFillClrLst>
+    <dgm:txEffectClrLst/>
+  </dgm:styleLbl>
+  <dgm:styleLbl name="fgAcc3">
+    <dgm:fillClrLst meth="repeat">
+      <a:schemeClr val="lt1">
+        <a:alpha val="90000"/>
+      </a:schemeClr>
+    </dgm:fillClrLst>
+    <dgm:linClrLst>
+      <a:schemeClr val="accent3"/>
+    </dgm:linClrLst>
+    <dgm:effectClrLst/>
+    <dgm:txLinClrLst/>
+    <dgm:txFillClrLst meth="repeat">
+      <a:schemeClr val="dk1"/>
+    </dgm:txFillClrLst>
+    <dgm:txEffectClrLst/>
+  </dgm:styleLbl>
+  <dgm:styleLbl name="fgAcc4">
     <dgm:fillClrLst meth="repeat">
       <a:schemeClr val="lt1">
         <a:alpha val="90000"/>
@@ -3016,57 +3231,9 @@
     </dgm:txFillClrLst>
     <dgm:txEffectClrLst/>
   </dgm:styleLbl>
-  <dgm:styleLbl name="fgAcc2">
-    <dgm:fillClrLst meth="repeat">
-      <a:schemeClr val="lt1">
-        <a:alpha val="90000"/>
-      </a:schemeClr>
-    </dgm:fillClrLst>
-    <dgm:linClrLst>
-      <a:schemeClr val="accent6"/>
-    </dgm:linClrLst>
-    <dgm:effectClrLst/>
-    <dgm:txLinClrLst/>
-    <dgm:txFillClrLst meth="repeat">
-      <a:schemeClr val="dk1"/>
-    </dgm:txFillClrLst>
-    <dgm:txEffectClrLst/>
-  </dgm:styleLbl>
-  <dgm:styleLbl name="fgAcc3">
-    <dgm:fillClrLst meth="repeat">
-      <a:schemeClr val="lt1">
-        <a:alpha val="90000"/>
-      </a:schemeClr>
-    </dgm:fillClrLst>
-    <dgm:linClrLst>
-      <a:schemeClr val="accent1"/>
-    </dgm:linClrLst>
-    <dgm:effectClrLst/>
-    <dgm:txLinClrLst/>
-    <dgm:txFillClrLst meth="repeat">
-      <a:schemeClr val="dk1"/>
-    </dgm:txFillClrLst>
-    <dgm:txEffectClrLst/>
-  </dgm:styleLbl>
-  <dgm:styleLbl name="fgAcc4">
-    <dgm:fillClrLst meth="repeat">
-      <a:schemeClr val="lt1">
-        <a:alpha val="90000"/>
-      </a:schemeClr>
-    </dgm:fillClrLst>
-    <dgm:linClrLst>
-      <a:schemeClr val="accent2"/>
-    </dgm:linClrLst>
-    <dgm:effectClrLst/>
-    <dgm:txLinClrLst/>
-    <dgm:txFillClrLst meth="repeat">
-      <a:schemeClr val="dk1"/>
-    </dgm:txFillClrLst>
-    <dgm:txEffectClrLst/>
-  </dgm:styleLbl>
   <dgm:styleLbl name="bgShp">
     <dgm:fillClrLst meth="repeat">
-      <a:schemeClr val="accent5">
+      <a:schemeClr val="accent2">
         <a:tint val="40000"/>
       </a:schemeClr>
     </dgm:fillClrLst>
@@ -3082,7 +3249,7 @@
   </dgm:styleLbl>
   <dgm:styleLbl name="dkBgShp">
     <dgm:fillClrLst meth="repeat">
-      <a:schemeClr val="accent5">
+      <a:schemeClr val="accent2">
         <a:shade val="90000"/>
       </a:schemeClr>
     </dgm:fillClrLst>
@@ -3098,13 +3265,13 @@
   </dgm:styleLbl>
   <dgm:styleLbl name="trBgShp">
     <dgm:fillClrLst meth="repeat">
-      <a:schemeClr val="accent5">
+      <a:schemeClr val="accent1">
         <a:tint val="50000"/>
         <a:alpha val="40000"/>
       </a:schemeClr>
     </dgm:fillClrLst>
     <dgm:linClrLst meth="repeat">
-      <a:schemeClr val="accent5"/>
+      <a:schemeClr val="accent2"/>
     </dgm:linClrLst>
     <dgm:effectClrLst/>
     <dgm:txLinClrLst/>
@@ -3115,7 +3282,7 @@
   </dgm:styleLbl>
   <dgm:styleLbl name="fgShp">
     <dgm:fillClrLst meth="repeat">
-      <a:schemeClr val="accent5">
+      <a:schemeClr val="accent2">
         <a:tint val="40000"/>
       </a:schemeClr>
     </dgm:fillClrLst>
@@ -5202,7 +5369,7 @@
 <dgm:dataModel xmlns:dgm="http://schemas.openxmlformats.org/drawingml/2006/diagram" xmlns:a="http://schemas.openxmlformats.org/drawingml/2006/main">
   <dgm:ptLst>
     <dgm:pt modelId="{8222DF6C-2954-4053-9414-7E145F61F862}" type="doc">
-      <dgm:prSet loTypeId="urn:microsoft.com/office/officeart/2005/8/layout/cycle2" loCatId="cycle" qsTypeId="urn:microsoft.com/office/officeart/2005/8/quickstyle/simple4" qsCatId="simple" csTypeId="urn:microsoft.com/office/officeart/2005/8/colors/colorful5" csCatId="colorful" phldr="1"/>
+      <dgm:prSet loTypeId="urn:microsoft.com/office/officeart/2005/8/layout/cycle2" loCatId="cycle" qsTypeId="urn:microsoft.com/office/officeart/2005/8/quickstyle/simple4" qsCatId="simple" csTypeId="urn:microsoft.com/office/officeart/2005/8/colors/colorful1" csCatId="colorful" phldr="1"/>
       <dgm:spPr/>
       <dgm:t>
         <a:bodyPr/>
@@ -5220,10 +5387,10 @@
         <a:lstStyle/>
         <a:p>
           <a:r>
-            <a:rPr lang="en-US" sz="1600" b="1" dirty="0" smtClean="0"/>
+            <a:rPr lang="en-US" sz="1200" b="1" dirty="0" smtClean="0"/>
             <a:t>Open Source</a:t>
           </a:r>
-          <a:endParaRPr lang="en-US" sz="1600" b="1" dirty="0"/>
+          <a:endParaRPr lang="en-US" sz="1200" b="1" dirty="0"/>
         </a:p>
       </dgm:t>
     </dgm:pt>
@@ -5234,7 +5401,7 @@
         <a:bodyPr/>
         <a:lstStyle/>
         <a:p>
-          <a:endParaRPr lang="en-US" sz="1600" b="1"/>
+          <a:endParaRPr lang="en-US" sz="1200" b="1"/>
         </a:p>
       </dgm:t>
     </dgm:pt>
@@ -5245,7 +5412,7 @@
         <a:bodyPr/>
         <a:lstStyle/>
         <a:p>
-          <a:endParaRPr lang="en-US" sz="1600" b="1"/>
+          <a:endParaRPr lang="en-US" sz="1200" b="1"/>
         </a:p>
       </dgm:t>
     </dgm:pt>
@@ -5257,10 +5424,10 @@
         <a:lstStyle/>
         <a:p>
           <a:r>
-            <a:rPr lang="en-US" sz="1600" b="1" dirty="0" smtClean="0"/>
+            <a:rPr lang="en-US" sz="1200" b="1" dirty="0" smtClean="0"/>
             <a:t>Scalability</a:t>
           </a:r>
-          <a:endParaRPr lang="en-US" sz="1600" b="1" dirty="0"/>
+          <a:endParaRPr lang="en-US" sz="1200" b="1" dirty="0"/>
         </a:p>
       </dgm:t>
     </dgm:pt>
@@ -5271,7 +5438,7 @@
         <a:bodyPr/>
         <a:lstStyle/>
         <a:p>
-          <a:endParaRPr lang="en-US" sz="1600" b="1"/>
+          <a:endParaRPr lang="en-US" sz="1200" b="1"/>
         </a:p>
       </dgm:t>
     </dgm:pt>
@@ -5282,7 +5449,7 @@
         <a:bodyPr/>
         <a:lstStyle/>
         <a:p>
-          <a:endParaRPr lang="en-US" sz="1600" b="1"/>
+          <a:endParaRPr lang="en-US" sz="1200" b="1"/>
         </a:p>
       </dgm:t>
     </dgm:pt>
@@ -5294,10 +5461,10 @@
         <a:lstStyle/>
         <a:p>
           <a:r>
-            <a:rPr lang="en-US" sz="1600" b="1" dirty="0" smtClean="0"/>
+            <a:rPr lang="en-US" sz="1200" b="1" dirty="0" smtClean="0"/>
             <a:t>Proven</a:t>
           </a:r>
-          <a:endParaRPr lang="en-US" sz="1600" b="1" dirty="0"/>
+          <a:endParaRPr lang="en-US" sz="1200" b="1" dirty="0"/>
         </a:p>
       </dgm:t>
     </dgm:pt>
@@ -5308,7 +5475,7 @@
         <a:bodyPr/>
         <a:lstStyle/>
         <a:p>
-          <a:endParaRPr lang="en-US" sz="1600" b="1"/>
+          <a:endParaRPr lang="en-US" sz="1200" b="1"/>
         </a:p>
       </dgm:t>
     </dgm:pt>
@@ -5319,7 +5486,7 @@
         <a:bodyPr/>
         <a:lstStyle/>
         <a:p>
-          <a:endParaRPr lang="en-US" sz="1600" b="1"/>
+          <a:endParaRPr lang="en-US" sz="1200" b="1"/>
         </a:p>
       </dgm:t>
     </dgm:pt>
@@ -5331,10 +5498,10 @@
         <a:lstStyle/>
         <a:p>
           <a:r>
-            <a:rPr lang="en-US" sz="1600" b="1" dirty="0" smtClean="0"/>
+            <a:rPr lang="en-US" sz="1200" b="1" dirty="0" smtClean="0"/>
             <a:t>Low learning curve</a:t>
           </a:r>
-          <a:endParaRPr lang="en-US" sz="1600" b="1" dirty="0"/>
+          <a:endParaRPr lang="en-US" sz="1200" b="1" dirty="0"/>
         </a:p>
       </dgm:t>
     </dgm:pt>
@@ -5345,7 +5512,7 @@
         <a:bodyPr/>
         <a:lstStyle/>
         <a:p>
-          <a:endParaRPr lang="en-US" sz="1600" b="1"/>
+          <a:endParaRPr lang="en-US" sz="1200" b="1"/>
         </a:p>
       </dgm:t>
     </dgm:pt>
@@ -5356,7 +5523,7 @@
         <a:bodyPr/>
         <a:lstStyle/>
         <a:p>
-          <a:endParaRPr lang="en-US" sz="1600" b="1"/>
+          <a:endParaRPr lang="en-US" sz="1200" b="1"/>
         </a:p>
       </dgm:t>
     </dgm:pt>
@@ -5368,10 +5535,10 @@
         <a:lstStyle/>
         <a:p>
           <a:r>
-            <a:rPr lang="en-US" sz="1600" b="1" dirty="0" smtClean="0"/>
+            <a:rPr lang="en-US" sz="1200" b="1" dirty="0" smtClean="0"/>
             <a:t>Low Complexity</a:t>
           </a:r>
-          <a:endParaRPr lang="en-US" sz="1600" b="1" dirty="0"/>
+          <a:endParaRPr lang="en-US" sz="1200" b="1" dirty="0"/>
         </a:p>
       </dgm:t>
     </dgm:pt>
@@ -5382,7 +5549,7 @@
         <a:bodyPr/>
         <a:lstStyle/>
         <a:p>
-          <a:endParaRPr lang="en-US" sz="1600" b="1"/>
+          <a:endParaRPr lang="en-US" sz="1200" b="1"/>
         </a:p>
       </dgm:t>
     </dgm:pt>
@@ -5393,7 +5560,7 @@
         <a:bodyPr/>
         <a:lstStyle/>
         <a:p>
-          <a:endParaRPr lang="en-US" sz="1600" b="1"/>
+          <a:endParaRPr lang="en-US" sz="1200" b="1"/>
         </a:p>
       </dgm:t>
     </dgm:pt>
@@ -5405,10 +5572,10 @@
         <a:lstStyle/>
         <a:p>
           <a:r>
-            <a:rPr lang="en-US" sz="1600" b="1" smtClean="0"/>
+            <a:rPr lang="en-US" sz="1200" b="1" smtClean="0"/>
             <a:t>Easy to maintain</a:t>
           </a:r>
-          <a:endParaRPr lang="en-US" sz="1600" b="1" dirty="0"/>
+          <a:endParaRPr lang="en-US" sz="1200" b="1" dirty="0"/>
         </a:p>
       </dgm:t>
     </dgm:pt>
@@ -5419,7 +5586,7 @@
         <a:bodyPr/>
         <a:lstStyle/>
         <a:p>
-          <a:endParaRPr lang="en-US" sz="1600" b="1"/>
+          <a:endParaRPr lang="en-US" sz="1200" b="1"/>
         </a:p>
       </dgm:t>
     </dgm:pt>
@@ -5430,7 +5597,7 @@
         <a:bodyPr/>
         <a:lstStyle/>
         <a:p>
-          <a:endParaRPr lang="en-US" sz="1600" b="1"/>
+          <a:endParaRPr lang="en-US" sz="1200" b="1"/>
         </a:p>
       </dgm:t>
     </dgm:pt>
@@ -5442,10 +5609,10 @@
         <a:lstStyle/>
         <a:p>
           <a:r>
-            <a:rPr lang="en-US" sz="1600" b="1" i="0" u="none" smtClean="0"/>
+            <a:rPr lang="en-US" sz="1200" b="1" i="0" u="none" smtClean="0"/>
             <a:t>Light weight</a:t>
           </a:r>
-          <a:endParaRPr lang="en-US" sz="1600" b="1" dirty="0"/>
+          <a:endParaRPr lang="en-US" sz="1200" b="1" dirty="0"/>
         </a:p>
       </dgm:t>
     </dgm:pt>
@@ -5456,7 +5623,7 @@
         <a:bodyPr/>
         <a:lstStyle/>
         <a:p>
-          <a:endParaRPr lang="en-US" sz="1600" b="1"/>
+          <a:endParaRPr lang="en-US" sz="1200" b="1"/>
         </a:p>
       </dgm:t>
     </dgm:pt>
@@ -5467,7 +5634,7 @@
         <a:bodyPr/>
         <a:lstStyle/>
         <a:p>
-          <a:endParaRPr lang="en-US" sz="1600" b="1"/>
+          <a:endParaRPr lang="en-US" sz="1200" b="1"/>
         </a:p>
       </dgm:t>
     </dgm:pt>
@@ -5479,10 +5646,10 @@
         <a:lstStyle/>
         <a:p>
           <a:r>
-            <a:rPr lang="en-US" sz="1600" b="1" i="0" u="none" smtClean="0"/>
+            <a:rPr lang="en-US" sz="1200" b="1" i="0" u="none" dirty="0" smtClean="0"/>
             <a:t>Cloud Support</a:t>
           </a:r>
-          <a:endParaRPr lang="en-US" sz="1600" b="1" dirty="0"/>
+          <a:endParaRPr lang="en-US" sz="1200" b="1" dirty="0"/>
         </a:p>
       </dgm:t>
     </dgm:pt>
@@ -5493,7 +5660,7 @@
         <a:bodyPr/>
         <a:lstStyle/>
         <a:p>
-          <a:endParaRPr lang="en-US" sz="1600" b="1"/>
+          <a:endParaRPr lang="en-US" sz="1200" b="1"/>
         </a:p>
       </dgm:t>
     </dgm:pt>
@@ -5504,7 +5671,44 @@
         <a:bodyPr/>
         <a:lstStyle/>
         <a:p>
-          <a:endParaRPr lang="en-US" sz="1600" b="1"/>
+          <a:endParaRPr lang="en-US" sz="1200" b="1"/>
+        </a:p>
+      </dgm:t>
+    </dgm:pt>
+    <dgm:pt modelId="{A2DF9A16-F567-4AC5-B8FE-F30135821574}">
+      <dgm:prSet phldrT="[Text]" custT="1"/>
+      <dgm:spPr/>
+      <dgm:t>
+        <a:bodyPr/>
+        <a:lstStyle/>
+        <a:p>
+          <a:r>
+            <a:rPr lang="en-US" sz="1200" b="1" dirty="0" smtClean="0"/>
+            <a:t>Active Community</a:t>
+          </a:r>
+          <a:endParaRPr lang="en-US" sz="1200" b="1" dirty="0"/>
+        </a:p>
+      </dgm:t>
+    </dgm:pt>
+    <dgm:pt modelId="{587529F8-144F-428D-8597-99F396201FC6}" type="parTrans" cxnId="{D44DA460-E23A-4CA3-A39C-061F55062B73}">
+      <dgm:prSet/>
+      <dgm:spPr/>
+      <dgm:t>
+        <a:bodyPr/>
+        <a:lstStyle/>
+        <a:p>
+          <a:endParaRPr lang="en-US" sz="1200"/>
+        </a:p>
+      </dgm:t>
+    </dgm:pt>
+    <dgm:pt modelId="{6E5BF9A8-7C1E-4A65-BD09-48792AF2461E}" type="sibTrans" cxnId="{D44DA460-E23A-4CA3-A39C-061F55062B73}">
+      <dgm:prSet custT="1"/>
+      <dgm:spPr/>
+      <dgm:t>
+        <a:bodyPr/>
+        <a:lstStyle/>
+        <a:p>
+          <a:endParaRPr lang="en-US" sz="1200"/>
         </a:p>
       </dgm:t>
     </dgm:pt>
@@ -5525,7 +5729,7 @@
       </dgm:t>
     </dgm:pt>
     <dgm:pt modelId="{3B2B6222-08BB-4469-9E4C-C1DD4A30946E}" type="pres">
-      <dgm:prSet presAssocID="{11F81D15-8182-44D1-B7C7-5468506714C7}" presName="node" presStyleLbl="node1" presStyleIdx="0" presStyleCnt="8" custScaleX="121247" custScaleY="121247">
+      <dgm:prSet presAssocID="{11F81D15-8182-44D1-B7C7-5468506714C7}" presName="node" presStyleLbl="node1" presStyleIdx="0" presStyleCnt="9" custScaleX="121247" custScaleY="121247">
         <dgm:presLayoutVars>
           <dgm:bulletEnabled val="1"/>
         </dgm:presLayoutVars>
@@ -5540,7 +5744,7 @@
       </dgm:t>
     </dgm:pt>
     <dgm:pt modelId="{07AA7D78-6817-4636-BD7E-64D87A576842}" type="pres">
-      <dgm:prSet presAssocID="{CBAFF2E7-4D4D-4D16-BCB0-58516199C992}" presName="sibTrans" presStyleLbl="sibTrans2D1" presStyleIdx="0" presStyleCnt="8"/>
+      <dgm:prSet presAssocID="{CBAFF2E7-4D4D-4D16-BCB0-58516199C992}" presName="sibTrans" presStyleLbl="sibTrans2D1" presStyleIdx="0" presStyleCnt="9"/>
       <dgm:spPr/>
       <dgm:t>
         <a:bodyPr/>
@@ -5551,7 +5755,7 @@
       </dgm:t>
     </dgm:pt>
     <dgm:pt modelId="{00020BEE-25BE-4EE2-8900-31D83D158CBE}" type="pres">
-      <dgm:prSet presAssocID="{CBAFF2E7-4D4D-4D16-BCB0-58516199C992}" presName="connectorText" presStyleLbl="sibTrans2D1" presStyleIdx="0" presStyleCnt="8"/>
+      <dgm:prSet presAssocID="{CBAFF2E7-4D4D-4D16-BCB0-58516199C992}" presName="connectorText" presStyleLbl="sibTrans2D1" presStyleIdx="0" presStyleCnt="9"/>
       <dgm:spPr/>
       <dgm:t>
         <a:bodyPr/>
@@ -5562,7 +5766,7 @@
       </dgm:t>
     </dgm:pt>
     <dgm:pt modelId="{424FBFFB-6A12-4A8C-AAF1-2FAD31DF37D6}" type="pres">
-      <dgm:prSet presAssocID="{52156BC5-6160-4113-AB14-31A7BC96835E}" presName="node" presStyleLbl="node1" presStyleIdx="1" presStyleCnt="8" custScaleX="121247" custScaleY="121247">
+      <dgm:prSet presAssocID="{52156BC5-6160-4113-AB14-31A7BC96835E}" presName="node" presStyleLbl="node1" presStyleIdx="1" presStyleCnt="9" custScaleX="121247" custScaleY="121247">
         <dgm:presLayoutVars>
           <dgm:bulletEnabled val="1"/>
         </dgm:presLayoutVars>
@@ -5577,7 +5781,7 @@
       </dgm:t>
     </dgm:pt>
     <dgm:pt modelId="{E067413C-7820-468A-84D3-07E620C69EA1}" type="pres">
-      <dgm:prSet presAssocID="{125EF4CC-ECE3-498F-A3FB-DB4158304DB2}" presName="sibTrans" presStyleLbl="sibTrans2D1" presStyleIdx="1" presStyleCnt="8"/>
+      <dgm:prSet presAssocID="{125EF4CC-ECE3-498F-A3FB-DB4158304DB2}" presName="sibTrans" presStyleLbl="sibTrans2D1" presStyleIdx="1" presStyleCnt="9"/>
       <dgm:spPr/>
       <dgm:t>
         <a:bodyPr/>
@@ -5588,7 +5792,7 @@
       </dgm:t>
     </dgm:pt>
     <dgm:pt modelId="{C3246948-EA1D-49EF-ABAE-B799E9E93A60}" type="pres">
-      <dgm:prSet presAssocID="{125EF4CC-ECE3-498F-A3FB-DB4158304DB2}" presName="connectorText" presStyleLbl="sibTrans2D1" presStyleIdx="1" presStyleCnt="8"/>
+      <dgm:prSet presAssocID="{125EF4CC-ECE3-498F-A3FB-DB4158304DB2}" presName="connectorText" presStyleLbl="sibTrans2D1" presStyleIdx="1" presStyleCnt="9"/>
       <dgm:spPr/>
       <dgm:t>
         <a:bodyPr/>
@@ -5599,7 +5803,7 @@
       </dgm:t>
     </dgm:pt>
     <dgm:pt modelId="{129E5C94-C62C-4043-8EB3-4DC3B1B11C21}" type="pres">
-      <dgm:prSet presAssocID="{B454FDC6-15D6-4F51-958A-94B65F389876}" presName="node" presStyleLbl="node1" presStyleIdx="2" presStyleCnt="8" custScaleX="121247" custScaleY="121247">
+      <dgm:prSet presAssocID="{B454FDC6-15D6-4F51-958A-94B65F389876}" presName="node" presStyleLbl="node1" presStyleIdx="2" presStyleCnt="9" custScaleX="121247" custScaleY="121247">
         <dgm:presLayoutVars>
           <dgm:bulletEnabled val="1"/>
         </dgm:presLayoutVars>
@@ -5614,7 +5818,7 @@
       </dgm:t>
     </dgm:pt>
     <dgm:pt modelId="{6EAB7CE9-9314-4441-A3AB-F554B05A0CC4}" type="pres">
-      <dgm:prSet presAssocID="{B493DD26-0E10-4840-B55E-31AC7B4FDB40}" presName="sibTrans" presStyleLbl="sibTrans2D1" presStyleIdx="2" presStyleCnt="8"/>
+      <dgm:prSet presAssocID="{B493DD26-0E10-4840-B55E-31AC7B4FDB40}" presName="sibTrans" presStyleLbl="sibTrans2D1" presStyleIdx="2" presStyleCnt="9"/>
       <dgm:spPr/>
       <dgm:t>
         <a:bodyPr/>
@@ -5625,7 +5829,7 @@
       </dgm:t>
     </dgm:pt>
     <dgm:pt modelId="{FC9BDF05-E129-4572-85C8-75384179D8E3}" type="pres">
-      <dgm:prSet presAssocID="{B493DD26-0E10-4840-B55E-31AC7B4FDB40}" presName="connectorText" presStyleLbl="sibTrans2D1" presStyleIdx="2" presStyleCnt="8"/>
+      <dgm:prSet presAssocID="{B493DD26-0E10-4840-B55E-31AC7B4FDB40}" presName="connectorText" presStyleLbl="sibTrans2D1" presStyleIdx="2" presStyleCnt="9"/>
       <dgm:spPr/>
       <dgm:t>
         <a:bodyPr/>
@@ -5636,7 +5840,7 @@
       </dgm:t>
     </dgm:pt>
     <dgm:pt modelId="{E2C5EB64-46F7-46EE-950D-21428E263F7F}" type="pres">
-      <dgm:prSet presAssocID="{6CD92A5A-0DA9-4937-A856-EDEA92091F0F}" presName="node" presStyleLbl="node1" presStyleIdx="3" presStyleCnt="8" custScaleX="121247" custScaleY="121247">
+      <dgm:prSet presAssocID="{6CD92A5A-0DA9-4937-A856-EDEA92091F0F}" presName="node" presStyleLbl="node1" presStyleIdx="3" presStyleCnt="9" custScaleX="121247" custScaleY="121247">
         <dgm:presLayoutVars>
           <dgm:bulletEnabled val="1"/>
         </dgm:presLayoutVars>
@@ -5651,7 +5855,7 @@
       </dgm:t>
     </dgm:pt>
     <dgm:pt modelId="{9B2AF194-2AD8-4FF9-93A4-CB52FBC88F1D}" type="pres">
-      <dgm:prSet presAssocID="{AB9648E3-25B7-46FC-BFE1-341A84B433F7}" presName="sibTrans" presStyleLbl="sibTrans2D1" presStyleIdx="3" presStyleCnt="8"/>
+      <dgm:prSet presAssocID="{AB9648E3-25B7-46FC-BFE1-341A84B433F7}" presName="sibTrans" presStyleLbl="sibTrans2D1" presStyleIdx="3" presStyleCnt="9"/>
       <dgm:spPr/>
       <dgm:t>
         <a:bodyPr/>
@@ -5662,7 +5866,7 @@
       </dgm:t>
     </dgm:pt>
     <dgm:pt modelId="{FB6CC13E-3950-4A25-846E-D9CD5E3DFA1E}" type="pres">
-      <dgm:prSet presAssocID="{AB9648E3-25B7-46FC-BFE1-341A84B433F7}" presName="connectorText" presStyleLbl="sibTrans2D1" presStyleIdx="3" presStyleCnt="8"/>
+      <dgm:prSet presAssocID="{AB9648E3-25B7-46FC-BFE1-341A84B433F7}" presName="connectorText" presStyleLbl="sibTrans2D1" presStyleIdx="3" presStyleCnt="9"/>
       <dgm:spPr/>
       <dgm:t>
         <a:bodyPr/>
@@ -5673,7 +5877,7 @@
       </dgm:t>
     </dgm:pt>
     <dgm:pt modelId="{9A1D0261-766F-4914-90E4-02ED8F791C95}" type="pres">
-      <dgm:prSet presAssocID="{6F9B1808-DAC7-4DF6-8965-BAC6C86ED0F3}" presName="node" presStyleLbl="node1" presStyleIdx="4" presStyleCnt="8" custScaleX="121247" custScaleY="121247">
+      <dgm:prSet presAssocID="{6F9B1808-DAC7-4DF6-8965-BAC6C86ED0F3}" presName="node" presStyleLbl="node1" presStyleIdx="4" presStyleCnt="9" custScaleX="121247" custScaleY="121247">
         <dgm:presLayoutVars>
           <dgm:bulletEnabled val="1"/>
         </dgm:presLayoutVars>
@@ -5688,7 +5892,7 @@
       </dgm:t>
     </dgm:pt>
     <dgm:pt modelId="{99F4AB56-C1C2-4E10-B6BA-59EFF5E46E90}" type="pres">
-      <dgm:prSet presAssocID="{BB90CF38-E242-4A00-9F64-B3CF0DA335A4}" presName="sibTrans" presStyleLbl="sibTrans2D1" presStyleIdx="4" presStyleCnt="8"/>
+      <dgm:prSet presAssocID="{BB90CF38-E242-4A00-9F64-B3CF0DA335A4}" presName="sibTrans" presStyleLbl="sibTrans2D1" presStyleIdx="4" presStyleCnt="9"/>
       <dgm:spPr/>
       <dgm:t>
         <a:bodyPr/>
@@ -5699,7 +5903,7 @@
       </dgm:t>
     </dgm:pt>
     <dgm:pt modelId="{6F6AE01E-FCAB-4AB0-AC94-1865DBD20459}" type="pres">
-      <dgm:prSet presAssocID="{BB90CF38-E242-4A00-9F64-B3CF0DA335A4}" presName="connectorText" presStyleLbl="sibTrans2D1" presStyleIdx="4" presStyleCnt="8"/>
+      <dgm:prSet presAssocID="{BB90CF38-E242-4A00-9F64-B3CF0DA335A4}" presName="connectorText" presStyleLbl="sibTrans2D1" presStyleIdx="4" presStyleCnt="9"/>
       <dgm:spPr/>
       <dgm:t>
         <a:bodyPr/>
@@ -5710,7 +5914,7 @@
       </dgm:t>
     </dgm:pt>
     <dgm:pt modelId="{CFD43E62-0262-4277-97AA-448F51DC12EA}" type="pres">
-      <dgm:prSet presAssocID="{0BD76CBF-2CC8-4B10-B5B1-FD766B4C73A3}" presName="node" presStyleLbl="node1" presStyleIdx="5" presStyleCnt="8" custScaleX="121247" custScaleY="121247">
+      <dgm:prSet presAssocID="{0BD76CBF-2CC8-4B10-B5B1-FD766B4C73A3}" presName="node" presStyleLbl="node1" presStyleIdx="5" presStyleCnt="9" custScaleX="121247" custScaleY="121247">
         <dgm:presLayoutVars>
           <dgm:bulletEnabled val="1"/>
         </dgm:presLayoutVars>
@@ -5725,7 +5929,7 @@
       </dgm:t>
     </dgm:pt>
     <dgm:pt modelId="{55BF76C7-EC85-4918-98C1-83E506A30DDE}" type="pres">
-      <dgm:prSet presAssocID="{5612A079-0D41-43C6-9694-6E80F27BB1AD}" presName="sibTrans" presStyleLbl="sibTrans2D1" presStyleIdx="5" presStyleCnt="8"/>
+      <dgm:prSet presAssocID="{5612A079-0D41-43C6-9694-6E80F27BB1AD}" presName="sibTrans" presStyleLbl="sibTrans2D1" presStyleIdx="5" presStyleCnt="9"/>
       <dgm:spPr/>
       <dgm:t>
         <a:bodyPr/>
@@ -5736,7 +5940,7 @@
       </dgm:t>
     </dgm:pt>
     <dgm:pt modelId="{F6224AC6-E6AF-41AE-9C50-B0EB965A13FC}" type="pres">
-      <dgm:prSet presAssocID="{5612A079-0D41-43C6-9694-6E80F27BB1AD}" presName="connectorText" presStyleLbl="sibTrans2D1" presStyleIdx="5" presStyleCnt="8"/>
+      <dgm:prSet presAssocID="{5612A079-0D41-43C6-9694-6E80F27BB1AD}" presName="connectorText" presStyleLbl="sibTrans2D1" presStyleIdx="5" presStyleCnt="9"/>
       <dgm:spPr/>
       <dgm:t>
         <a:bodyPr/>
@@ -5747,7 +5951,7 @@
       </dgm:t>
     </dgm:pt>
     <dgm:pt modelId="{A1433F36-7959-4D85-AEBE-2B4E5B8AFDFA}" type="pres">
-      <dgm:prSet presAssocID="{A9389156-BE24-46BF-8747-D717E391D408}" presName="node" presStyleLbl="node1" presStyleIdx="6" presStyleCnt="8" custScaleX="121247" custScaleY="121247">
+      <dgm:prSet presAssocID="{A9389156-BE24-46BF-8747-D717E391D408}" presName="node" presStyleLbl="node1" presStyleIdx="6" presStyleCnt="9" custScaleX="121247" custScaleY="121247">
         <dgm:presLayoutVars>
           <dgm:bulletEnabled val="1"/>
         </dgm:presLayoutVars>
@@ -5762,7 +5966,7 @@
       </dgm:t>
     </dgm:pt>
     <dgm:pt modelId="{D3F2D1F1-3268-4633-AECF-E1088149916A}" type="pres">
-      <dgm:prSet presAssocID="{1520B148-80BC-4D22-8B2E-7EA4997045D8}" presName="sibTrans" presStyleLbl="sibTrans2D1" presStyleIdx="6" presStyleCnt="8"/>
+      <dgm:prSet presAssocID="{1520B148-80BC-4D22-8B2E-7EA4997045D8}" presName="sibTrans" presStyleLbl="sibTrans2D1" presStyleIdx="6" presStyleCnt="9"/>
       <dgm:spPr/>
       <dgm:t>
         <a:bodyPr/>
@@ -5773,7 +5977,7 @@
       </dgm:t>
     </dgm:pt>
     <dgm:pt modelId="{4679E939-5197-4784-953E-380EF8535199}" type="pres">
-      <dgm:prSet presAssocID="{1520B148-80BC-4D22-8B2E-7EA4997045D8}" presName="connectorText" presStyleLbl="sibTrans2D1" presStyleIdx="6" presStyleCnt="8"/>
+      <dgm:prSet presAssocID="{1520B148-80BC-4D22-8B2E-7EA4997045D8}" presName="connectorText" presStyleLbl="sibTrans2D1" presStyleIdx="6" presStyleCnt="9"/>
       <dgm:spPr/>
       <dgm:t>
         <a:bodyPr/>
@@ -5784,7 +5988,7 @@
       </dgm:t>
     </dgm:pt>
     <dgm:pt modelId="{8A600920-6744-4A37-B7D9-C4CED9312A73}" type="pres">
-      <dgm:prSet presAssocID="{7CB57541-63AA-4EA3-9D73-90519812542F}" presName="node" presStyleLbl="node1" presStyleIdx="7" presStyleCnt="8" custScaleX="121247" custScaleY="121247">
+      <dgm:prSet presAssocID="{7CB57541-63AA-4EA3-9D73-90519812542F}" presName="node" presStyleLbl="node1" presStyleIdx="7" presStyleCnt="9" custScaleX="121247" custScaleY="121247">
         <dgm:presLayoutVars>
           <dgm:bulletEnabled val="1"/>
         </dgm:presLayoutVars>
@@ -5799,7 +6003,7 @@
       </dgm:t>
     </dgm:pt>
     <dgm:pt modelId="{9B70611D-CE57-4F3F-A21C-CDE7227A3E47}" type="pres">
-      <dgm:prSet presAssocID="{D8CE4EB7-6F89-4CDC-9A5C-FF99F2DB13A7}" presName="sibTrans" presStyleLbl="sibTrans2D1" presStyleIdx="7" presStyleCnt="8"/>
+      <dgm:prSet presAssocID="{D8CE4EB7-6F89-4CDC-9A5C-FF99F2DB13A7}" presName="sibTrans" presStyleLbl="sibTrans2D1" presStyleIdx="7" presStyleCnt="9"/>
       <dgm:spPr/>
       <dgm:t>
         <a:bodyPr/>
@@ -5810,7 +6014,44 @@
       </dgm:t>
     </dgm:pt>
     <dgm:pt modelId="{98B2210D-439A-4097-B493-0705118C34EA}" type="pres">
-      <dgm:prSet presAssocID="{D8CE4EB7-6F89-4CDC-9A5C-FF99F2DB13A7}" presName="connectorText" presStyleLbl="sibTrans2D1" presStyleIdx="7" presStyleCnt="8"/>
+      <dgm:prSet presAssocID="{D8CE4EB7-6F89-4CDC-9A5C-FF99F2DB13A7}" presName="connectorText" presStyleLbl="sibTrans2D1" presStyleIdx="7" presStyleCnt="9"/>
+      <dgm:spPr/>
+      <dgm:t>
+        <a:bodyPr/>
+        <a:lstStyle/>
+        <a:p>
+          <a:endParaRPr lang="en-US"/>
+        </a:p>
+      </dgm:t>
+    </dgm:pt>
+    <dgm:pt modelId="{43E6A6CF-2BAD-458C-BD30-F26C501F0DDB}" type="pres">
+      <dgm:prSet presAssocID="{A2DF9A16-F567-4AC5-B8FE-F30135821574}" presName="node" presStyleLbl="node1" presStyleIdx="8" presStyleCnt="9">
+        <dgm:presLayoutVars>
+          <dgm:bulletEnabled val="1"/>
+        </dgm:presLayoutVars>
+      </dgm:prSet>
+      <dgm:spPr/>
+      <dgm:t>
+        <a:bodyPr/>
+        <a:lstStyle/>
+        <a:p>
+          <a:endParaRPr lang="en-US"/>
+        </a:p>
+      </dgm:t>
+    </dgm:pt>
+    <dgm:pt modelId="{11A7BCEB-CD57-4097-A3D2-0105AF45D05E}" type="pres">
+      <dgm:prSet presAssocID="{6E5BF9A8-7C1E-4A65-BD09-48792AF2461E}" presName="sibTrans" presStyleLbl="sibTrans2D1" presStyleIdx="8" presStyleCnt="9"/>
+      <dgm:spPr/>
+      <dgm:t>
+        <a:bodyPr/>
+        <a:lstStyle/>
+        <a:p>
+          <a:endParaRPr lang="en-US"/>
+        </a:p>
+      </dgm:t>
+    </dgm:pt>
+    <dgm:pt modelId="{2736499C-7486-4E03-B16B-B6FF35848BCD}" type="pres">
+      <dgm:prSet presAssocID="{6E5BF9A8-7C1E-4A65-BD09-48792AF2461E}" presName="connectorText" presStyleLbl="sibTrans2D1" presStyleIdx="8" presStyleCnt="9"/>
       <dgm:spPr/>
       <dgm:t>
         <a:bodyPr/>
@@ -5822,39 +6063,43 @@
     </dgm:pt>
   </dgm:ptLst>
   <dgm:cxnLst>
-    <dgm:cxn modelId="{ABDA2342-2071-4CDC-A65D-02BC4CABCBF8}" srcId="{8222DF6C-2954-4053-9414-7E145F61F862}" destId="{52156BC5-6160-4113-AB14-31A7BC96835E}" srcOrd="1" destOrd="0" parTransId="{94251356-D811-4B1B-8EE6-39ACB8903D24}" sibTransId="{125EF4CC-ECE3-498F-A3FB-DB4158304DB2}"/>
+    <dgm:cxn modelId="{B5502011-F408-4987-BE0F-2468047D662F}" type="presOf" srcId="{7CB57541-63AA-4EA3-9D73-90519812542F}" destId="{8A600920-6744-4A37-B7D9-C4CED9312A73}" srcOrd="0" destOrd="0" presId="urn:microsoft.com/office/officeart/2005/8/layout/cycle2"/>
+    <dgm:cxn modelId="{8C43CCC6-2FF3-44DA-8D06-C664E654BFA9}" srcId="{8222DF6C-2954-4053-9414-7E145F61F862}" destId="{B454FDC6-15D6-4F51-958A-94B65F389876}" srcOrd="2" destOrd="0" parTransId="{C662D717-D828-42BB-8030-0F4DDDF233DA}" sibTransId="{B493DD26-0E10-4840-B55E-31AC7B4FDB40}"/>
+    <dgm:cxn modelId="{9EE27590-F618-43E9-ABC4-65377F95C56C}" type="presOf" srcId="{11F81D15-8182-44D1-B7C7-5468506714C7}" destId="{3B2B6222-08BB-4469-9E4C-C1DD4A30946E}" srcOrd="0" destOrd="0" presId="urn:microsoft.com/office/officeart/2005/8/layout/cycle2"/>
+    <dgm:cxn modelId="{D1A1335E-C475-4B9C-A425-0C7DF50049DF}" type="presOf" srcId="{A2DF9A16-F567-4AC5-B8FE-F30135821574}" destId="{43E6A6CF-2BAD-458C-BD30-F26C501F0DDB}" srcOrd="0" destOrd="0" presId="urn:microsoft.com/office/officeart/2005/8/layout/cycle2"/>
+    <dgm:cxn modelId="{4E787051-6BBB-415F-B9BF-1DDC909E56DD}" type="presOf" srcId="{8222DF6C-2954-4053-9414-7E145F61F862}" destId="{A0FD36B4-5E63-4C29-B632-10B1C267089B}" srcOrd="0" destOrd="0" presId="urn:microsoft.com/office/officeart/2005/8/layout/cycle2"/>
     <dgm:cxn modelId="{66899223-D319-4EBE-9979-9D130A2CD4D0}" type="presOf" srcId="{A9389156-BE24-46BF-8747-D717E391D408}" destId="{A1433F36-7959-4D85-AEBE-2B4E5B8AFDFA}" srcOrd="0" destOrd="0" presId="urn:microsoft.com/office/officeart/2005/8/layout/cycle2"/>
-    <dgm:cxn modelId="{6714A28A-B2FA-4FB3-8DAD-59907DD1DF12}" type="presOf" srcId="{D8CE4EB7-6F89-4CDC-9A5C-FF99F2DB13A7}" destId="{98B2210D-439A-4097-B493-0705118C34EA}" srcOrd="1" destOrd="0" presId="urn:microsoft.com/office/officeart/2005/8/layout/cycle2"/>
-    <dgm:cxn modelId="{2084F813-0185-4F27-8B60-3E0D89FA5D9A}" type="presOf" srcId="{B454FDC6-15D6-4F51-958A-94B65F389876}" destId="{129E5C94-C62C-4043-8EB3-4DC3B1B11C21}" srcOrd="0" destOrd="0" presId="urn:microsoft.com/office/officeart/2005/8/layout/cycle2"/>
-    <dgm:cxn modelId="{5865F2AF-8012-48A2-B868-DB6598F28DAF}" type="presOf" srcId="{CBAFF2E7-4D4D-4D16-BCB0-58516199C992}" destId="{07AA7D78-6817-4636-BD7E-64D87A576842}" srcOrd="0" destOrd="0" presId="urn:microsoft.com/office/officeart/2005/8/layout/cycle2"/>
-    <dgm:cxn modelId="{87F6726B-342E-450C-A587-28E0C965278F}" type="presOf" srcId="{6CD92A5A-0DA9-4937-A856-EDEA92091F0F}" destId="{E2C5EB64-46F7-46EE-950D-21428E263F7F}" srcOrd="0" destOrd="0" presId="urn:microsoft.com/office/officeart/2005/8/layout/cycle2"/>
+    <dgm:cxn modelId="{4FFBA426-2DB5-4FCD-A047-2BF1FF524FF1}" type="presOf" srcId="{6E5BF9A8-7C1E-4A65-BD09-48792AF2461E}" destId="{2736499C-7486-4E03-B16B-B6FF35848BCD}" srcOrd="1" destOrd="0" presId="urn:microsoft.com/office/officeart/2005/8/layout/cycle2"/>
     <dgm:cxn modelId="{8AF2AD6B-E5F6-4314-83F6-46947965E344}" srcId="{8222DF6C-2954-4053-9414-7E145F61F862}" destId="{A9389156-BE24-46BF-8747-D717E391D408}" srcOrd="6" destOrd="0" parTransId="{24CA1E9C-5F92-440A-8BCC-1C8F55DD901A}" sibTransId="{1520B148-80BC-4D22-8B2E-7EA4997045D8}"/>
     <dgm:cxn modelId="{AA786598-6165-4B57-9177-D0AAB610D450}" srcId="{8222DF6C-2954-4053-9414-7E145F61F862}" destId="{6F9B1808-DAC7-4DF6-8965-BAC6C86ED0F3}" srcOrd="4" destOrd="0" parTransId="{E782098A-E761-41AD-9500-26ABDE0FFEEA}" sibTransId="{BB90CF38-E242-4A00-9F64-B3CF0DA335A4}"/>
+    <dgm:cxn modelId="{1AAD56C1-FB8A-4DD1-8D67-C64FB870C3B0}" type="presOf" srcId="{AB9648E3-25B7-46FC-BFE1-341A84B433F7}" destId="{FB6CC13E-3950-4A25-846E-D9CD5E3DFA1E}" srcOrd="1" destOrd="0" presId="urn:microsoft.com/office/officeart/2005/8/layout/cycle2"/>
+    <dgm:cxn modelId="{99BA735E-84E9-4EBE-8DA5-DB77C248D6F4}" type="presOf" srcId="{BB90CF38-E242-4A00-9F64-B3CF0DA335A4}" destId="{6F6AE01E-FCAB-4AB0-AC94-1865DBD20459}" srcOrd="1" destOrd="0" presId="urn:microsoft.com/office/officeart/2005/8/layout/cycle2"/>
+    <dgm:cxn modelId="{586FD615-17B1-4F04-88C9-A8F09A892011}" type="presOf" srcId="{1520B148-80BC-4D22-8B2E-7EA4997045D8}" destId="{D3F2D1F1-3268-4633-AECF-E1088149916A}" srcOrd="0" destOrd="0" presId="urn:microsoft.com/office/officeart/2005/8/layout/cycle2"/>
     <dgm:cxn modelId="{9881ABDC-2C99-4549-831E-B1A99012C3F4}" type="presOf" srcId="{52156BC5-6160-4113-AB14-31A7BC96835E}" destId="{424FBFFB-6A12-4A8C-AAF1-2FAD31DF37D6}" srcOrd="0" destOrd="0" presId="urn:microsoft.com/office/officeart/2005/8/layout/cycle2"/>
-    <dgm:cxn modelId="{1AAD56C1-FB8A-4DD1-8D67-C64FB870C3B0}" type="presOf" srcId="{AB9648E3-25B7-46FC-BFE1-341A84B433F7}" destId="{FB6CC13E-3950-4A25-846E-D9CD5E3DFA1E}" srcOrd="1" destOrd="0" presId="urn:microsoft.com/office/officeart/2005/8/layout/cycle2"/>
+    <dgm:cxn modelId="{8AFB860C-3B2F-43BD-AF29-985051B83DDF}" type="presOf" srcId="{B493DD26-0E10-4840-B55E-31AC7B4FDB40}" destId="{FC9BDF05-E129-4572-85C8-75384179D8E3}" srcOrd="1" destOrd="0" presId="urn:microsoft.com/office/officeart/2005/8/layout/cycle2"/>
+    <dgm:cxn modelId="{24EA811F-A478-409D-A545-79F84F26CB91}" type="presOf" srcId="{BB90CF38-E242-4A00-9F64-B3CF0DA335A4}" destId="{99F4AB56-C1C2-4E10-B6BA-59EFF5E46E90}" srcOrd="0" destOrd="0" presId="urn:microsoft.com/office/officeart/2005/8/layout/cycle2"/>
+    <dgm:cxn modelId="{8384B2AB-E011-44BC-8AFF-E7611E74FB99}" srcId="{8222DF6C-2954-4053-9414-7E145F61F862}" destId="{6CD92A5A-0DA9-4937-A856-EDEA92091F0F}" srcOrd="3" destOrd="0" parTransId="{697C7107-57C2-4F74-965D-20B06B45AEB0}" sibTransId="{AB9648E3-25B7-46FC-BFE1-341A84B433F7}"/>
+    <dgm:cxn modelId="{F83EB4BE-3770-4EAF-8056-083931C22B4E}" type="presOf" srcId="{D8CE4EB7-6F89-4CDC-9A5C-FF99F2DB13A7}" destId="{9B70611D-CE57-4F3F-A21C-CDE7227A3E47}" srcOrd="0" destOrd="0" presId="urn:microsoft.com/office/officeart/2005/8/layout/cycle2"/>
+    <dgm:cxn modelId="{DC5FCF4D-D066-4ECB-B58A-4F78EA6BB7D8}" type="presOf" srcId="{6E5BF9A8-7C1E-4A65-BD09-48792AF2461E}" destId="{11A7BCEB-CD57-4097-A3D2-0105AF45D05E}" srcOrd="0" destOrd="0" presId="urn:microsoft.com/office/officeart/2005/8/layout/cycle2"/>
+    <dgm:cxn modelId="{ABDA2342-2071-4CDC-A65D-02BC4CABCBF8}" srcId="{8222DF6C-2954-4053-9414-7E145F61F862}" destId="{52156BC5-6160-4113-AB14-31A7BC96835E}" srcOrd="1" destOrd="0" parTransId="{94251356-D811-4B1B-8EE6-39ACB8903D24}" sibTransId="{125EF4CC-ECE3-498F-A3FB-DB4158304DB2}"/>
+    <dgm:cxn modelId="{92FA50B4-C190-45A9-8A24-2BB2E0F5DFE1}" type="presOf" srcId="{CBAFF2E7-4D4D-4D16-BCB0-58516199C992}" destId="{00020BEE-25BE-4EE2-8900-31D83D158CBE}" srcOrd="1" destOrd="0" presId="urn:microsoft.com/office/officeart/2005/8/layout/cycle2"/>
+    <dgm:cxn modelId="{11BE7CAF-35D0-4F3A-8DBF-7C86D246BECE}" type="presOf" srcId="{125EF4CC-ECE3-498F-A3FB-DB4158304DB2}" destId="{E067413C-7820-468A-84D3-07E620C69EA1}" srcOrd="0" destOrd="0" presId="urn:microsoft.com/office/officeart/2005/8/layout/cycle2"/>
+    <dgm:cxn modelId="{02282D4E-D1B1-41BC-AE45-68AC00415228}" type="presOf" srcId="{AB9648E3-25B7-46FC-BFE1-341A84B433F7}" destId="{9B2AF194-2AD8-4FF9-93A4-CB52FBC88F1D}" srcOrd="0" destOrd="0" presId="urn:microsoft.com/office/officeart/2005/8/layout/cycle2"/>
+    <dgm:cxn modelId="{ADA7219C-347A-4EBB-A486-89B0B2FD29B6}" type="presOf" srcId="{6F9B1808-DAC7-4DF6-8965-BAC6C86ED0F3}" destId="{9A1D0261-766F-4914-90E4-02ED8F791C95}" srcOrd="0" destOrd="0" presId="urn:microsoft.com/office/officeart/2005/8/layout/cycle2"/>
     <dgm:cxn modelId="{DD3324CE-80BA-4D81-B730-84C00872B958}" srcId="{8222DF6C-2954-4053-9414-7E145F61F862}" destId="{11F81D15-8182-44D1-B7C7-5468506714C7}" srcOrd="0" destOrd="0" parTransId="{B36D82E7-F547-416B-9FB1-B37D5886C242}" sibTransId="{CBAFF2E7-4D4D-4D16-BCB0-58516199C992}"/>
-    <dgm:cxn modelId="{586FD615-17B1-4F04-88C9-A8F09A892011}" type="presOf" srcId="{1520B148-80BC-4D22-8B2E-7EA4997045D8}" destId="{D3F2D1F1-3268-4633-AECF-E1088149916A}" srcOrd="0" destOrd="0" presId="urn:microsoft.com/office/officeart/2005/8/layout/cycle2"/>
-    <dgm:cxn modelId="{11BE7CAF-35D0-4F3A-8DBF-7C86D246BECE}" type="presOf" srcId="{125EF4CC-ECE3-498F-A3FB-DB4158304DB2}" destId="{E067413C-7820-468A-84D3-07E620C69EA1}" srcOrd="0" destOrd="0" presId="urn:microsoft.com/office/officeart/2005/8/layout/cycle2"/>
-    <dgm:cxn modelId="{9EE27590-F618-43E9-ABC4-65377F95C56C}" type="presOf" srcId="{11F81D15-8182-44D1-B7C7-5468506714C7}" destId="{3B2B6222-08BB-4469-9E4C-C1DD4A30946E}" srcOrd="0" destOrd="0" presId="urn:microsoft.com/office/officeart/2005/8/layout/cycle2"/>
-    <dgm:cxn modelId="{8C43CCC6-2FF3-44DA-8D06-C664E654BFA9}" srcId="{8222DF6C-2954-4053-9414-7E145F61F862}" destId="{B454FDC6-15D6-4F51-958A-94B65F389876}" srcOrd="2" destOrd="0" parTransId="{C662D717-D828-42BB-8030-0F4DDDF233DA}" sibTransId="{B493DD26-0E10-4840-B55E-31AC7B4FDB40}"/>
+    <dgm:cxn modelId="{D03DB7B8-244A-4B40-BBA2-9D4CFE4E33EF}" type="presOf" srcId="{5612A079-0D41-43C6-9694-6E80F27BB1AD}" destId="{55BF76C7-EC85-4918-98C1-83E506A30DDE}" srcOrd="0" destOrd="0" presId="urn:microsoft.com/office/officeart/2005/8/layout/cycle2"/>
+    <dgm:cxn modelId="{5926580E-5CD3-4BE1-A665-FF79D08F4E2B}" srcId="{8222DF6C-2954-4053-9414-7E145F61F862}" destId="{0BD76CBF-2CC8-4B10-B5B1-FD766B4C73A3}" srcOrd="5" destOrd="0" parTransId="{87BD5190-2FA3-41F1-9DAD-E6F8A7425ED1}" sibTransId="{5612A079-0D41-43C6-9694-6E80F27BB1AD}"/>
     <dgm:cxn modelId="{9DCDE046-A187-4843-8ECC-259EF8DF6701}" type="presOf" srcId="{B493DD26-0E10-4840-B55E-31AC7B4FDB40}" destId="{6EAB7CE9-9314-4441-A3AB-F554B05A0CC4}" srcOrd="0" destOrd="0" presId="urn:microsoft.com/office/officeart/2005/8/layout/cycle2"/>
     <dgm:cxn modelId="{EA0983BF-2B54-4C13-94D1-4476D461730B}" type="presOf" srcId="{5612A079-0D41-43C6-9694-6E80F27BB1AD}" destId="{F6224AC6-E6AF-41AE-9C50-B0EB965A13FC}" srcOrd="1" destOrd="0" presId="urn:microsoft.com/office/officeart/2005/8/layout/cycle2"/>
-    <dgm:cxn modelId="{ADA7219C-347A-4EBB-A486-89B0B2FD29B6}" type="presOf" srcId="{6F9B1808-DAC7-4DF6-8965-BAC6C86ED0F3}" destId="{9A1D0261-766F-4914-90E4-02ED8F791C95}" srcOrd="0" destOrd="0" presId="urn:microsoft.com/office/officeart/2005/8/layout/cycle2"/>
+    <dgm:cxn modelId="{87F6726B-342E-450C-A587-28E0C965278F}" type="presOf" srcId="{6CD92A5A-0DA9-4937-A856-EDEA92091F0F}" destId="{E2C5EB64-46F7-46EE-950D-21428E263F7F}" srcOrd="0" destOrd="0" presId="urn:microsoft.com/office/officeart/2005/8/layout/cycle2"/>
+    <dgm:cxn modelId="{2084F813-0185-4F27-8B60-3E0D89FA5D9A}" type="presOf" srcId="{B454FDC6-15D6-4F51-958A-94B65F389876}" destId="{129E5C94-C62C-4043-8EB3-4DC3B1B11C21}" srcOrd="0" destOrd="0" presId="urn:microsoft.com/office/officeart/2005/8/layout/cycle2"/>
+    <dgm:cxn modelId="{D44DA460-E23A-4CA3-A39C-061F55062B73}" srcId="{8222DF6C-2954-4053-9414-7E145F61F862}" destId="{A2DF9A16-F567-4AC5-B8FE-F30135821574}" srcOrd="8" destOrd="0" parTransId="{587529F8-144F-428D-8597-99F396201FC6}" sibTransId="{6E5BF9A8-7C1E-4A65-BD09-48792AF2461E}"/>
+    <dgm:cxn modelId="{F3F66691-078E-4CC2-8834-546EB9288FFD}" type="presOf" srcId="{0BD76CBF-2CC8-4B10-B5B1-FD766B4C73A3}" destId="{CFD43E62-0262-4277-97AA-448F51DC12EA}" srcOrd="0" destOrd="0" presId="urn:microsoft.com/office/officeart/2005/8/layout/cycle2"/>
+    <dgm:cxn modelId="{5865F2AF-8012-48A2-B868-DB6598F28DAF}" type="presOf" srcId="{CBAFF2E7-4D4D-4D16-BCB0-58516199C992}" destId="{07AA7D78-6817-4636-BD7E-64D87A576842}" srcOrd="0" destOrd="0" presId="urn:microsoft.com/office/officeart/2005/8/layout/cycle2"/>
     <dgm:cxn modelId="{B243D826-38F3-4EE2-9A2E-7AFD76171049}" type="presOf" srcId="{125EF4CC-ECE3-498F-A3FB-DB4158304DB2}" destId="{C3246948-EA1D-49EF-ABAE-B799E9E93A60}" srcOrd="1" destOrd="0" presId="urn:microsoft.com/office/officeart/2005/8/layout/cycle2"/>
-    <dgm:cxn modelId="{8AFB860C-3B2F-43BD-AF29-985051B83DDF}" type="presOf" srcId="{B493DD26-0E10-4840-B55E-31AC7B4FDB40}" destId="{FC9BDF05-E129-4572-85C8-75384179D8E3}" srcOrd="1" destOrd="0" presId="urn:microsoft.com/office/officeart/2005/8/layout/cycle2"/>
-    <dgm:cxn modelId="{02282D4E-D1B1-41BC-AE45-68AC00415228}" type="presOf" srcId="{AB9648E3-25B7-46FC-BFE1-341A84B433F7}" destId="{9B2AF194-2AD8-4FF9-93A4-CB52FBC88F1D}" srcOrd="0" destOrd="0" presId="urn:microsoft.com/office/officeart/2005/8/layout/cycle2"/>
-    <dgm:cxn modelId="{F3F66691-078E-4CC2-8834-546EB9288FFD}" type="presOf" srcId="{0BD76CBF-2CC8-4B10-B5B1-FD766B4C73A3}" destId="{CFD43E62-0262-4277-97AA-448F51DC12EA}" srcOrd="0" destOrd="0" presId="urn:microsoft.com/office/officeart/2005/8/layout/cycle2"/>
-    <dgm:cxn modelId="{4E787051-6BBB-415F-B9BF-1DDC909E56DD}" type="presOf" srcId="{8222DF6C-2954-4053-9414-7E145F61F862}" destId="{A0FD36B4-5E63-4C29-B632-10B1C267089B}" srcOrd="0" destOrd="0" presId="urn:microsoft.com/office/officeart/2005/8/layout/cycle2"/>
-    <dgm:cxn modelId="{5926580E-5CD3-4BE1-A665-FF79D08F4E2B}" srcId="{8222DF6C-2954-4053-9414-7E145F61F862}" destId="{0BD76CBF-2CC8-4B10-B5B1-FD766B4C73A3}" srcOrd="5" destOrd="0" parTransId="{87BD5190-2FA3-41F1-9DAD-E6F8A7425ED1}" sibTransId="{5612A079-0D41-43C6-9694-6E80F27BB1AD}"/>
-    <dgm:cxn modelId="{8384B2AB-E011-44BC-8AFF-E7611E74FB99}" srcId="{8222DF6C-2954-4053-9414-7E145F61F862}" destId="{6CD92A5A-0DA9-4937-A856-EDEA92091F0F}" srcOrd="3" destOrd="0" parTransId="{697C7107-57C2-4F74-965D-20B06B45AEB0}" sibTransId="{AB9648E3-25B7-46FC-BFE1-341A84B433F7}"/>
-    <dgm:cxn modelId="{92FA50B4-C190-45A9-8A24-2BB2E0F5DFE1}" type="presOf" srcId="{CBAFF2E7-4D4D-4D16-BCB0-58516199C992}" destId="{00020BEE-25BE-4EE2-8900-31D83D158CBE}" srcOrd="1" destOrd="0" presId="urn:microsoft.com/office/officeart/2005/8/layout/cycle2"/>
-    <dgm:cxn modelId="{99BA735E-84E9-4EBE-8DA5-DB77C248D6F4}" type="presOf" srcId="{BB90CF38-E242-4A00-9F64-B3CF0DA335A4}" destId="{6F6AE01E-FCAB-4AB0-AC94-1865DBD20459}" srcOrd="1" destOrd="0" presId="urn:microsoft.com/office/officeart/2005/8/layout/cycle2"/>
-    <dgm:cxn modelId="{B5502011-F408-4987-BE0F-2468047D662F}" type="presOf" srcId="{7CB57541-63AA-4EA3-9D73-90519812542F}" destId="{8A600920-6744-4A37-B7D9-C4CED9312A73}" srcOrd="0" destOrd="0" presId="urn:microsoft.com/office/officeart/2005/8/layout/cycle2"/>
-    <dgm:cxn modelId="{24EA811F-A478-409D-A545-79F84F26CB91}" type="presOf" srcId="{BB90CF38-E242-4A00-9F64-B3CF0DA335A4}" destId="{99F4AB56-C1C2-4E10-B6BA-59EFF5E46E90}" srcOrd="0" destOrd="0" presId="urn:microsoft.com/office/officeart/2005/8/layout/cycle2"/>
     <dgm:cxn modelId="{6F42D32B-902B-47F3-A611-207B01E3A410}" srcId="{8222DF6C-2954-4053-9414-7E145F61F862}" destId="{7CB57541-63AA-4EA3-9D73-90519812542F}" srcOrd="7" destOrd="0" parTransId="{E81C9949-00DA-4F7C-B1DE-3D862DB78B8C}" sibTransId="{D8CE4EB7-6F89-4CDC-9A5C-FF99F2DB13A7}"/>
-    <dgm:cxn modelId="{F83EB4BE-3770-4EAF-8056-083931C22B4E}" type="presOf" srcId="{D8CE4EB7-6F89-4CDC-9A5C-FF99F2DB13A7}" destId="{9B70611D-CE57-4F3F-A21C-CDE7227A3E47}" srcOrd="0" destOrd="0" presId="urn:microsoft.com/office/officeart/2005/8/layout/cycle2"/>
     <dgm:cxn modelId="{40DB22C6-3499-452D-AB3D-BB89D1FE6F3F}" type="presOf" srcId="{1520B148-80BC-4D22-8B2E-7EA4997045D8}" destId="{4679E939-5197-4784-953E-380EF8535199}" srcOrd="1" destOrd="0" presId="urn:microsoft.com/office/officeart/2005/8/layout/cycle2"/>
-    <dgm:cxn modelId="{D03DB7B8-244A-4B40-BBA2-9D4CFE4E33EF}" type="presOf" srcId="{5612A079-0D41-43C6-9694-6E80F27BB1AD}" destId="{55BF76C7-EC85-4918-98C1-83E506A30DDE}" srcOrd="0" destOrd="0" presId="urn:microsoft.com/office/officeart/2005/8/layout/cycle2"/>
+    <dgm:cxn modelId="{6714A28A-B2FA-4FB3-8DAD-59907DD1DF12}" type="presOf" srcId="{D8CE4EB7-6F89-4CDC-9A5C-FF99F2DB13A7}" destId="{98B2210D-439A-4097-B493-0705118C34EA}" srcOrd="1" destOrd="0" presId="urn:microsoft.com/office/officeart/2005/8/layout/cycle2"/>
     <dgm:cxn modelId="{00D30306-5860-4FA2-80E5-3C79F9EA87A0}" type="presParOf" srcId="{A0FD36B4-5E63-4C29-B632-10B1C267089B}" destId="{3B2B6222-08BB-4469-9E4C-C1DD4A30946E}" srcOrd="0" destOrd="0" presId="urn:microsoft.com/office/officeart/2005/8/layout/cycle2"/>
     <dgm:cxn modelId="{220B47F2-E3A4-435A-8FAB-5E89977E2A82}" type="presParOf" srcId="{A0FD36B4-5E63-4C29-B632-10B1C267089B}" destId="{07AA7D78-6817-4636-BD7E-64D87A576842}" srcOrd="1" destOrd="0" presId="urn:microsoft.com/office/officeart/2005/8/layout/cycle2"/>
     <dgm:cxn modelId="{AE9D66E0-FD0B-4937-955E-4E5B24D93F4F}" type="presParOf" srcId="{07AA7D78-6817-4636-BD7E-64D87A576842}" destId="{00020BEE-25BE-4EE2-8900-31D83D158CBE}" srcOrd="0" destOrd="0" presId="urn:microsoft.com/office/officeart/2005/8/layout/cycle2"/>
@@ -5879,6 +6124,9 @@
     <dgm:cxn modelId="{FAD11E02-79A7-406A-AC35-D73DBD86A7F1}" type="presParOf" srcId="{A0FD36B4-5E63-4C29-B632-10B1C267089B}" destId="{8A600920-6744-4A37-B7D9-C4CED9312A73}" srcOrd="14" destOrd="0" presId="urn:microsoft.com/office/officeart/2005/8/layout/cycle2"/>
     <dgm:cxn modelId="{E23D682C-ED0D-4E40-AF53-1A926E6EF306}" type="presParOf" srcId="{A0FD36B4-5E63-4C29-B632-10B1C267089B}" destId="{9B70611D-CE57-4F3F-A21C-CDE7227A3E47}" srcOrd="15" destOrd="0" presId="urn:microsoft.com/office/officeart/2005/8/layout/cycle2"/>
     <dgm:cxn modelId="{02368CC7-A6A2-473F-9539-8726D2BF1FD4}" type="presParOf" srcId="{9B70611D-CE57-4F3F-A21C-CDE7227A3E47}" destId="{98B2210D-439A-4097-B493-0705118C34EA}" srcOrd="0" destOrd="0" presId="urn:microsoft.com/office/officeart/2005/8/layout/cycle2"/>
+    <dgm:cxn modelId="{516720A2-4335-4AC5-8B3B-0DADFE281348}" type="presParOf" srcId="{A0FD36B4-5E63-4C29-B632-10B1C267089B}" destId="{43E6A6CF-2BAD-458C-BD30-F26C501F0DDB}" srcOrd="16" destOrd="0" presId="urn:microsoft.com/office/officeart/2005/8/layout/cycle2"/>
+    <dgm:cxn modelId="{1F3C44F2-C430-472B-B343-762055B2DCE3}" type="presParOf" srcId="{A0FD36B4-5E63-4C29-B632-10B1C267089B}" destId="{11A7BCEB-CD57-4097-A3D2-0105AF45D05E}" srcOrd="17" destOrd="0" presId="urn:microsoft.com/office/officeart/2005/8/layout/cycle2"/>
+    <dgm:cxn modelId="{C51DF344-21B2-490E-9669-30DB77A21CA9}" type="presParOf" srcId="{11A7BCEB-CD57-4097-A3D2-0105AF45D05E}" destId="{2736499C-7486-4E03-B16B-B6FF35848BCD}" srcOrd="0" destOrd="0" presId="urn:microsoft.com/office/officeart/2005/8/layout/cycle2"/>
   </dgm:cxnLst>
   <dgm:bg/>
   <dgm:whole/>
@@ -8562,8 +8810,617 @@
       </dsp:nvSpPr>
       <dsp:spPr>
         <a:xfrm>
-          <a:off x="3763851" y="-126698"/>
-          <a:ext cx="1463897" cy="1463897"/>
+          <a:off x="3810429" y="-118196"/>
+          <a:ext cx="1370740" cy="1370740"/>
+        </a:xfrm>
+        <a:prstGeom prst="ellipse">
+          <a:avLst/>
+        </a:prstGeom>
+        <a:gradFill rotWithShape="0">
+          <a:gsLst>
+            <a:gs pos="0">
+              <a:schemeClr val="accent2">
+                <a:hueOff val="0"/>
+                <a:satOff val="0"/>
+                <a:lumOff val="0"/>
+                <a:alphaOff val="0"/>
+                <a:shade val="51000"/>
+                <a:satMod val="130000"/>
+              </a:schemeClr>
+            </a:gs>
+            <a:gs pos="80000">
+              <a:schemeClr val="accent2">
+                <a:hueOff val="0"/>
+                <a:satOff val="0"/>
+                <a:lumOff val="0"/>
+                <a:alphaOff val="0"/>
+                <a:shade val="93000"/>
+                <a:satMod val="130000"/>
+              </a:schemeClr>
+            </a:gs>
+            <a:gs pos="100000">
+              <a:schemeClr val="accent2">
+                <a:hueOff val="0"/>
+                <a:satOff val="0"/>
+                <a:lumOff val="0"/>
+                <a:alphaOff val="0"/>
+                <a:shade val="94000"/>
+                <a:satMod val="135000"/>
+              </a:schemeClr>
+            </a:gs>
+          </a:gsLst>
+          <a:lin ang="16200000" scaled="0"/>
+        </a:gradFill>
+        <a:ln>
+          <a:noFill/>
+        </a:ln>
+        <a:effectLst>
+          <a:outerShdw blurRad="40000" dist="23000" dir="5400000" rotWithShape="0">
+            <a:srgbClr val="000000">
+              <a:alpha val="35000"/>
+            </a:srgbClr>
+          </a:outerShdw>
+        </a:effectLst>
+      </dsp:spPr>
+      <dsp:style>
+        <a:lnRef idx="0">
+          <a:scrgbClr r="0" g="0" b="0"/>
+        </a:lnRef>
+        <a:fillRef idx="3">
+          <a:scrgbClr r="0" g="0" b="0"/>
+        </a:fillRef>
+        <a:effectRef idx="2">
+          <a:scrgbClr r="0" g="0" b="0"/>
+        </a:effectRef>
+        <a:fontRef idx="minor">
+          <a:schemeClr val="lt1"/>
+        </a:fontRef>
+      </dsp:style>
+      <dsp:txBody>
+        <a:bodyPr spcFirstLastPara="0" vert="horz" wrap="square" lIns="15240" tIns="15240" rIns="15240" bIns="15240" numCol="1" spcCol="1270" anchor="ctr" anchorCtr="0">
+          <a:noAutofit/>
+        </a:bodyPr>
+        <a:lstStyle/>
+        <a:p>
+          <a:pPr lvl="0" algn="ctr" defTabSz="533400">
+            <a:lnSpc>
+              <a:spcPct val="90000"/>
+            </a:lnSpc>
+            <a:spcBef>
+              <a:spcPct val="0"/>
+            </a:spcBef>
+            <a:spcAft>
+              <a:spcPct val="35000"/>
+            </a:spcAft>
+          </a:pPr>
+          <a:r>
+            <a:rPr lang="en-US" sz="1200" b="1" kern="1200" dirty="0" smtClean="0"/>
+            <a:t>Open Source</a:t>
+          </a:r>
+          <a:endParaRPr lang="en-US" sz="1200" b="1" kern="1200" dirty="0"/>
+        </a:p>
+      </dsp:txBody>
+      <dsp:txXfrm>
+        <a:off x="4011169" y="82544"/>
+        <a:ext cx="969260" cy="969260"/>
+      </dsp:txXfrm>
+    </dsp:sp>
+    <dsp:sp modelId="{07AA7D78-6817-4636-BD7E-64D87A576842}">
+      <dsp:nvSpPr>
+        <dsp:cNvPr id="0" name=""/>
+        <dsp:cNvSpPr/>
+      </dsp:nvSpPr>
+      <dsp:spPr>
+        <a:xfrm rot="1200000">
+          <a:off x="5201881" y="664760"/>
+          <a:ext cx="172388" cy="381555"/>
+        </a:xfrm>
+        <a:prstGeom prst="rightArrow">
+          <a:avLst>
+            <a:gd name="adj1" fmla="val 60000"/>
+            <a:gd name="adj2" fmla="val 50000"/>
+          </a:avLst>
+        </a:prstGeom>
+        <a:gradFill rotWithShape="0">
+          <a:gsLst>
+            <a:gs pos="0">
+              <a:schemeClr val="accent2">
+                <a:hueOff val="0"/>
+                <a:satOff val="0"/>
+                <a:lumOff val="0"/>
+                <a:alphaOff val="0"/>
+                <a:shade val="51000"/>
+                <a:satMod val="130000"/>
+              </a:schemeClr>
+            </a:gs>
+            <a:gs pos="80000">
+              <a:schemeClr val="accent2">
+                <a:hueOff val="0"/>
+                <a:satOff val="0"/>
+                <a:lumOff val="0"/>
+                <a:alphaOff val="0"/>
+                <a:shade val="93000"/>
+                <a:satMod val="130000"/>
+              </a:schemeClr>
+            </a:gs>
+            <a:gs pos="100000">
+              <a:schemeClr val="accent2">
+                <a:hueOff val="0"/>
+                <a:satOff val="0"/>
+                <a:lumOff val="0"/>
+                <a:alphaOff val="0"/>
+                <a:shade val="94000"/>
+                <a:satMod val="135000"/>
+              </a:schemeClr>
+            </a:gs>
+          </a:gsLst>
+          <a:lin ang="16200000" scaled="0"/>
+        </a:gradFill>
+        <a:ln>
+          <a:noFill/>
+        </a:ln>
+        <a:effectLst>
+          <a:outerShdw blurRad="40000" dist="23000" dir="5400000" rotWithShape="0">
+            <a:srgbClr val="000000">
+              <a:alpha val="35000"/>
+            </a:srgbClr>
+          </a:outerShdw>
+        </a:effectLst>
+      </dsp:spPr>
+      <dsp:style>
+        <a:lnRef idx="0">
+          <a:scrgbClr r="0" g="0" b="0"/>
+        </a:lnRef>
+        <a:fillRef idx="3">
+          <a:scrgbClr r="0" g="0" b="0"/>
+        </a:fillRef>
+        <a:effectRef idx="2">
+          <a:scrgbClr r="0" g="0" b="0"/>
+        </a:effectRef>
+        <a:fontRef idx="minor">
+          <a:schemeClr val="lt1"/>
+        </a:fontRef>
+      </dsp:style>
+      <dsp:txBody>
+        <a:bodyPr spcFirstLastPara="0" vert="horz" wrap="square" lIns="0" tIns="0" rIns="0" bIns="0" numCol="1" spcCol="1270" anchor="ctr" anchorCtr="0">
+          <a:noAutofit/>
+        </a:bodyPr>
+        <a:lstStyle/>
+        <a:p>
+          <a:pPr lvl="0" algn="ctr" defTabSz="533400">
+            <a:lnSpc>
+              <a:spcPct val="90000"/>
+            </a:lnSpc>
+            <a:spcBef>
+              <a:spcPct val="0"/>
+            </a:spcBef>
+            <a:spcAft>
+              <a:spcPct val="35000"/>
+            </a:spcAft>
+          </a:pPr>
+          <a:endParaRPr lang="en-US" sz="1200" b="1" kern="1200"/>
+        </a:p>
+      </dsp:txBody>
+      <dsp:txXfrm>
+        <a:off x="5203440" y="732227"/>
+        <a:ext cx="120672" cy="228933"/>
+      </dsp:txXfrm>
+    </dsp:sp>
+    <dsp:sp modelId="{424FBFFB-6A12-4A8C-AAF1-2FAD31DF37D6}">
+      <dsp:nvSpPr>
+        <dsp:cNvPr id="0" name=""/>
+        <dsp:cNvSpPr/>
+      </dsp:nvSpPr>
+      <dsp:spPr>
+        <a:xfrm>
+          <a:off x="5404150" y="461869"/>
+          <a:ext cx="1370740" cy="1370740"/>
+        </a:xfrm>
+        <a:prstGeom prst="ellipse">
+          <a:avLst/>
+        </a:prstGeom>
+        <a:gradFill rotWithShape="0">
+          <a:gsLst>
+            <a:gs pos="0">
+              <a:schemeClr val="accent3">
+                <a:hueOff val="0"/>
+                <a:satOff val="0"/>
+                <a:lumOff val="0"/>
+                <a:alphaOff val="0"/>
+                <a:shade val="51000"/>
+                <a:satMod val="130000"/>
+              </a:schemeClr>
+            </a:gs>
+            <a:gs pos="80000">
+              <a:schemeClr val="accent3">
+                <a:hueOff val="0"/>
+                <a:satOff val="0"/>
+                <a:lumOff val="0"/>
+                <a:alphaOff val="0"/>
+                <a:shade val="93000"/>
+                <a:satMod val="130000"/>
+              </a:schemeClr>
+            </a:gs>
+            <a:gs pos="100000">
+              <a:schemeClr val="accent3">
+                <a:hueOff val="0"/>
+                <a:satOff val="0"/>
+                <a:lumOff val="0"/>
+                <a:alphaOff val="0"/>
+                <a:shade val="94000"/>
+                <a:satMod val="135000"/>
+              </a:schemeClr>
+            </a:gs>
+          </a:gsLst>
+          <a:lin ang="16200000" scaled="0"/>
+        </a:gradFill>
+        <a:ln>
+          <a:noFill/>
+        </a:ln>
+        <a:effectLst>
+          <a:outerShdw blurRad="40000" dist="23000" dir="5400000" rotWithShape="0">
+            <a:srgbClr val="000000">
+              <a:alpha val="35000"/>
+            </a:srgbClr>
+          </a:outerShdw>
+        </a:effectLst>
+      </dsp:spPr>
+      <dsp:style>
+        <a:lnRef idx="0">
+          <a:scrgbClr r="0" g="0" b="0"/>
+        </a:lnRef>
+        <a:fillRef idx="3">
+          <a:scrgbClr r="0" g="0" b="0"/>
+        </a:fillRef>
+        <a:effectRef idx="2">
+          <a:scrgbClr r="0" g="0" b="0"/>
+        </a:effectRef>
+        <a:fontRef idx="minor">
+          <a:schemeClr val="lt1"/>
+        </a:fontRef>
+      </dsp:style>
+      <dsp:txBody>
+        <a:bodyPr spcFirstLastPara="0" vert="horz" wrap="square" lIns="15240" tIns="15240" rIns="15240" bIns="15240" numCol="1" spcCol="1270" anchor="ctr" anchorCtr="0">
+          <a:noAutofit/>
+        </a:bodyPr>
+        <a:lstStyle/>
+        <a:p>
+          <a:pPr lvl="0" algn="ctr" defTabSz="533400">
+            <a:lnSpc>
+              <a:spcPct val="90000"/>
+            </a:lnSpc>
+            <a:spcBef>
+              <a:spcPct val="0"/>
+            </a:spcBef>
+            <a:spcAft>
+              <a:spcPct val="35000"/>
+            </a:spcAft>
+          </a:pPr>
+          <a:r>
+            <a:rPr lang="en-US" sz="1200" b="1" kern="1200" dirty="0" smtClean="0"/>
+            <a:t>Scalability</a:t>
+          </a:r>
+          <a:endParaRPr lang="en-US" sz="1200" b="1" kern="1200" dirty="0"/>
+        </a:p>
+      </dsp:txBody>
+      <dsp:txXfrm>
+        <a:off x="5604890" y="662609"/>
+        <a:ext cx="969260" cy="969260"/>
+      </dsp:txXfrm>
+    </dsp:sp>
+    <dsp:sp modelId="{E067413C-7820-468A-84D3-07E620C69EA1}">
+      <dsp:nvSpPr>
+        <dsp:cNvPr id="0" name=""/>
+        <dsp:cNvSpPr/>
+      </dsp:nvSpPr>
+      <dsp:spPr>
+        <a:xfrm rot="3600000">
+          <a:off x="6424887" y="1686627"/>
+          <a:ext cx="172388" cy="381555"/>
+        </a:xfrm>
+        <a:prstGeom prst="rightArrow">
+          <a:avLst>
+            <a:gd name="adj1" fmla="val 60000"/>
+            <a:gd name="adj2" fmla="val 50000"/>
+          </a:avLst>
+        </a:prstGeom>
+        <a:gradFill rotWithShape="0">
+          <a:gsLst>
+            <a:gs pos="0">
+              <a:schemeClr val="accent3">
+                <a:hueOff val="0"/>
+                <a:satOff val="0"/>
+                <a:lumOff val="0"/>
+                <a:alphaOff val="0"/>
+                <a:shade val="51000"/>
+                <a:satMod val="130000"/>
+              </a:schemeClr>
+            </a:gs>
+            <a:gs pos="80000">
+              <a:schemeClr val="accent3">
+                <a:hueOff val="0"/>
+                <a:satOff val="0"/>
+                <a:lumOff val="0"/>
+                <a:alphaOff val="0"/>
+                <a:shade val="93000"/>
+                <a:satMod val="130000"/>
+              </a:schemeClr>
+            </a:gs>
+            <a:gs pos="100000">
+              <a:schemeClr val="accent3">
+                <a:hueOff val="0"/>
+                <a:satOff val="0"/>
+                <a:lumOff val="0"/>
+                <a:alphaOff val="0"/>
+                <a:shade val="94000"/>
+                <a:satMod val="135000"/>
+              </a:schemeClr>
+            </a:gs>
+          </a:gsLst>
+          <a:lin ang="16200000" scaled="0"/>
+        </a:gradFill>
+        <a:ln>
+          <a:noFill/>
+        </a:ln>
+        <a:effectLst>
+          <a:outerShdw blurRad="40000" dist="23000" dir="5400000" rotWithShape="0">
+            <a:srgbClr val="000000">
+              <a:alpha val="35000"/>
+            </a:srgbClr>
+          </a:outerShdw>
+        </a:effectLst>
+      </dsp:spPr>
+      <dsp:style>
+        <a:lnRef idx="0">
+          <a:scrgbClr r="0" g="0" b="0"/>
+        </a:lnRef>
+        <a:fillRef idx="3">
+          <a:scrgbClr r="0" g="0" b="0"/>
+        </a:fillRef>
+        <a:effectRef idx="2">
+          <a:scrgbClr r="0" g="0" b="0"/>
+        </a:effectRef>
+        <a:fontRef idx="minor">
+          <a:schemeClr val="lt1"/>
+        </a:fontRef>
+      </dsp:style>
+      <dsp:txBody>
+        <a:bodyPr spcFirstLastPara="0" vert="horz" wrap="square" lIns="0" tIns="0" rIns="0" bIns="0" numCol="1" spcCol="1270" anchor="ctr" anchorCtr="0">
+          <a:noAutofit/>
+        </a:bodyPr>
+        <a:lstStyle/>
+        <a:p>
+          <a:pPr lvl="0" algn="ctr" defTabSz="533400">
+            <a:lnSpc>
+              <a:spcPct val="90000"/>
+            </a:lnSpc>
+            <a:spcBef>
+              <a:spcPct val="0"/>
+            </a:spcBef>
+            <a:spcAft>
+              <a:spcPct val="35000"/>
+            </a:spcAft>
+          </a:pPr>
+          <a:endParaRPr lang="en-US" sz="1200" b="1" kern="1200"/>
+        </a:p>
+      </dsp:txBody>
+      <dsp:txXfrm>
+        <a:off x="6437816" y="1740544"/>
+        <a:ext cx="120672" cy="228933"/>
+      </dsp:txXfrm>
+    </dsp:sp>
+    <dsp:sp modelId="{129E5C94-C62C-4043-8EB3-4DC3B1B11C21}">
+      <dsp:nvSpPr>
+        <dsp:cNvPr id="0" name=""/>
+        <dsp:cNvSpPr/>
+      </dsp:nvSpPr>
+      <dsp:spPr>
+        <a:xfrm>
+          <a:off x="6252151" y="1930651"/>
+          <a:ext cx="1370740" cy="1370740"/>
+        </a:xfrm>
+        <a:prstGeom prst="ellipse">
+          <a:avLst/>
+        </a:prstGeom>
+        <a:gradFill rotWithShape="0">
+          <a:gsLst>
+            <a:gs pos="0">
+              <a:schemeClr val="accent4">
+                <a:hueOff val="0"/>
+                <a:satOff val="0"/>
+                <a:lumOff val="0"/>
+                <a:alphaOff val="0"/>
+                <a:shade val="51000"/>
+                <a:satMod val="130000"/>
+              </a:schemeClr>
+            </a:gs>
+            <a:gs pos="80000">
+              <a:schemeClr val="accent4">
+                <a:hueOff val="0"/>
+                <a:satOff val="0"/>
+                <a:lumOff val="0"/>
+                <a:alphaOff val="0"/>
+                <a:shade val="93000"/>
+                <a:satMod val="130000"/>
+              </a:schemeClr>
+            </a:gs>
+            <a:gs pos="100000">
+              <a:schemeClr val="accent4">
+                <a:hueOff val="0"/>
+                <a:satOff val="0"/>
+                <a:lumOff val="0"/>
+                <a:alphaOff val="0"/>
+                <a:shade val="94000"/>
+                <a:satMod val="135000"/>
+              </a:schemeClr>
+            </a:gs>
+          </a:gsLst>
+          <a:lin ang="16200000" scaled="0"/>
+        </a:gradFill>
+        <a:ln>
+          <a:noFill/>
+        </a:ln>
+        <a:effectLst>
+          <a:outerShdw blurRad="40000" dist="23000" dir="5400000" rotWithShape="0">
+            <a:srgbClr val="000000">
+              <a:alpha val="35000"/>
+            </a:srgbClr>
+          </a:outerShdw>
+        </a:effectLst>
+      </dsp:spPr>
+      <dsp:style>
+        <a:lnRef idx="0">
+          <a:scrgbClr r="0" g="0" b="0"/>
+        </a:lnRef>
+        <a:fillRef idx="3">
+          <a:scrgbClr r="0" g="0" b="0"/>
+        </a:fillRef>
+        <a:effectRef idx="2">
+          <a:scrgbClr r="0" g="0" b="0"/>
+        </a:effectRef>
+        <a:fontRef idx="minor">
+          <a:schemeClr val="lt1"/>
+        </a:fontRef>
+      </dsp:style>
+      <dsp:txBody>
+        <a:bodyPr spcFirstLastPara="0" vert="horz" wrap="square" lIns="15240" tIns="15240" rIns="15240" bIns="15240" numCol="1" spcCol="1270" anchor="ctr" anchorCtr="0">
+          <a:noAutofit/>
+        </a:bodyPr>
+        <a:lstStyle/>
+        <a:p>
+          <a:pPr lvl="0" algn="ctr" defTabSz="533400">
+            <a:lnSpc>
+              <a:spcPct val="90000"/>
+            </a:lnSpc>
+            <a:spcBef>
+              <a:spcPct val="0"/>
+            </a:spcBef>
+            <a:spcAft>
+              <a:spcPct val="35000"/>
+            </a:spcAft>
+          </a:pPr>
+          <a:r>
+            <a:rPr lang="en-US" sz="1200" b="1" kern="1200" dirty="0" smtClean="0"/>
+            <a:t>Proven</a:t>
+          </a:r>
+          <a:endParaRPr lang="en-US" sz="1200" b="1" kern="1200" dirty="0"/>
+        </a:p>
+      </dsp:txBody>
+      <dsp:txXfrm>
+        <a:off x="6452891" y="2131391"/>
+        <a:ext cx="969260" cy="969260"/>
+      </dsp:txXfrm>
+    </dsp:sp>
+    <dsp:sp modelId="{6EAB7CE9-9314-4441-A3AB-F554B05A0CC4}">
+      <dsp:nvSpPr>
+        <dsp:cNvPr id="0" name=""/>
+        <dsp:cNvSpPr/>
+      </dsp:nvSpPr>
+      <dsp:spPr>
+        <a:xfrm rot="6000000">
+          <a:off x="6704920" y="3255556"/>
+          <a:ext cx="172388" cy="381555"/>
+        </a:xfrm>
+        <a:prstGeom prst="rightArrow">
+          <a:avLst>
+            <a:gd name="adj1" fmla="val 60000"/>
+            <a:gd name="adj2" fmla="val 50000"/>
+          </a:avLst>
+        </a:prstGeom>
+        <a:gradFill rotWithShape="0">
+          <a:gsLst>
+            <a:gs pos="0">
+              <a:schemeClr val="accent4">
+                <a:hueOff val="0"/>
+                <a:satOff val="0"/>
+                <a:lumOff val="0"/>
+                <a:alphaOff val="0"/>
+                <a:shade val="51000"/>
+                <a:satMod val="130000"/>
+              </a:schemeClr>
+            </a:gs>
+            <a:gs pos="80000">
+              <a:schemeClr val="accent4">
+                <a:hueOff val="0"/>
+                <a:satOff val="0"/>
+                <a:lumOff val="0"/>
+                <a:alphaOff val="0"/>
+                <a:shade val="93000"/>
+                <a:satMod val="130000"/>
+              </a:schemeClr>
+            </a:gs>
+            <a:gs pos="100000">
+              <a:schemeClr val="accent4">
+                <a:hueOff val="0"/>
+                <a:satOff val="0"/>
+                <a:lumOff val="0"/>
+                <a:alphaOff val="0"/>
+                <a:shade val="94000"/>
+                <a:satMod val="135000"/>
+              </a:schemeClr>
+            </a:gs>
+          </a:gsLst>
+          <a:lin ang="16200000" scaled="0"/>
+        </a:gradFill>
+        <a:ln>
+          <a:noFill/>
+        </a:ln>
+        <a:effectLst>
+          <a:outerShdw blurRad="40000" dist="23000" dir="5400000" rotWithShape="0">
+            <a:srgbClr val="000000">
+              <a:alpha val="35000"/>
+            </a:srgbClr>
+          </a:outerShdw>
+        </a:effectLst>
+      </dsp:spPr>
+      <dsp:style>
+        <a:lnRef idx="0">
+          <a:scrgbClr r="0" g="0" b="0"/>
+        </a:lnRef>
+        <a:fillRef idx="3">
+          <a:scrgbClr r="0" g="0" b="0"/>
+        </a:fillRef>
+        <a:effectRef idx="2">
+          <a:scrgbClr r="0" g="0" b="0"/>
+        </a:effectRef>
+        <a:fontRef idx="minor">
+          <a:schemeClr val="lt1"/>
+        </a:fontRef>
+      </dsp:style>
+      <dsp:txBody>
+        <a:bodyPr spcFirstLastPara="0" vert="horz" wrap="square" lIns="0" tIns="0" rIns="0" bIns="0" numCol="1" spcCol="1270" anchor="ctr" anchorCtr="0">
+          <a:noAutofit/>
+        </a:bodyPr>
+        <a:lstStyle/>
+        <a:p>
+          <a:pPr lvl="0" algn="ctr" defTabSz="533400">
+            <a:lnSpc>
+              <a:spcPct val="90000"/>
+            </a:lnSpc>
+            <a:spcBef>
+              <a:spcPct val="0"/>
+            </a:spcBef>
+            <a:spcAft>
+              <a:spcPct val="35000"/>
+            </a:spcAft>
+          </a:pPr>
+          <a:endParaRPr lang="en-US" sz="1200" b="1" kern="1200"/>
+        </a:p>
+      </dsp:txBody>
+      <dsp:txXfrm rot="10800000">
+        <a:off x="6735268" y="3306402"/>
+        <a:ext cx="120672" cy="228933"/>
+      </dsp:txXfrm>
+    </dsp:sp>
+    <dsp:sp modelId="{E2C5EB64-46F7-46EE-950D-21428E263F7F}">
+      <dsp:nvSpPr>
+        <dsp:cNvPr id="0" name=""/>
+        <dsp:cNvSpPr/>
+      </dsp:nvSpPr>
+      <dsp:spPr>
+        <a:xfrm>
+          <a:off x="5957643" y="3600887"/>
+          <a:ext cx="1370740" cy="1370740"/>
         </a:xfrm>
         <a:prstGeom prst="ellipse">
           <a:avLst/>
@@ -8629,12 +9486,12 @@
         </a:fontRef>
       </dsp:style>
       <dsp:txBody>
-        <a:bodyPr spcFirstLastPara="0" vert="horz" wrap="square" lIns="20320" tIns="20320" rIns="20320" bIns="20320" numCol="1" spcCol="1270" anchor="ctr" anchorCtr="0">
+        <a:bodyPr spcFirstLastPara="0" vert="horz" wrap="square" lIns="15240" tIns="15240" rIns="15240" bIns="15240" numCol="1" spcCol="1270" anchor="ctr" anchorCtr="0">
           <a:noAutofit/>
         </a:bodyPr>
         <a:lstStyle/>
         <a:p>
-          <a:pPr lvl="0" algn="ctr" defTabSz="711200">
+          <a:pPr lvl="0" algn="ctr" defTabSz="533400">
             <a:lnSpc>
               <a:spcPct val="90000"/>
             </a:lnSpc>
@@ -8646,26 +9503,26 @@
             </a:spcAft>
           </a:pPr>
           <a:r>
-            <a:rPr lang="en-US" sz="1600" b="1" kern="1200" dirty="0" smtClean="0"/>
-            <a:t>Open Source</a:t>
+            <a:rPr lang="en-US" sz="1200" b="1" kern="1200" dirty="0" smtClean="0"/>
+            <a:t>Low learning curve</a:t>
           </a:r>
-          <a:endParaRPr lang="en-US" sz="1600" b="1" kern="1200" dirty="0"/>
+          <a:endParaRPr lang="en-US" sz="1200" b="1" kern="1200" dirty="0"/>
         </a:p>
       </dsp:txBody>
       <dsp:txXfrm>
-        <a:off x="3978234" y="87685"/>
-        <a:ext cx="1035131" cy="1035131"/>
+        <a:off x="6158383" y="3801627"/>
+        <a:ext cx="969260" cy="969260"/>
       </dsp:txXfrm>
     </dsp:sp>
-    <dsp:sp modelId="{07AA7D78-6817-4636-BD7E-64D87A576842}">
+    <dsp:sp modelId="{9B2AF194-2AD8-4FF9-93A4-CB52FBC88F1D}">
       <dsp:nvSpPr>
         <dsp:cNvPr id="0" name=""/>
         <dsp:cNvSpPr/>
       </dsp:nvSpPr>
       <dsp:spPr>
-        <a:xfrm rot="1350000">
-          <a:off x="5235631" y="746086"/>
-          <a:ext cx="184111" cy="407486"/>
+        <a:xfrm rot="8400000">
+          <a:off x="5910950" y="4637428"/>
+          <a:ext cx="172388" cy="381555"/>
         </a:xfrm>
         <a:prstGeom prst="rightArrow">
           <a:avLst>
@@ -8739,7 +9596,7 @@
         </a:bodyPr>
         <a:lstStyle/>
         <a:p>
-          <a:pPr lvl="0" algn="ctr" defTabSz="711200">
+          <a:pPr lvl="0" algn="ctr" defTabSz="533400">
             <a:lnSpc>
               <a:spcPct val="90000"/>
             </a:lnSpc>
@@ -8750,23 +9607,23 @@
               <a:spcPct val="35000"/>
             </a:spcAft>
           </a:pPr>
-          <a:endParaRPr lang="en-US" sz="1600" b="1" kern="1200"/>
+          <a:endParaRPr lang="en-US" sz="1200" b="1" kern="1200"/>
         </a:p>
       </dsp:txBody>
-      <dsp:txXfrm>
-        <a:off x="5237733" y="817015"/>
-        <a:ext cx="128878" cy="244492"/>
+      <dsp:txXfrm rot="10800000">
+        <a:off x="5956616" y="4697118"/>
+        <a:ext cx="120672" cy="228933"/>
       </dsp:txXfrm>
     </dsp:sp>
-    <dsp:sp modelId="{424FBFFB-6A12-4A8C-AAF1-2FAD31DF37D6}">
+    <dsp:sp modelId="{9A1D0261-766F-4914-90E4-02ED8F791C95}">
       <dsp:nvSpPr>
         <dsp:cNvPr id="0" name=""/>
         <dsp:cNvSpPr/>
       </dsp:nvSpPr>
       <dsp:spPr>
         <a:xfrm>
-          <a:off x="5437254" y="566448"/>
-          <a:ext cx="1463897" cy="1463897"/>
+          <a:off x="4658430" y="4691056"/>
+          <a:ext cx="1370740" cy="1370740"/>
         </a:xfrm>
         <a:prstGeom prst="ellipse">
           <a:avLst/>
@@ -8774,30 +9631,30 @@
         <a:gradFill rotWithShape="0">
           <a:gsLst>
             <a:gs pos="0">
-              <a:schemeClr val="accent5">
-                <a:hueOff val="-1419125"/>
-                <a:satOff val="5687"/>
-                <a:lumOff val="1233"/>
+              <a:schemeClr val="accent6">
+                <a:hueOff val="0"/>
+                <a:satOff val="0"/>
+                <a:lumOff val="0"/>
                 <a:alphaOff val="0"/>
                 <a:shade val="51000"/>
                 <a:satMod val="130000"/>
               </a:schemeClr>
             </a:gs>
             <a:gs pos="80000">
-              <a:schemeClr val="accent5">
-                <a:hueOff val="-1419125"/>
-                <a:satOff val="5687"/>
-                <a:lumOff val="1233"/>
+              <a:schemeClr val="accent6">
+                <a:hueOff val="0"/>
+                <a:satOff val="0"/>
+                <a:lumOff val="0"/>
                 <a:alphaOff val="0"/>
                 <a:shade val="93000"/>
                 <a:satMod val="130000"/>
               </a:schemeClr>
             </a:gs>
             <a:gs pos="100000">
-              <a:schemeClr val="accent5">
-                <a:hueOff val="-1419125"/>
-                <a:satOff val="5687"/>
-                <a:lumOff val="1233"/>
+              <a:schemeClr val="accent6">
+                <a:hueOff val="0"/>
+                <a:satOff val="0"/>
+                <a:lumOff val="0"/>
                 <a:alphaOff val="0"/>
                 <a:shade val="94000"/>
                 <a:satMod val="135000"/>
@@ -8832,12 +9689,12 @@
         </a:fontRef>
       </dsp:style>
       <dsp:txBody>
-        <a:bodyPr spcFirstLastPara="0" vert="horz" wrap="square" lIns="20320" tIns="20320" rIns="20320" bIns="20320" numCol="1" spcCol="1270" anchor="ctr" anchorCtr="0">
+        <a:bodyPr spcFirstLastPara="0" vert="horz" wrap="square" lIns="15240" tIns="15240" rIns="15240" bIns="15240" numCol="1" spcCol="1270" anchor="ctr" anchorCtr="0">
           <a:noAutofit/>
         </a:bodyPr>
         <a:lstStyle/>
         <a:p>
-          <a:pPr lvl="0" algn="ctr" defTabSz="711200">
+          <a:pPr lvl="0" algn="ctr" defTabSz="533400">
             <a:lnSpc>
               <a:spcPct val="90000"/>
             </a:lnSpc>
@@ -8849,26 +9706,26 @@
             </a:spcAft>
           </a:pPr>
           <a:r>
-            <a:rPr lang="en-US" sz="1600" b="1" kern="1200" dirty="0" smtClean="0"/>
-            <a:t>Scalability</a:t>
+            <a:rPr lang="en-US" sz="1200" b="1" kern="1200" dirty="0" smtClean="0"/>
+            <a:t>Low Complexity</a:t>
           </a:r>
-          <a:endParaRPr lang="en-US" sz="1600" b="1" kern="1200" dirty="0"/>
+          <a:endParaRPr lang="en-US" sz="1200" b="1" kern="1200" dirty="0"/>
         </a:p>
       </dsp:txBody>
       <dsp:txXfrm>
-        <a:off x="5651637" y="780831"/>
-        <a:ext cx="1035131" cy="1035131"/>
+        <a:off x="4859170" y="4891796"/>
+        <a:ext cx="969260" cy="969260"/>
       </dsp:txXfrm>
     </dsp:sp>
-    <dsp:sp modelId="{E067413C-7820-468A-84D3-07E620C69EA1}">
+    <dsp:sp modelId="{99F4AB56-C1C2-4E10-B6BA-59EFF5E46E90}">
       <dsp:nvSpPr>
         <dsp:cNvPr id="0" name=""/>
         <dsp:cNvSpPr/>
       </dsp:nvSpPr>
       <dsp:spPr>
-        <a:xfrm rot="4050000">
-          <a:off x="6421726" y="1926541"/>
-          <a:ext cx="184111" cy="407486"/>
+        <a:xfrm rot="10800000">
+          <a:off x="4414484" y="5185648"/>
+          <a:ext cx="172388" cy="381555"/>
         </a:xfrm>
         <a:prstGeom prst="rightArrow">
           <a:avLst>
@@ -8879,30 +9736,30 @@
         <a:gradFill rotWithShape="0">
           <a:gsLst>
             <a:gs pos="0">
-              <a:schemeClr val="accent5">
-                <a:hueOff val="-1419125"/>
-                <a:satOff val="5687"/>
-                <a:lumOff val="1233"/>
+              <a:schemeClr val="accent6">
+                <a:hueOff val="0"/>
+                <a:satOff val="0"/>
+                <a:lumOff val="0"/>
                 <a:alphaOff val="0"/>
                 <a:shade val="51000"/>
                 <a:satMod val="130000"/>
               </a:schemeClr>
             </a:gs>
             <a:gs pos="80000">
-              <a:schemeClr val="accent5">
-                <a:hueOff val="-1419125"/>
-                <a:satOff val="5687"/>
-                <a:lumOff val="1233"/>
+              <a:schemeClr val="accent6">
+                <a:hueOff val="0"/>
+                <a:satOff val="0"/>
+                <a:lumOff val="0"/>
                 <a:alphaOff val="0"/>
                 <a:shade val="93000"/>
                 <a:satMod val="130000"/>
               </a:schemeClr>
             </a:gs>
             <a:gs pos="100000">
-              <a:schemeClr val="accent5">
-                <a:hueOff val="-1419125"/>
-                <a:satOff val="5687"/>
-                <a:lumOff val="1233"/>
+              <a:schemeClr val="accent6">
+                <a:hueOff val="0"/>
+                <a:satOff val="0"/>
+                <a:lumOff val="0"/>
                 <a:alphaOff val="0"/>
                 <a:shade val="94000"/>
                 <a:satMod val="135000"/>
@@ -8942,7 +9799,7 @@
         </a:bodyPr>
         <a:lstStyle/>
         <a:p>
-          <a:pPr lvl="0" algn="ctr" defTabSz="711200">
+          <a:pPr lvl="0" algn="ctr" defTabSz="533400">
             <a:lnSpc>
               <a:spcPct val="90000"/>
             </a:lnSpc>
@@ -8953,23 +9810,23 @@
               <a:spcPct val="35000"/>
             </a:spcAft>
           </a:pPr>
-          <a:endParaRPr lang="en-US" sz="1600" b="1" kern="1200"/>
+          <a:endParaRPr lang="en-US" sz="1200" b="1" kern="1200"/>
         </a:p>
       </dsp:txBody>
-      <dsp:txXfrm>
-        <a:off x="6438774" y="1982524"/>
-        <a:ext cx="128878" cy="244492"/>
+      <dsp:txXfrm rot="10800000">
+        <a:off x="4466200" y="5261959"/>
+        <a:ext cx="120672" cy="228933"/>
       </dsp:txXfrm>
     </dsp:sp>
-    <dsp:sp modelId="{129E5C94-C62C-4043-8EB3-4DC3B1B11C21}">
+    <dsp:sp modelId="{CFD43E62-0262-4277-97AA-448F51DC12EA}">
       <dsp:nvSpPr>
         <dsp:cNvPr id="0" name=""/>
         <dsp:cNvSpPr/>
       </dsp:nvSpPr>
       <dsp:spPr>
         <a:xfrm>
-          <a:off x="6130400" y="2239851"/>
-          <a:ext cx="1463897" cy="1463897"/>
+          <a:off x="2962428" y="4691056"/>
+          <a:ext cx="1370740" cy="1370740"/>
         </a:xfrm>
         <a:prstGeom prst="ellipse">
           <a:avLst/>
@@ -8977,30 +9834,30 @@
         <a:gradFill rotWithShape="0">
           <a:gsLst>
             <a:gs pos="0">
-              <a:schemeClr val="accent5">
-                <a:hueOff val="-2838251"/>
-                <a:satOff val="11375"/>
-                <a:lumOff val="2465"/>
+              <a:schemeClr val="accent2">
+                <a:hueOff val="0"/>
+                <a:satOff val="0"/>
+                <a:lumOff val="0"/>
                 <a:alphaOff val="0"/>
                 <a:shade val="51000"/>
                 <a:satMod val="130000"/>
               </a:schemeClr>
             </a:gs>
             <a:gs pos="80000">
-              <a:schemeClr val="accent5">
-                <a:hueOff val="-2838251"/>
-                <a:satOff val="11375"/>
-                <a:lumOff val="2465"/>
+              <a:schemeClr val="accent2">
+                <a:hueOff val="0"/>
+                <a:satOff val="0"/>
+                <a:lumOff val="0"/>
                 <a:alphaOff val="0"/>
                 <a:shade val="93000"/>
                 <a:satMod val="130000"/>
               </a:schemeClr>
             </a:gs>
             <a:gs pos="100000">
-              <a:schemeClr val="accent5">
-                <a:hueOff val="-2838251"/>
-                <a:satOff val="11375"/>
-                <a:lumOff val="2465"/>
+              <a:schemeClr val="accent2">
+                <a:hueOff val="0"/>
+                <a:satOff val="0"/>
+                <a:lumOff val="0"/>
                 <a:alphaOff val="0"/>
                 <a:shade val="94000"/>
                 <a:satMod val="135000"/>
@@ -9035,12 +9892,12 @@
         </a:fontRef>
       </dsp:style>
       <dsp:txBody>
-        <a:bodyPr spcFirstLastPara="0" vert="horz" wrap="square" lIns="20320" tIns="20320" rIns="20320" bIns="20320" numCol="1" spcCol="1270" anchor="ctr" anchorCtr="0">
+        <a:bodyPr spcFirstLastPara="0" vert="horz" wrap="square" lIns="15240" tIns="15240" rIns="15240" bIns="15240" numCol="1" spcCol="1270" anchor="ctr" anchorCtr="0">
           <a:noAutofit/>
         </a:bodyPr>
         <a:lstStyle/>
         <a:p>
-          <a:pPr lvl="0" algn="ctr" defTabSz="711200">
+          <a:pPr lvl="0" algn="ctr" defTabSz="533400">
             <a:lnSpc>
               <a:spcPct val="90000"/>
             </a:lnSpc>
@@ -9052,26 +9909,26 @@
             </a:spcAft>
           </a:pPr>
           <a:r>
-            <a:rPr lang="en-US" sz="1600" b="1" kern="1200" dirty="0" smtClean="0"/>
-            <a:t>Proven</a:t>
+            <a:rPr lang="en-US" sz="1200" b="1" kern="1200" smtClean="0"/>
+            <a:t>Easy to maintain</a:t>
           </a:r>
-          <a:endParaRPr lang="en-US" sz="1600" b="1" kern="1200" dirty="0"/>
+          <a:endParaRPr lang="en-US" sz="1200" b="1" kern="1200" dirty="0"/>
         </a:p>
       </dsp:txBody>
       <dsp:txXfrm>
-        <a:off x="6344783" y="2454234"/>
-        <a:ext cx="1035131" cy="1035131"/>
+        <a:off x="3163168" y="4891796"/>
+        <a:ext cx="969260" cy="969260"/>
       </dsp:txXfrm>
     </dsp:sp>
-    <dsp:sp modelId="{6EAB7CE9-9314-4441-A3AB-F554B05A0CC4}">
+    <dsp:sp modelId="{55BF76C7-EC85-4918-98C1-83E506A30DDE}">
       <dsp:nvSpPr>
         <dsp:cNvPr id="0" name=""/>
         <dsp:cNvSpPr/>
       </dsp:nvSpPr>
       <dsp:spPr>
-        <a:xfrm rot="6750000">
-          <a:off x="6425714" y="3599944"/>
-          <a:ext cx="184111" cy="407486"/>
+        <a:xfrm rot="13200000">
+          <a:off x="2915735" y="4643700"/>
+          <a:ext cx="172388" cy="381555"/>
         </a:xfrm>
         <a:prstGeom prst="rightArrow">
           <a:avLst>
@@ -9082,30 +9939,30 @@
         <a:gradFill rotWithShape="0">
           <a:gsLst>
             <a:gs pos="0">
-              <a:schemeClr val="accent5">
-                <a:hueOff val="-2838251"/>
-                <a:satOff val="11375"/>
-                <a:lumOff val="2465"/>
+              <a:schemeClr val="accent2">
+                <a:hueOff val="0"/>
+                <a:satOff val="0"/>
+                <a:lumOff val="0"/>
                 <a:alphaOff val="0"/>
                 <a:shade val="51000"/>
                 <a:satMod val="130000"/>
               </a:schemeClr>
             </a:gs>
             <a:gs pos="80000">
-              <a:schemeClr val="accent5">
-                <a:hueOff val="-2838251"/>
-                <a:satOff val="11375"/>
-                <a:lumOff val="2465"/>
+              <a:schemeClr val="accent2">
+                <a:hueOff val="0"/>
+                <a:satOff val="0"/>
+                <a:lumOff val="0"/>
                 <a:alphaOff val="0"/>
                 <a:shade val="93000"/>
                 <a:satMod val="130000"/>
               </a:schemeClr>
             </a:gs>
             <a:gs pos="100000">
-              <a:schemeClr val="accent5">
-                <a:hueOff val="-2838251"/>
-                <a:satOff val="11375"/>
-                <a:lumOff val="2465"/>
+              <a:schemeClr val="accent2">
+                <a:hueOff val="0"/>
+                <a:satOff val="0"/>
+                <a:lumOff val="0"/>
                 <a:alphaOff val="0"/>
                 <a:shade val="94000"/>
                 <a:satMod val="135000"/>
@@ -9145,7 +10002,7 @@
         </a:bodyPr>
         <a:lstStyle/>
         <a:p>
-          <a:pPr lvl="0" algn="ctr" defTabSz="711200">
+          <a:pPr lvl="0" algn="ctr" defTabSz="533400">
             <a:lnSpc>
               <a:spcPct val="90000"/>
             </a:lnSpc>
@@ -9156,23 +10013,23 @@
               <a:spcPct val="35000"/>
             </a:spcAft>
           </a:pPr>
-          <a:endParaRPr lang="en-US" sz="1600" b="1" kern="1200"/>
+          <a:endParaRPr lang="en-US" sz="1200" b="1" kern="1200"/>
         </a:p>
       </dsp:txBody>
       <dsp:txXfrm rot="10800000">
-        <a:off x="6463899" y="3655927"/>
-        <a:ext cx="128878" cy="244492"/>
+        <a:off x="2961401" y="4736632"/>
+        <a:ext cx="120672" cy="228933"/>
       </dsp:txXfrm>
     </dsp:sp>
-    <dsp:sp modelId="{E2C5EB64-46F7-46EE-950D-21428E263F7F}">
+    <dsp:sp modelId="{A1433F36-7959-4D85-AEBE-2B4E5B8AFDFA}">
       <dsp:nvSpPr>
         <dsp:cNvPr id="0" name=""/>
         <dsp:cNvSpPr/>
       </dsp:nvSpPr>
       <dsp:spPr>
         <a:xfrm>
-          <a:off x="5437254" y="3913254"/>
-          <a:ext cx="1463897" cy="1463897"/>
+          <a:off x="1663215" y="3600887"/>
+          <a:ext cx="1370740" cy="1370740"/>
         </a:xfrm>
         <a:prstGeom prst="ellipse">
           <a:avLst/>
@@ -9180,30 +10037,30 @@
         <a:gradFill rotWithShape="0">
           <a:gsLst>
             <a:gs pos="0">
-              <a:schemeClr val="accent5">
-                <a:hueOff val="-4257376"/>
-                <a:satOff val="17062"/>
-                <a:lumOff val="3698"/>
+              <a:schemeClr val="accent3">
+                <a:hueOff val="0"/>
+                <a:satOff val="0"/>
+                <a:lumOff val="0"/>
                 <a:alphaOff val="0"/>
                 <a:shade val="51000"/>
                 <a:satMod val="130000"/>
               </a:schemeClr>
             </a:gs>
             <a:gs pos="80000">
-              <a:schemeClr val="accent5">
-                <a:hueOff val="-4257376"/>
-                <a:satOff val="17062"/>
-                <a:lumOff val="3698"/>
+              <a:schemeClr val="accent3">
+                <a:hueOff val="0"/>
+                <a:satOff val="0"/>
+                <a:lumOff val="0"/>
                 <a:alphaOff val="0"/>
                 <a:shade val="93000"/>
                 <a:satMod val="130000"/>
               </a:schemeClr>
             </a:gs>
             <a:gs pos="100000">
-              <a:schemeClr val="accent5">
-                <a:hueOff val="-4257376"/>
-                <a:satOff val="17062"/>
-                <a:lumOff val="3698"/>
+              <a:schemeClr val="accent3">
+                <a:hueOff val="0"/>
+                <a:satOff val="0"/>
+                <a:lumOff val="0"/>
                 <a:alphaOff val="0"/>
                 <a:shade val="94000"/>
                 <a:satMod val="135000"/>
@@ -9238,12 +10095,12 @@
         </a:fontRef>
       </dsp:style>
       <dsp:txBody>
-        <a:bodyPr spcFirstLastPara="0" vert="horz" wrap="square" lIns="20320" tIns="20320" rIns="20320" bIns="20320" numCol="1" spcCol="1270" anchor="ctr" anchorCtr="0">
+        <a:bodyPr spcFirstLastPara="0" vert="horz" wrap="square" lIns="15240" tIns="15240" rIns="15240" bIns="15240" numCol="1" spcCol="1270" anchor="ctr" anchorCtr="0">
           <a:noAutofit/>
         </a:bodyPr>
         <a:lstStyle/>
         <a:p>
-          <a:pPr lvl="0" algn="ctr" defTabSz="711200">
+          <a:pPr lvl="0" algn="ctr" defTabSz="533400">
             <a:lnSpc>
               <a:spcPct val="90000"/>
             </a:lnSpc>
@@ -9255,26 +10112,26 @@
             </a:spcAft>
           </a:pPr>
           <a:r>
-            <a:rPr lang="en-US" sz="1600" b="1" kern="1200" dirty="0" smtClean="0"/>
-            <a:t>Low learning curve</a:t>
+            <a:rPr lang="en-US" sz="1200" b="1" i="0" u="none" kern="1200" smtClean="0"/>
+            <a:t>Light weight</a:t>
           </a:r>
-          <a:endParaRPr lang="en-US" sz="1600" b="1" kern="1200" dirty="0"/>
+          <a:endParaRPr lang="en-US" sz="1200" b="1" kern="1200" dirty="0"/>
         </a:p>
       </dsp:txBody>
       <dsp:txXfrm>
-        <a:off x="5651637" y="4127637"/>
-        <a:ext cx="1035131" cy="1035131"/>
+        <a:off x="1863955" y="3801627"/>
+        <a:ext cx="969260" cy="969260"/>
       </dsp:txXfrm>
     </dsp:sp>
-    <dsp:sp modelId="{9B2AF194-2AD8-4FF9-93A4-CB52FBC88F1D}">
+    <dsp:sp modelId="{D3F2D1F1-3268-4633-AECF-E1088149916A}">
       <dsp:nvSpPr>
         <dsp:cNvPr id="0" name=""/>
         <dsp:cNvSpPr/>
       </dsp:nvSpPr>
       <dsp:spPr>
-        <a:xfrm rot="9450000">
-          <a:off x="5245259" y="4786038"/>
-          <a:ext cx="184111" cy="407486"/>
+        <a:xfrm rot="15600000">
+          <a:off x="2115984" y="3265166"/>
+          <a:ext cx="172388" cy="381555"/>
         </a:xfrm>
         <a:prstGeom prst="rightArrow">
           <a:avLst>
@@ -9285,30 +10142,30 @@
         <a:gradFill rotWithShape="0">
           <a:gsLst>
             <a:gs pos="0">
-              <a:schemeClr val="accent5">
-                <a:hueOff val="-4257376"/>
-                <a:satOff val="17062"/>
-                <a:lumOff val="3698"/>
+              <a:schemeClr val="accent3">
+                <a:hueOff val="0"/>
+                <a:satOff val="0"/>
+                <a:lumOff val="0"/>
                 <a:alphaOff val="0"/>
                 <a:shade val="51000"/>
                 <a:satMod val="130000"/>
               </a:schemeClr>
             </a:gs>
             <a:gs pos="80000">
-              <a:schemeClr val="accent5">
-                <a:hueOff val="-4257376"/>
-                <a:satOff val="17062"/>
-                <a:lumOff val="3698"/>
+              <a:schemeClr val="accent3">
+                <a:hueOff val="0"/>
+                <a:satOff val="0"/>
+                <a:lumOff val="0"/>
                 <a:alphaOff val="0"/>
                 <a:shade val="93000"/>
                 <a:satMod val="130000"/>
               </a:schemeClr>
             </a:gs>
             <a:gs pos="100000">
-              <a:schemeClr val="accent5">
-                <a:hueOff val="-4257376"/>
-                <a:satOff val="17062"/>
-                <a:lumOff val="3698"/>
+              <a:schemeClr val="accent3">
+                <a:hueOff val="0"/>
+                <a:satOff val="0"/>
+                <a:lumOff val="0"/>
                 <a:alphaOff val="0"/>
                 <a:shade val="94000"/>
                 <a:satMod val="135000"/>
@@ -9348,7 +10205,7 @@
         </a:bodyPr>
         <a:lstStyle/>
         <a:p>
-          <a:pPr lvl="0" algn="ctr" defTabSz="711200">
+          <a:pPr lvl="0" algn="ctr" defTabSz="533400">
             <a:lnSpc>
               <a:spcPct val="90000"/>
             </a:lnSpc>
@@ -9359,23 +10216,23 @@
               <a:spcPct val="35000"/>
             </a:spcAft>
           </a:pPr>
-          <a:endParaRPr lang="en-US" sz="1600" b="1" kern="1200"/>
+          <a:endParaRPr lang="en-US" sz="1200" b="1" kern="1200"/>
         </a:p>
       </dsp:txBody>
       <dsp:txXfrm rot="10800000">
-        <a:off x="5298390" y="4856967"/>
-        <a:ext cx="128878" cy="244492"/>
+        <a:off x="2146332" y="3366942"/>
+        <a:ext cx="120672" cy="228933"/>
       </dsp:txXfrm>
     </dsp:sp>
-    <dsp:sp modelId="{9A1D0261-766F-4914-90E4-02ED8F791C95}">
+    <dsp:sp modelId="{8A600920-6744-4A37-B7D9-C4CED9312A73}">
       <dsp:nvSpPr>
         <dsp:cNvPr id="0" name=""/>
         <dsp:cNvSpPr/>
       </dsp:nvSpPr>
       <dsp:spPr>
         <a:xfrm>
-          <a:off x="3763851" y="4606400"/>
-          <a:ext cx="1463897" cy="1463897"/>
+          <a:off x="1368707" y="1930651"/>
+          <a:ext cx="1370740" cy="1370740"/>
         </a:xfrm>
         <a:prstGeom prst="ellipse">
           <a:avLst/>
@@ -9383,30 +10240,30 @@
         <a:gradFill rotWithShape="0">
           <a:gsLst>
             <a:gs pos="0">
-              <a:schemeClr val="accent5">
-                <a:hueOff val="-5676501"/>
-                <a:satOff val="22749"/>
-                <a:lumOff val="4930"/>
+              <a:schemeClr val="accent4">
+                <a:hueOff val="0"/>
+                <a:satOff val="0"/>
+                <a:lumOff val="0"/>
                 <a:alphaOff val="0"/>
                 <a:shade val="51000"/>
                 <a:satMod val="130000"/>
               </a:schemeClr>
             </a:gs>
             <a:gs pos="80000">
-              <a:schemeClr val="accent5">
-                <a:hueOff val="-5676501"/>
-                <a:satOff val="22749"/>
-                <a:lumOff val="4930"/>
+              <a:schemeClr val="accent4">
+                <a:hueOff val="0"/>
+                <a:satOff val="0"/>
+                <a:lumOff val="0"/>
                 <a:alphaOff val="0"/>
                 <a:shade val="93000"/>
                 <a:satMod val="130000"/>
               </a:schemeClr>
             </a:gs>
             <a:gs pos="100000">
-              <a:schemeClr val="accent5">
-                <a:hueOff val="-5676501"/>
-                <a:satOff val="22749"/>
-                <a:lumOff val="4930"/>
+              <a:schemeClr val="accent4">
+                <a:hueOff val="0"/>
+                <a:satOff val="0"/>
+                <a:lumOff val="0"/>
                 <a:alphaOff val="0"/>
                 <a:shade val="94000"/>
                 <a:satMod val="135000"/>
@@ -9441,12 +10298,12 @@
         </a:fontRef>
       </dsp:style>
       <dsp:txBody>
-        <a:bodyPr spcFirstLastPara="0" vert="horz" wrap="square" lIns="20320" tIns="20320" rIns="20320" bIns="20320" numCol="1" spcCol="1270" anchor="ctr" anchorCtr="0">
+        <a:bodyPr spcFirstLastPara="0" vert="horz" wrap="square" lIns="15240" tIns="15240" rIns="15240" bIns="15240" numCol="1" spcCol="1270" anchor="ctr" anchorCtr="0">
           <a:noAutofit/>
         </a:bodyPr>
         <a:lstStyle/>
         <a:p>
-          <a:pPr lvl="0" algn="ctr" defTabSz="711200">
+          <a:pPr lvl="0" algn="ctr" defTabSz="533400">
             <a:lnSpc>
               <a:spcPct val="90000"/>
             </a:lnSpc>
@@ -9458,26 +10315,26 @@
             </a:spcAft>
           </a:pPr>
           <a:r>
-            <a:rPr lang="en-US" sz="1600" b="1" kern="1200" dirty="0" smtClean="0"/>
-            <a:t>Low Complexity</a:t>
+            <a:rPr lang="en-US" sz="1200" b="1" i="0" u="none" kern="1200" dirty="0" smtClean="0"/>
+            <a:t>Cloud Support</a:t>
           </a:r>
-          <a:endParaRPr lang="en-US" sz="1600" b="1" kern="1200" dirty="0"/>
+          <a:endParaRPr lang="en-US" sz="1200" b="1" kern="1200" dirty="0"/>
         </a:p>
       </dsp:txBody>
       <dsp:txXfrm>
-        <a:off x="3978234" y="4820783"/>
-        <a:ext cx="1035131" cy="1035131"/>
+        <a:off x="1569447" y="2131391"/>
+        <a:ext cx="969260" cy="969260"/>
       </dsp:txXfrm>
     </dsp:sp>
-    <dsp:sp modelId="{99F4AB56-C1C2-4E10-B6BA-59EFF5E46E90}">
+    <dsp:sp modelId="{9B70611D-CE57-4F3F-A21C-CDE7227A3E47}">
       <dsp:nvSpPr>
         <dsp:cNvPr id="0" name=""/>
         <dsp:cNvSpPr/>
       </dsp:nvSpPr>
       <dsp:spPr>
-        <a:xfrm rot="12150000">
-          <a:off x="3571856" y="4790026"/>
-          <a:ext cx="184111" cy="407486"/>
+        <a:xfrm rot="18000000">
+          <a:off x="2386742" y="1644632"/>
+          <a:ext cx="236042" cy="381555"/>
         </a:xfrm>
         <a:prstGeom prst="rightArrow">
           <a:avLst>
@@ -9488,30 +10345,30 @@
         <a:gradFill rotWithShape="0">
           <a:gsLst>
             <a:gs pos="0">
-              <a:schemeClr val="accent5">
-                <a:hueOff val="-5676501"/>
-                <a:satOff val="22749"/>
-                <a:lumOff val="4930"/>
+              <a:schemeClr val="accent4">
+                <a:hueOff val="0"/>
+                <a:satOff val="0"/>
+                <a:lumOff val="0"/>
                 <a:alphaOff val="0"/>
                 <a:shade val="51000"/>
                 <a:satMod val="130000"/>
               </a:schemeClr>
             </a:gs>
             <a:gs pos="80000">
-              <a:schemeClr val="accent5">
-                <a:hueOff val="-5676501"/>
-                <a:satOff val="22749"/>
-                <a:lumOff val="4930"/>
+              <a:schemeClr val="accent4">
+                <a:hueOff val="0"/>
+                <a:satOff val="0"/>
+                <a:lumOff val="0"/>
                 <a:alphaOff val="0"/>
                 <a:shade val="93000"/>
                 <a:satMod val="130000"/>
               </a:schemeClr>
             </a:gs>
             <a:gs pos="100000">
-              <a:schemeClr val="accent5">
-                <a:hueOff val="-5676501"/>
-                <a:satOff val="22749"/>
-                <a:lumOff val="4930"/>
+              <a:schemeClr val="accent4">
+                <a:hueOff val="0"/>
+                <a:satOff val="0"/>
+                <a:lumOff val="0"/>
                 <a:alphaOff val="0"/>
                 <a:shade val="94000"/>
                 <a:satMod val="135000"/>
@@ -9551,7 +10408,7 @@
         </a:bodyPr>
         <a:lstStyle/>
         <a:p>
-          <a:pPr lvl="0" algn="ctr" defTabSz="711200">
+          <a:pPr lvl="0" algn="ctr" defTabSz="533400">
             <a:lnSpc>
               <a:spcPct val="90000"/>
             </a:lnSpc>
@@ -9562,23 +10419,23 @@
               <a:spcPct val="35000"/>
             </a:spcAft>
           </a:pPr>
-          <a:endParaRPr lang="en-US" sz="1600" b="1" kern="1200"/>
+          <a:endParaRPr lang="en-US" sz="1200" b="1" kern="1200"/>
         </a:p>
       </dsp:txBody>
-      <dsp:txXfrm rot="10800000">
-        <a:off x="3624987" y="4882091"/>
-        <a:ext cx="128878" cy="244492"/>
+      <dsp:txXfrm>
+        <a:off x="2404445" y="1751606"/>
+        <a:ext cx="165229" cy="228933"/>
       </dsp:txXfrm>
     </dsp:sp>
-    <dsp:sp modelId="{CFD43E62-0262-4277-97AA-448F51DC12EA}">
+    <dsp:sp modelId="{43E6A6CF-2BAD-458C-BD30-F26C501F0DDB}">
       <dsp:nvSpPr>
         <dsp:cNvPr id="0" name=""/>
         <dsp:cNvSpPr/>
       </dsp:nvSpPr>
       <dsp:spPr>
         <a:xfrm>
-          <a:off x="2090448" y="3913254"/>
-          <a:ext cx="1463897" cy="1463897"/>
+          <a:off x="2336811" y="581972"/>
+          <a:ext cx="1130535" cy="1130535"/>
         </a:xfrm>
         <a:prstGeom prst="ellipse">
           <a:avLst/>
@@ -9587,9 +10444,9 @@
           <a:gsLst>
             <a:gs pos="0">
               <a:schemeClr val="accent5">
-                <a:hueOff val="-7095626"/>
-                <a:satOff val="28436"/>
-                <a:lumOff val="6163"/>
+                <a:hueOff val="0"/>
+                <a:satOff val="0"/>
+                <a:lumOff val="0"/>
                 <a:alphaOff val="0"/>
                 <a:shade val="51000"/>
                 <a:satMod val="130000"/>
@@ -9597,9 +10454,9 @@
             </a:gs>
             <a:gs pos="80000">
               <a:schemeClr val="accent5">
-                <a:hueOff val="-7095626"/>
-                <a:satOff val="28436"/>
-                <a:lumOff val="6163"/>
+                <a:hueOff val="0"/>
+                <a:satOff val="0"/>
+                <a:lumOff val="0"/>
                 <a:alphaOff val="0"/>
                 <a:shade val="93000"/>
                 <a:satMod val="130000"/>
@@ -9607,9 +10464,9 @@
             </a:gs>
             <a:gs pos="100000">
               <a:schemeClr val="accent5">
-                <a:hueOff val="-7095626"/>
-                <a:satOff val="28436"/>
-                <a:lumOff val="6163"/>
+                <a:hueOff val="0"/>
+                <a:satOff val="0"/>
+                <a:lumOff val="0"/>
                 <a:alphaOff val="0"/>
                 <a:shade val="94000"/>
                 <a:satMod val="135000"/>
@@ -9644,12 +10501,12 @@
         </a:fontRef>
       </dsp:style>
       <dsp:txBody>
-        <a:bodyPr spcFirstLastPara="0" vert="horz" wrap="square" lIns="20320" tIns="20320" rIns="20320" bIns="20320" numCol="1" spcCol="1270" anchor="ctr" anchorCtr="0">
+        <a:bodyPr spcFirstLastPara="0" vert="horz" wrap="square" lIns="15240" tIns="15240" rIns="15240" bIns="15240" numCol="1" spcCol="1270" anchor="ctr" anchorCtr="0">
           <a:noAutofit/>
         </a:bodyPr>
         <a:lstStyle/>
         <a:p>
-          <a:pPr lvl="0" algn="ctr" defTabSz="711200">
+          <a:pPr lvl="0" algn="ctr" defTabSz="533400">
             <a:lnSpc>
               <a:spcPct val="90000"/>
             </a:lnSpc>
@@ -9661,26 +10518,26 @@
             </a:spcAft>
           </a:pPr>
           <a:r>
-            <a:rPr lang="en-US" sz="1600" b="1" kern="1200" smtClean="0"/>
-            <a:t>Easy to maintain</a:t>
+            <a:rPr lang="en-US" sz="1200" b="1" kern="1200" dirty="0" smtClean="0"/>
+            <a:t>Active Community</a:t>
           </a:r>
-          <a:endParaRPr lang="en-US" sz="1600" b="1" kern="1200" dirty="0"/>
+          <a:endParaRPr lang="en-US" sz="1200" b="1" kern="1200" dirty="0"/>
         </a:p>
       </dsp:txBody>
       <dsp:txXfrm>
-        <a:off x="2304831" y="4127637"/>
-        <a:ext cx="1035131" cy="1035131"/>
+        <a:off x="2502374" y="747535"/>
+        <a:ext cx="799409" cy="799409"/>
       </dsp:txXfrm>
     </dsp:sp>
-    <dsp:sp modelId="{55BF76C7-EC85-4918-98C1-83E506A30DDE}">
+    <dsp:sp modelId="{11A7BCEB-CD57-4097-A3D2-0105AF45D05E}">
       <dsp:nvSpPr>
         <dsp:cNvPr id="0" name=""/>
         <dsp:cNvSpPr/>
       </dsp:nvSpPr>
       <dsp:spPr>
-        <a:xfrm rot="14850000">
-          <a:off x="2385762" y="3609572"/>
-          <a:ext cx="184111" cy="407486"/>
+        <a:xfrm rot="20400000">
+          <a:off x="3518210" y="689252"/>
+          <a:ext cx="236042" cy="381555"/>
         </a:xfrm>
         <a:prstGeom prst="rightArrow">
           <a:avLst>
@@ -9692,9 +10549,9 @@
           <a:gsLst>
             <a:gs pos="0">
               <a:schemeClr val="accent5">
-                <a:hueOff val="-7095626"/>
-                <a:satOff val="28436"/>
-                <a:lumOff val="6163"/>
+                <a:hueOff val="0"/>
+                <a:satOff val="0"/>
+                <a:lumOff val="0"/>
                 <a:alphaOff val="0"/>
                 <a:shade val="51000"/>
                 <a:satMod val="130000"/>
@@ -9702,9 +10559,9 @@
             </a:gs>
             <a:gs pos="80000">
               <a:schemeClr val="accent5">
-                <a:hueOff val="-7095626"/>
-                <a:satOff val="28436"/>
-                <a:lumOff val="6163"/>
+                <a:hueOff val="0"/>
+                <a:satOff val="0"/>
+                <a:lumOff val="0"/>
                 <a:alphaOff val="0"/>
                 <a:shade val="93000"/>
                 <a:satMod val="130000"/>
@@ -9712,9 +10569,9 @@
             </a:gs>
             <a:gs pos="100000">
               <a:schemeClr val="accent5">
-                <a:hueOff val="-7095626"/>
-                <a:satOff val="28436"/>
-                <a:lumOff val="6163"/>
+                <a:hueOff val="0"/>
+                <a:satOff val="0"/>
+                <a:lumOff val="0"/>
                 <a:alphaOff val="0"/>
                 <a:shade val="94000"/>
                 <a:satMod val="135000"/>
@@ -9754,7 +10611,7 @@
         </a:bodyPr>
         <a:lstStyle/>
         <a:p>
-          <a:pPr lvl="0" algn="ctr" defTabSz="711200">
+          <a:pPr lvl="0" algn="ctr" defTabSz="533400">
             <a:lnSpc>
               <a:spcPct val="90000"/>
             </a:lnSpc>
@@ -9765,418 +10622,12 @@
               <a:spcPct val="35000"/>
             </a:spcAft>
           </a:pPr>
-          <a:endParaRPr lang="en-US" sz="1600" b="1" kern="1200"/>
-        </a:p>
-      </dsp:txBody>
-      <dsp:txXfrm rot="10800000">
-        <a:off x="2423947" y="3716583"/>
-        <a:ext cx="128878" cy="244492"/>
-      </dsp:txXfrm>
-    </dsp:sp>
-    <dsp:sp modelId="{A1433F36-7959-4D85-AEBE-2B4E5B8AFDFA}">
-      <dsp:nvSpPr>
-        <dsp:cNvPr id="0" name=""/>
-        <dsp:cNvSpPr/>
-      </dsp:nvSpPr>
-      <dsp:spPr>
-        <a:xfrm>
-          <a:off x="1397301" y="2239851"/>
-          <a:ext cx="1463897" cy="1463897"/>
-        </a:xfrm>
-        <a:prstGeom prst="ellipse">
-          <a:avLst/>
-        </a:prstGeom>
-        <a:gradFill rotWithShape="0">
-          <a:gsLst>
-            <a:gs pos="0">
-              <a:schemeClr val="accent5">
-                <a:hueOff val="-8514751"/>
-                <a:satOff val="34124"/>
-                <a:lumOff val="7395"/>
-                <a:alphaOff val="0"/>
-                <a:shade val="51000"/>
-                <a:satMod val="130000"/>
-              </a:schemeClr>
-            </a:gs>
-            <a:gs pos="80000">
-              <a:schemeClr val="accent5">
-                <a:hueOff val="-8514751"/>
-                <a:satOff val="34124"/>
-                <a:lumOff val="7395"/>
-                <a:alphaOff val="0"/>
-                <a:shade val="93000"/>
-                <a:satMod val="130000"/>
-              </a:schemeClr>
-            </a:gs>
-            <a:gs pos="100000">
-              <a:schemeClr val="accent5">
-                <a:hueOff val="-8514751"/>
-                <a:satOff val="34124"/>
-                <a:lumOff val="7395"/>
-                <a:alphaOff val="0"/>
-                <a:shade val="94000"/>
-                <a:satMod val="135000"/>
-              </a:schemeClr>
-            </a:gs>
-          </a:gsLst>
-          <a:lin ang="16200000" scaled="0"/>
-        </a:gradFill>
-        <a:ln>
-          <a:noFill/>
-        </a:ln>
-        <a:effectLst>
-          <a:outerShdw blurRad="40000" dist="23000" dir="5400000" rotWithShape="0">
-            <a:srgbClr val="000000">
-              <a:alpha val="35000"/>
-            </a:srgbClr>
-          </a:outerShdw>
-        </a:effectLst>
-      </dsp:spPr>
-      <dsp:style>
-        <a:lnRef idx="0">
-          <a:scrgbClr r="0" g="0" b="0"/>
-        </a:lnRef>
-        <a:fillRef idx="3">
-          <a:scrgbClr r="0" g="0" b="0"/>
-        </a:fillRef>
-        <a:effectRef idx="2">
-          <a:scrgbClr r="0" g="0" b="0"/>
-        </a:effectRef>
-        <a:fontRef idx="minor">
-          <a:schemeClr val="lt1"/>
-        </a:fontRef>
-      </dsp:style>
-      <dsp:txBody>
-        <a:bodyPr spcFirstLastPara="0" vert="horz" wrap="square" lIns="20320" tIns="20320" rIns="20320" bIns="20320" numCol="1" spcCol="1270" anchor="ctr" anchorCtr="0">
-          <a:noAutofit/>
-        </a:bodyPr>
-        <a:lstStyle/>
-        <a:p>
-          <a:pPr lvl="0" algn="ctr" defTabSz="711200">
-            <a:lnSpc>
-              <a:spcPct val="90000"/>
-            </a:lnSpc>
-            <a:spcBef>
-              <a:spcPct val="0"/>
-            </a:spcBef>
-            <a:spcAft>
-              <a:spcPct val="35000"/>
-            </a:spcAft>
-          </a:pPr>
-          <a:r>
-            <a:rPr lang="en-US" sz="1600" b="1" i="0" u="none" kern="1200" smtClean="0"/>
-            <a:t>Light weight</a:t>
-          </a:r>
-          <a:endParaRPr lang="en-US" sz="1600" b="1" kern="1200" dirty="0"/>
+          <a:endParaRPr lang="en-US" sz="1200" kern="1200"/>
         </a:p>
       </dsp:txBody>
       <dsp:txXfrm>
-        <a:off x="1611684" y="2454234"/>
-        <a:ext cx="1035131" cy="1035131"/>
-      </dsp:txXfrm>
-    </dsp:sp>
-    <dsp:sp modelId="{D3F2D1F1-3268-4633-AECF-E1088149916A}">
-      <dsp:nvSpPr>
-        <dsp:cNvPr id="0" name=""/>
-        <dsp:cNvSpPr/>
-      </dsp:nvSpPr>
-      <dsp:spPr>
-        <a:xfrm rot="17550000">
-          <a:off x="2381773" y="1936169"/>
-          <a:ext cx="184111" cy="407486"/>
-        </a:xfrm>
-        <a:prstGeom prst="rightArrow">
-          <a:avLst>
-            <a:gd name="adj1" fmla="val 60000"/>
-            <a:gd name="adj2" fmla="val 50000"/>
-          </a:avLst>
-        </a:prstGeom>
-        <a:gradFill rotWithShape="0">
-          <a:gsLst>
-            <a:gs pos="0">
-              <a:schemeClr val="accent5">
-                <a:hueOff val="-8514751"/>
-                <a:satOff val="34124"/>
-                <a:lumOff val="7395"/>
-                <a:alphaOff val="0"/>
-                <a:shade val="51000"/>
-                <a:satMod val="130000"/>
-              </a:schemeClr>
-            </a:gs>
-            <a:gs pos="80000">
-              <a:schemeClr val="accent5">
-                <a:hueOff val="-8514751"/>
-                <a:satOff val="34124"/>
-                <a:lumOff val="7395"/>
-                <a:alphaOff val="0"/>
-                <a:shade val="93000"/>
-                <a:satMod val="130000"/>
-              </a:schemeClr>
-            </a:gs>
-            <a:gs pos="100000">
-              <a:schemeClr val="accent5">
-                <a:hueOff val="-8514751"/>
-                <a:satOff val="34124"/>
-                <a:lumOff val="7395"/>
-                <a:alphaOff val="0"/>
-                <a:shade val="94000"/>
-                <a:satMod val="135000"/>
-              </a:schemeClr>
-            </a:gs>
-          </a:gsLst>
-          <a:lin ang="16200000" scaled="0"/>
-        </a:gradFill>
-        <a:ln>
-          <a:noFill/>
-        </a:ln>
-        <a:effectLst>
-          <a:outerShdw blurRad="40000" dist="23000" dir="5400000" rotWithShape="0">
-            <a:srgbClr val="000000">
-              <a:alpha val="35000"/>
-            </a:srgbClr>
-          </a:outerShdw>
-        </a:effectLst>
-      </dsp:spPr>
-      <dsp:style>
-        <a:lnRef idx="0">
-          <a:scrgbClr r="0" g="0" b="0"/>
-        </a:lnRef>
-        <a:fillRef idx="3">
-          <a:scrgbClr r="0" g="0" b="0"/>
-        </a:fillRef>
-        <a:effectRef idx="2">
-          <a:scrgbClr r="0" g="0" b="0"/>
-        </a:effectRef>
-        <a:fontRef idx="minor">
-          <a:schemeClr val="lt1"/>
-        </a:fontRef>
-      </dsp:style>
-      <dsp:txBody>
-        <a:bodyPr spcFirstLastPara="0" vert="horz" wrap="square" lIns="0" tIns="0" rIns="0" bIns="0" numCol="1" spcCol="1270" anchor="ctr" anchorCtr="0">
-          <a:noAutofit/>
-        </a:bodyPr>
-        <a:lstStyle/>
-        <a:p>
-          <a:pPr lvl="0" algn="ctr" defTabSz="711200">
-            <a:lnSpc>
-              <a:spcPct val="90000"/>
-            </a:lnSpc>
-            <a:spcBef>
-              <a:spcPct val="0"/>
-            </a:spcBef>
-            <a:spcAft>
-              <a:spcPct val="35000"/>
-            </a:spcAft>
-          </a:pPr>
-          <a:endParaRPr lang="en-US" sz="1600" b="1" kern="1200"/>
-        </a:p>
-      </dsp:txBody>
-      <dsp:txXfrm>
-        <a:off x="2398821" y="2043180"/>
-        <a:ext cx="128878" cy="244492"/>
-      </dsp:txXfrm>
-    </dsp:sp>
-    <dsp:sp modelId="{8A600920-6744-4A37-B7D9-C4CED9312A73}">
-      <dsp:nvSpPr>
-        <dsp:cNvPr id="0" name=""/>
-        <dsp:cNvSpPr/>
-      </dsp:nvSpPr>
-      <dsp:spPr>
-        <a:xfrm>
-          <a:off x="2090448" y="566448"/>
-          <a:ext cx="1463897" cy="1463897"/>
-        </a:xfrm>
-        <a:prstGeom prst="ellipse">
-          <a:avLst/>
-        </a:prstGeom>
-        <a:gradFill rotWithShape="0">
-          <a:gsLst>
-            <a:gs pos="0">
-              <a:schemeClr val="accent5">
-                <a:hueOff val="-9933876"/>
-                <a:satOff val="39811"/>
-                <a:lumOff val="8628"/>
-                <a:alphaOff val="0"/>
-                <a:shade val="51000"/>
-                <a:satMod val="130000"/>
-              </a:schemeClr>
-            </a:gs>
-            <a:gs pos="80000">
-              <a:schemeClr val="accent5">
-                <a:hueOff val="-9933876"/>
-                <a:satOff val="39811"/>
-                <a:lumOff val="8628"/>
-                <a:alphaOff val="0"/>
-                <a:shade val="93000"/>
-                <a:satMod val="130000"/>
-              </a:schemeClr>
-            </a:gs>
-            <a:gs pos="100000">
-              <a:schemeClr val="accent5">
-                <a:hueOff val="-9933876"/>
-                <a:satOff val="39811"/>
-                <a:lumOff val="8628"/>
-                <a:alphaOff val="0"/>
-                <a:shade val="94000"/>
-                <a:satMod val="135000"/>
-              </a:schemeClr>
-            </a:gs>
-          </a:gsLst>
-          <a:lin ang="16200000" scaled="0"/>
-        </a:gradFill>
-        <a:ln>
-          <a:noFill/>
-        </a:ln>
-        <a:effectLst>
-          <a:outerShdw blurRad="40000" dist="23000" dir="5400000" rotWithShape="0">
-            <a:srgbClr val="000000">
-              <a:alpha val="35000"/>
-            </a:srgbClr>
-          </a:outerShdw>
-        </a:effectLst>
-      </dsp:spPr>
-      <dsp:style>
-        <a:lnRef idx="0">
-          <a:scrgbClr r="0" g="0" b="0"/>
-        </a:lnRef>
-        <a:fillRef idx="3">
-          <a:scrgbClr r="0" g="0" b="0"/>
-        </a:fillRef>
-        <a:effectRef idx="2">
-          <a:scrgbClr r="0" g="0" b="0"/>
-        </a:effectRef>
-        <a:fontRef idx="minor">
-          <a:schemeClr val="lt1"/>
-        </a:fontRef>
-      </dsp:style>
-      <dsp:txBody>
-        <a:bodyPr spcFirstLastPara="0" vert="horz" wrap="square" lIns="20320" tIns="20320" rIns="20320" bIns="20320" numCol="1" spcCol="1270" anchor="ctr" anchorCtr="0">
-          <a:noAutofit/>
-        </a:bodyPr>
-        <a:lstStyle/>
-        <a:p>
-          <a:pPr lvl="0" algn="ctr" defTabSz="711200">
-            <a:lnSpc>
-              <a:spcPct val="90000"/>
-            </a:lnSpc>
-            <a:spcBef>
-              <a:spcPct val="0"/>
-            </a:spcBef>
-            <a:spcAft>
-              <a:spcPct val="35000"/>
-            </a:spcAft>
-          </a:pPr>
-          <a:r>
-            <a:rPr lang="en-US" sz="1600" b="1" i="0" u="none" kern="1200" smtClean="0"/>
-            <a:t>Cloud Support</a:t>
-          </a:r>
-          <a:endParaRPr lang="en-US" sz="1600" b="1" kern="1200" dirty="0"/>
-        </a:p>
-      </dsp:txBody>
-      <dsp:txXfrm>
-        <a:off x="2304831" y="780831"/>
-        <a:ext cx="1035131" cy="1035131"/>
-      </dsp:txXfrm>
-    </dsp:sp>
-    <dsp:sp modelId="{9B70611D-CE57-4F3F-A21C-CDE7227A3E47}">
-      <dsp:nvSpPr>
-        <dsp:cNvPr id="0" name=""/>
-        <dsp:cNvSpPr/>
-      </dsp:nvSpPr>
-      <dsp:spPr>
-        <a:xfrm rot="20250000">
-          <a:off x="3562228" y="750074"/>
-          <a:ext cx="184111" cy="407486"/>
-        </a:xfrm>
-        <a:prstGeom prst="rightArrow">
-          <a:avLst>
-            <a:gd name="adj1" fmla="val 60000"/>
-            <a:gd name="adj2" fmla="val 50000"/>
-          </a:avLst>
-        </a:prstGeom>
-        <a:gradFill rotWithShape="0">
-          <a:gsLst>
-            <a:gs pos="0">
-              <a:schemeClr val="accent5">
-                <a:hueOff val="-9933876"/>
-                <a:satOff val="39811"/>
-                <a:lumOff val="8628"/>
-                <a:alphaOff val="0"/>
-                <a:shade val="51000"/>
-                <a:satMod val="130000"/>
-              </a:schemeClr>
-            </a:gs>
-            <a:gs pos="80000">
-              <a:schemeClr val="accent5">
-                <a:hueOff val="-9933876"/>
-                <a:satOff val="39811"/>
-                <a:lumOff val="8628"/>
-                <a:alphaOff val="0"/>
-                <a:shade val="93000"/>
-                <a:satMod val="130000"/>
-              </a:schemeClr>
-            </a:gs>
-            <a:gs pos="100000">
-              <a:schemeClr val="accent5">
-                <a:hueOff val="-9933876"/>
-                <a:satOff val="39811"/>
-                <a:lumOff val="8628"/>
-                <a:alphaOff val="0"/>
-                <a:shade val="94000"/>
-                <a:satMod val="135000"/>
-              </a:schemeClr>
-            </a:gs>
-          </a:gsLst>
-          <a:lin ang="16200000" scaled="0"/>
-        </a:gradFill>
-        <a:ln>
-          <a:noFill/>
-        </a:ln>
-        <a:effectLst>
-          <a:outerShdw blurRad="40000" dist="23000" dir="5400000" rotWithShape="0">
-            <a:srgbClr val="000000">
-              <a:alpha val="35000"/>
-            </a:srgbClr>
-          </a:outerShdw>
-        </a:effectLst>
-      </dsp:spPr>
-      <dsp:style>
-        <a:lnRef idx="0">
-          <a:scrgbClr r="0" g="0" b="0"/>
-        </a:lnRef>
-        <a:fillRef idx="3">
-          <a:scrgbClr r="0" g="0" b="0"/>
-        </a:fillRef>
-        <a:effectRef idx="2">
-          <a:scrgbClr r="0" g="0" b="0"/>
-        </a:effectRef>
-        <a:fontRef idx="minor">
-          <a:schemeClr val="lt1"/>
-        </a:fontRef>
-      </dsp:style>
-      <dsp:txBody>
-        <a:bodyPr spcFirstLastPara="0" vert="horz" wrap="square" lIns="0" tIns="0" rIns="0" bIns="0" numCol="1" spcCol="1270" anchor="ctr" anchorCtr="0">
-          <a:noAutofit/>
-        </a:bodyPr>
-        <a:lstStyle/>
-        <a:p>
-          <a:pPr lvl="0" algn="ctr" defTabSz="711200">
-            <a:lnSpc>
-              <a:spcPct val="90000"/>
-            </a:lnSpc>
-            <a:spcBef>
-              <a:spcPct val="0"/>
-            </a:spcBef>
-            <a:spcAft>
-              <a:spcPct val="35000"/>
-            </a:spcAft>
-          </a:pPr>
-          <a:endParaRPr lang="en-US" sz="1600" b="1" kern="1200"/>
-        </a:p>
-      </dsp:txBody>
-      <dsp:txXfrm>
-        <a:off x="3564330" y="842139"/>
-        <a:ext cx="128878" cy="244492"/>
+        <a:off x="3520345" y="777673"/>
+        <a:ext cx="165229" cy="228933"/>
       </dsp:txXfrm>
     </dsp:sp>
   </dsp:spTree>
@@ -10191,1000 +10642,6 @@
       <dsp:cNvGrpSpPr/>
     </dsp:nvGrpSpPr>
     <dsp:grpSpPr/>
-    <dsp:sp modelId="{98AA548A-0ADC-45C8-8F2E-77CF7B7DD031}">
-      <dsp:nvSpPr>
-        <dsp:cNvPr id="0" name=""/>
-        <dsp:cNvSpPr/>
-      </dsp:nvSpPr>
-      <dsp:spPr>
-        <a:xfrm rot="5400000">
-          <a:off x="2301162" y="-733450"/>
-          <a:ext cx="890170" cy="2584704"/>
-        </a:xfrm>
-        <a:prstGeom prst="round2SameRect">
-          <a:avLst/>
-        </a:prstGeom>
-        <a:solidFill>
-          <a:schemeClr val="accent1">
-            <a:alpha val="90000"/>
-            <a:tint val="40000"/>
-            <a:hueOff val="0"/>
-            <a:satOff val="0"/>
-            <a:lumOff val="0"/>
-            <a:alphaOff val="0"/>
-          </a:schemeClr>
-        </a:solidFill>
-        <a:ln w="25400" cap="flat" cmpd="sng" algn="ctr">
-          <a:solidFill>
-            <a:schemeClr val="accent1">
-              <a:alpha val="90000"/>
-              <a:tint val="40000"/>
-              <a:hueOff val="0"/>
-              <a:satOff val="0"/>
-              <a:lumOff val="0"/>
-              <a:alphaOff val="0"/>
-            </a:schemeClr>
-          </a:solidFill>
-          <a:prstDash val="solid"/>
-        </a:ln>
-        <a:effectLst/>
-      </dsp:spPr>
-      <dsp:style>
-        <a:lnRef idx="2">
-          <a:scrgbClr r="0" g="0" b="0"/>
-        </a:lnRef>
-        <a:fillRef idx="1">
-          <a:scrgbClr r="0" g="0" b="0"/>
-        </a:fillRef>
-        <a:effectRef idx="0">
-          <a:scrgbClr r="0" g="0" b="0"/>
-        </a:effectRef>
-        <a:fontRef idx="minor"/>
-      </dsp:style>
-      <dsp:txBody>
-        <a:bodyPr spcFirstLastPara="0" vert="horz" wrap="square" lIns="45720" tIns="22860" rIns="45720" bIns="22860" numCol="1" spcCol="1270" anchor="ctr" anchorCtr="0">
-          <a:noAutofit/>
-        </a:bodyPr>
-        <a:lstStyle/>
-        <a:p>
-          <a:pPr marL="114300" lvl="1" indent="-114300" algn="l" defTabSz="533400">
-            <a:lnSpc>
-              <a:spcPct val="90000"/>
-            </a:lnSpc>
-            <a:spcBef>
-              <a:spcPct val="0"/>
-            </a:spcBef>
-            <a:spcAft>
-              <a:spcPct val="15000"/>
-            </a:spcAft>
-            <a:buChar char="••"/>
-          </a:pPr>
-          <a:r>
-            <a:rPr lang="en-US" sz="1200" kern="1200" dirty="0" smtClean="0"/>
-            <a:t>CSV</a:t>
-          </a:r>
-          <a:endParaRPr lang="en-US" sz="1200" kern="1200" dirty="0"/>
-        </a:p>
-        <a:p>
-          <a:pPr marL="114300" lvl="1" indent="-114300" algn="l" defTabSz="533400">
-            <a:lnSpc>
-              <a:spcPct val="90000"/>
-            </a:lnSpc>
-            <a:spcBef>
-              <a:spcPct val="0"/>
-            </a:spcBef>
-            <a:spcAft>
-              <a:spcPct val="15000"/>
-            </a:spcAft>
-            <a:buChar char="••"/>
-          </a:pPr>
-          <a:r>
-            <a:rPr lang="en-US" sz="1200" kern="1200" dirty="0" smtClean="0"/>
-            <a:t>XML</a:t>
-          </a:r>
-          <a:endParaRPr lang="en-US" sz="1200" kern="1200" dirty="0"/>
-        </a:p>
-        <a:p>
-          <a:pPr marL="114300" lvl="1" indent="-114300" algn="l" defTabSz="533400">
-            <a:lnSpc>
-              <a:spcPct val="90000"/>
-            </a:lnSpc>
-            <a:spcBef>
-              <a:spcPct val="0"/>
-            </a:spcBef>
-            <a:spcAft>
-              <a:spcPct val="15000"/>
-            </a:spcAft>
-            <a:buChar char="••"/>
-          </a:pPr>
-          <a:r>
-            <a:rPr lang="en-US" sz="1200" kern="1200" dirty="0" smtClean="0"/>
-            <a:t>JSON</a:t>
-          </a:r>
-          <a:endParaRPr lang="en-US" sz="1200" kern="1200" dirty="0"/>
-        </a:p>
-      </dsp:txBody>
-      <dsp:txXfrm rot="-5400000">
-        <a:off x="1453896" y="157271"/>
-        <a:ext cx="2541249" cy="803260"/>
-      </dsp:txXfrm>
-    </dsp:sp>
-    <dsp:sp modelId="{62C265A2-AEFF-4640-A14C-42AD4D2D6D34}">
-      <dsp:nvSpPr>
-        <dsp:cNvPr id="0" name=""/>
-        <dsp:cNvSpPr/>
-      </dsp:nvSpPr>
-      <dsp:spPr>
-        <a:xfrm>
-          <a:off x="0" y="2544"/>
-          <a:ext cx="1453896" cy="1112713"/>
-        </a:xfrm>
-        <a:prstGeom prst="roundRect">
-          <a:avLst/>
-        </a:prstGeom>
-        <a:solidFill>
-          <a:schemeClr val="accent1">
-            <a:hueOff val="0"/>
-            <a:satOff val="0"/>
-            <a:lumOff val="0"/>
-            <a:alphaOff val="0"/>
-          </a:schemeClr>
-        </a:solidFill>
-        <a:ln w="25400" cap="flat" cmpd="sng" algn="ctr">
-          <a:solidFill>
-            <a:schemeClr val="lt1">
-              <a:hueOff val="0"/>
-              <a:satOff val="0"/>
-              <a:lumOff val="0"/>
-              <a:alphaOff val="0"/>
-            </a:schemeClr>
-          </a:solidFill>
-          <a:prstDash val="solid"/>
-        </a:ln>
-        <a:effectLst/>
-      </dsp:spPr>
-      <dsp:style>
-        <a:lnRef idx="2">
-          <a:scrgbClr r="0" g="0" b="0"/>
-        </a:lnRef>
-        <a:fillRef idx="1">
-          <a:scrgbClr r="0" g="0" b="0"/>
-        </a:fillRef>
-        <a:effectRef idx="0">
-          <a:scrgbClr r="0" g="0" b="0"/>
-        </a:effectRef>
-        <a:fontRef idx="minor">
-          <a:schemeClr val="lt1"/>
-        </a:fontRef>
-      </dsp:style>
-      <dsp:txBody>
-        <a:bodyPr spcFirstLastPara="0" vert="horz" wrap="square" lIns="45720" tIns="22860" rIns="45720" bIns="22860" numCol="1" spcCol="1270" anchor="ctr" anchorCtr="0">
-          <a:noAutofit/>
-        </a:bodyPr>
-        <a:lstStyle/>
-        <a:p>
-          <a:pPr lvl="0" algn="ctr" defTabSz="533400">
-            <a:lnSpc>
-              <a:spcPct val="90000"/>
-            </a:lnSpc>
-            <a:spcBef>
-              <a:spcPct val="0"/>
-            </a:spcBef>
-            <a:spcAft>
-              <a:spcPct val="35000"/>
-            </a:spcAft>
-          </a:pPr>
-          <a:r>
-            <a:rPr lang="en-US" sz="1200" kern="1200" dirty="0" smtClean="0"/>
-            <a:t>File Type</a:t>
-          </a:r>
-          <a:endParaRPr lang="en-US" sz="1200" kern="1200" dirty="0"/>
-        </a:p>
-      </dsp:txBody>
-      <dsp:txXfrm>
-        <a:off x="54318" y="56862"/>
-        <a:ext cx="1345260" cy="1004077"/>
-      </dsp:txXfrm>
-    </dsp:sp>
-    <dsp:sp modelId="{37FD1344-DBF6-417A-9E23-26F99A358364}">
-      <dsp:nvSpPr>
-        <dsp:cNvPr id="0" name=""/>
-        <dsp:cNvSpPr/>
-      </dsp:nvSpPr>
-      <dsp:spPr>
-        <a:xfrm rot="5400000">
-          <a:off x="2301162" y="434898"/>
-          <a:ext cx="890170" cy="2584704"/>
-        </a:xfrm>
-        <a:prstGeom prst="round2SameRect">
-          <a:avLst/>
-        </a:prstGeom>
-        <a:solidFill>
-          <a:schemeClr val="accent1">
-            <a:alpha val="90000"/>
-            <a:tint val="40000"/>
-            <a:hueOff val="0"/>
-            <a:satOff val="0"/>
-            <a:lumOff val="0"/>
-            <a:alphaOff val="0"/>
-          </a:schemeClr>
-        </a:solidFill>
-        <a:ln w="25400" cap="flat" cmpd="sng" algn="ctr">
-          <a:solidFill>
-            <a:schemeClr val="accent1">
-              <a:alpha val="90000"/>
-              <a:tint val="40000"/>
-              <a:hueOff val="0"/>
-              <a:satOff val="0"/>
-              <a:lumOff val="0"/>
-              <a:alphaOff val="0"/>
-            </a:schemeClr>
-          </a:solidFill>
-          <a:prstDash val="solid"/>
-        </a:ln>
-        <a:effectLst/>
-      </dsp:spPr>
-      <dsp:style>
-        <a:lnRef idx="2">
-          <a:scrgbClr r="0" g="0" b="0"/>
-        </a:lnRef>
-        <a:fillRef idx="1">
-          <a:scrgbClr r="0" g="0" b="0"/>
-        </a:fillRef>
-        <a:effectRef idx="0">
-          <a:scrgbClr r="0" g="0" b="0"/>
-        </a:effectRef>
-        <a:fontRef idx="minor"/>
-      </dsp:style>
-      <dsp:txBody>
-        <a:bodyPr spcFirstLastPara="0" vert="horz" wrap="square" lIns="45720" tIns="22860" rIns="45720" bIns="22860" numCol="1" spcCol="1270" anchor="ctr" anchorCtr="0">
-          <a:noAutofit/>
-        </a:bodyPr>
-        <a:lstStyle/>
-        <a:p>
-          <a:pPr marL="114300" lvl="1" indent="-114300" algn="l" defTabSz="533400">
-            <a:lnSpc>
-              <a:spcPct val="90000"/>
-            </a:lnSpc>
-            <a:spcBef>
-              <a:spcPct val="0"/>
-            </a:spcBef>
-            <a:spcAft>
-              <a:spcPct val="15000"/>
-            </a:spcAft>
-            <a:buChar char="••"/>
-          </a:pPr>
-          <a:r>
-            <a:rPr lang="en-US" sz="1200" kern="1200" dirty="0" smtClean="0"/>
-            <a:t>SSH</a:t>
-          </a:r>
-          <a:endParaRPr lang="en-US" sz="1200" kern="1200" dirty="0"/>
-        </a:p>
-        <a:p>
-          <a:pPr marL="114300" lvl="1" indent="-114300" algn="l" defTabSz="533400">
-            <a:lnSpc>
-              <a:spcPct val="90000"/>
-            </a:lnSpc>
-            <a:spcBef>
-              <a:spcPct val="0"/>
-            </a:spcBef>
-            <a:spcAft>
-              <a:spcPct val="15000"/>
-            </a:spcAft>
-            <a:buChar char="••"/>
-          </a:pPr>
-          <a:r>
-            <a:rPr lang="en-US" sz="1200" kern="1200" smtClean="0"/>
-            <a:t>FTP</a:t>
-          </a:r>
-          <a:endParaRPr lang="en-US" sz="1200" kern="1200" dirty="0" smtClean="0"/>
-        </a:p>
-        <a:p>
-          <a:pPr marL="114300" lvl="1" indent="-114300" algn="l" defTabSz="533400">
-            <a:lnSpc>
-              <a:spcPct val="90000"/>
-            </a:lnSpc>
-            <a:spcBef>
-              <a:spcPct val="0"/>
-            </a:spcBef>
-            <a:spcAft>
-              <a:spcPct val="15000"/>
-            </a:spcAft>
-            <a:buChar char="••"/>
-          </a:pPr>
-          <a:r>
-            <a:rPr lang="en-US" sz="1200" kern="1200" smtClean="0"/>
-            <a:t>SFTP</a:t>
-          </a:r>
-          <a:endParaRPr lang="en-US" sz="1200" kern="1200" dirty="0" smtClean="0"/>
-        </a:p>
-        <a:p>
-          <a:pPr marL="114300" lvl="1" indent="-114300" algn="l" defTabSz="533400">
-            <a:lnSpc>
-              <a:spcPct val="90000"/>
-            </a:lnSpc>
-            <a:spcBef>
-              <a:spcPct val="0"/>
-            </a:spcBef>
-            <a:spcAft>
-              <a:spcPct val="15000"/>
-            </a:spcAft>
-            <a:buChar char="••"/>
-          </a:pPr>
-          <a:r>
-            <a:rPr lang="en-US" sz="1200" kern="1200" dirty="0" smtClean="0"/>
-            <a:t>HTTP</a:t>
-          </a:r>
-        </a:p>
-      </dsp:txBody>
-      <dsp:txXfrm rot="-5400000">
-        <a:off x="1453896" y="1325620"/>
-        <a:ext cx="2541249" cy="803260"/>
-      </dsp:txXfrm>
-    </dsp:sp>
-    <dsp:sp modelId="{010BCE75-72E1-4939-B27B-C1CB692C8023}">
-      <dsp:nvSpPr>
-        <dsp:cNvPr id="0" name=""/>
-        <dsp:cNvSpPr/>
-      </dsp:nvSpPr>
-      <dsp:spPr>
-        <a:xfrm>
-          <a:off x="0" y="1170894"/>
-          <a:ext cx="1453896" cy="1112713"/>
-        </a:xfrm>
-        <a:prstGeom prst="roundRect">
-          <a:avLst/>
-        </a:prstGeom>
-        <a:solidFill>
-          <a:schemeClr val="accent1">
-            <a:hueOff val="0"/>
-            <a:satOff val="0"/>
-            <a:lumOff val="0"/>
-            <a:alphaOff val="0"/>
-          </a:schemeClr>
-        </a:solidFill>
-        <a:ln w="25400" cap="flat" cmpd="sng" algn="ctr">
-          <a:solidFill>
-            <a:schemeClr val="lt1">
-              <a:hueOff val="0"/>
-              <a:satOff val="0"/>
-              <a:lumOff val="0"/>
-              <a:alphaOff val="0"/>
-            </a:schemeClr>
-          </a:solidFill>
-          <a:prstDash val="solid"/>
-        </a:ln>
-        <a:effectLst/>
-      </dsp:spPr>
-      <dsp:style>
-        <a:lnRef idx="2">
-          <a:scrgbClr r="0" g="0" b="0"/>
-        </a:lnRef>
-        <a:fillRef idx="1">
-          <a:scrgbClr r="0" g="0" b="0"/>
-        </a:fillRef>
-        <a:effectRef idx="0">
-          <a:scrgbClr r="0" g="0" b="0"/>
-        </a:effectRef>
-        <a:fontRef idx="minor">
-          <a:schemeClr val="lt1"/>
-        </a:fontRef>
-      </dsp:style>
-      <dsp:txBody>
-        <a:bodyPr spcFirstLastPara="0" vert="horz" wrap="square" lIns="45720" tIns="22860" rIns="45720" bIns="22860" numCol="1" spcCol="1270" anchor="ctr" anchorCtr="0">
-          <a:noAutofit/>
-        </a:bodyPr>
-        <a:lstStyle/>
-        <a:p>
-          <a:pPr lvl="0" algn="ctr" defTabSz="533400">
-            <a:lnSpc>
-              <a:spcPct val="90000"/>
-            </a:lnSpc>
-            <a:spcBef>
-              <a:spcPct val="0"/>
-            </a:spcBef>
-            <a:spcAft>
-              <a:spcPct val="35000"/>
-            </a:spcAft>
-          </a:pPr>
-          <a:r>
-            <a:rPr lang="en-US" sz="1200" kern="1200" dirty="0" smtClean="0"/>
-            <a:t>Protocol</a:t>
-          </a:r>
-          <a:endParaRPr lang="en-US" sz="1200" kern="1200" dirty="0"/>
-        </a:p>
-      </dsp:txBody>
-      <dsp:txXfrm>
-        <a:off x="54318" y="1225212"/>
-        <a:ext cx="1345260" cy="1004077"/>
-      </dsp:txXfrm>
-    </dsp:sp>
-    <dsp:sp modelId="{AC14E104-064B-4341-AB6C-2993A16D29EC}">
-      <dsp:nvSpPr>
-        <dsp:cNvPr id="0" name=""/>
-        <dsp:cNvSpPr/>
-      </dsp:nvSpPr>
-      <dsp:spPr>
-        <a:xfrm rot="5400000">
-          <a:off x="2301162" y="1603248"/>
-          <a:ext cx="890170" cy="2584704"/>
-        </a:xfrm>
-        <a:prstGeom prst="round2SameRect">
-          <a:avLst/>
-        </a:prstGeom>
-        <a:solidFill>
-          <a:schemeClr val="accent1">
-            <a:alpha val="90000"/>
-            <a:tint val="40000"/>
-            <a:hueOff val="0"/>
-            <a:satOff val="0"/>
-            <a:lumOff val="0"/>
-            <a:alphaOff val="0"/>
-          </a:schemeClr>
-        </a:solidFill>
-        <a:ln w="25400" cap="flat" cmpd="sng" algn="ctr">
-          <a:solidFill>
-            <a:schemeClr val="accent1">
-              <a:alpha val="90000"/>
-              <a:tint val="40000"/>
-              <a:hueOff val="0"/>
-              <a:satOff val="0"/>
-              <a:lumOff val="0"/>
-              <a:alphaOff val="0"/>
-            </a:schemeClr>
-          </a:solidFill>
-          <a:prstDash val="solid"/>
-        </a:ln>
-        <a:effectLst/>
-      </dsp:spPr>
-      <dsp:style>
-        <a:lnRef idx="2">
-          <a:scrgbClr r="0" g="0" b="0"/>
-        </a:lnRef>
-        <a:fillRef idx="1">
-          <a:scrgbClr r="0" g="0" b="0"/>
-        </a:fillRef>
-        <a:effectRef idx="0">
-          <a:scrgbClr r="0" g="0" b="0"/>
-        </a:effectRef>
-        <a:fontRef idx="minor"/>
-      </dsp:style>
-      <dsp:txBody>
-        <a:bodyPr spcFirstLastPara="0" vert="horz" wrap="square" lIns="45720" tIns="22860" rIns="45720" bIns="22860" numCol="1" spcCol="1270" anchor="ctr" anchorCtr="0">
-          <a:noAutofit/>
-        </a:bodyPr>
-        <a:lstStyle/>
-        <a:p>
-          <a:pPr marL="114300" lvl="1" indent="-114300" algn="l" defTabSz="533400">
-            <a:lnSpc>
-              <a:spcPct val="90000"/>
-            </a:lnSpc>
-            <a:spcBef>
-              <a:spcPct val="0"/>
-            </a:spcBef>
-            <a:spcAft>
-              <a:spcPct val="15000"/>
-            </a:spcAft>
-            <a:buChar char="••"/>
-          </a:pPr>
-          <a:r>
-            <a:rPr lang="en-US" sz="1200" kern="1200" dirty="0" smtClean="0">
-              <a:solidFill>
-                <a:srgbClr val="FF0000"/>
-              </a:solidFill>
-            </a:rPr>
-            <a:t>SQL Server</a:t>
-          </a:r>
-          <a:endParaRPr lang="en-US" sz="1200" kern="1200" dirty="0"/>
-        </a:p>
-        <a:p>
-          <a:pPr marL="114300" lvl="1" indent="-114300" algn="l" defTabSz="533400">
-            <a:lnSpc>
-              <a:spcPct val="90000"/>
-            </a:lnSpc>
-            <a:spcBef>
-              <a:spcPct val="0"/>
-            </a:spcBef>
-            <a:spcAft>
-              <a:spcPct val="15000"/>
-            </a:spcAft>
-            <a:buChar char="••"/>
-          </a:pPr>
-          <a:r>
-            <a:rPr lang="en-US" sz="1200" kern="1200" smtClean="0">
-              <a:solidFill>
-                <a:srgbClr val="FF0000"/>
-              </a:solidFill>
-            </a:rPr>
-            <a:t>My SQL</a:t>
-          </a:r>
-          <a:endParaRPr lang="en-US" sz="1200" kern="1200" dirty="0" smtClean="0">
-            <a:solidFill>
-              <a:srgbClr val="FF0000"/>
-            </a:solidFill>
-          </a:endParaRPr>
-        </a:p>
-        <a:p>
-          <a:pPr marL="114300" lvl="1" indent="-114300" algn="l" defTabSz="533400">
-            <a:lnSpc>
-              <a:spcPct val="90000"/>
-            </a:lnSpc>
-            <a:spcBef>
-              <a:spcPct val="0"/>
-            </a:spcBef>
-            <a:spcAft>
-              <a:spcPct val="15000"/>
-            </a:spcAft>
-            <a:buChar char="••"/>
-          </a:pPr>
-          <a:r>
-            <a:rPr lang="en-US" sz="1200" kern="1200" dirty="0" err="1" smtClean="0">
-              <a:solidFill>
-                <a:srgbClr val="FF0000"/>
-              </a:solidFill>
-            </a:rPr>
-            <a:t>Postgres</a:t>
-          </a:r>
-          <a:endParaRPr lang="en-US" sz="1200" kern="1200" dirty="0" smtClean="0">
-            <a:solidFill>
-              <a:srgbClr val="FF0000"/>
-            </a:solidFill>
-          </a:endParaRPr>
-        </a:p>
-        <a:p>
-          <a:pPr marL="114300" lvl="1" indent="-114300" algn="l" defTabSz="533400">
-            <a:lnSpc>
-              <a:spcPct val="90000"/>
-            </a:lnSpc>
-            <a:spcBef>
-              <a:spcPct val="0"/>
-            </a:spcBef>
-            <a:spcAft>
-              <a:spcPct val="15000"/>
-            </a:spcAft>
-            <a:buChar char="••"/>
-          </a:pPr>
-          <a:r>
-            <a:rPr lang="en-US" sz="1200" kern="1200" dirty="0" smtClean="0">
-              <a:solidFill>
-                <a:srgbClr val="FF0000"/>
-              </a:solidFill>
-            </a:rPr>
-            <a:t>URL</a:t>
-          </a:r>
-        </a:p>
-      </dsp:txBody>
-      <dsp:txXfrm rot="-5400000">
-        <a:off x="1453896" y="2493970"/>
-        <a:ext cx="2541249" cy="803260"/>
-      </dsp:txXfrm>
-    </dsp:sp>
-    <dsp:sp modelId="{59E53B07-ACE7-4031-9041-3A9011644BB8}">
-      <dsp:nvSpPr>
-        <dsp:cNvPr id="0" name=""/>
-        <dsp:cNvSpPr/>
-      </dsp:nvSpPr>
-      <dsp:spPr>
-        <a:xfrm>
-          <a:off x="0" y="2339243"/>
-          <a:ext cx="1453896" cy="1112713"/>
-        </a:xfrm>
-        <a:prstGeom prst="roundRect">
-          <a:avLst/>
-        </a:prstGeom>
-        <a:solidFill>
-          <a:schemeClr val="accent1">
-            <a:hueOff val="0"/>
-            <a:satOff val="0"/>
-            <a:lumOff val="0"/>
-            <a:alphaOff val="0"/>
-          </a:schemeClr>
-        </a:solidFill>
-        <a:ln w="25400" cap="flat" cmpd="sng" algn="ctr">
-          <a:solidFill>
-            <a:schemeClr val="lt1">
-              <a:hueOff val="0"/>
-              <a:satOff val="0"/>
-              <a:lumOff val="0"/>
-              <a:alphaOff val="0"/>
-            </a:schemeClr>
-          </a:solidFill>
-          <a:prstDash val="solid"/>
-        </a:ln>
-        <a:effectLst/>
-      </dsp:spPr>
-      <dsp:style>
-        <a:lnRef idx="2">
-          <a:scrgbClr r="0" g="0" b="0"/>
-        </a:lnRef>
-        <a:fillRef idx="1">
-          <a:scrgbClr r="0" g="0" b="0"/>
-        </a:fillRef>
-        <a:effectRef idx="0">
-          <a:scrgbClr r="0" g="0" b="0"/>
-        </a:effectRef>
-        <a:fontRef idx="minor">
-          <a:schemeClr val="lt1"/>
-        </a:fontRef>
-      </dsp:style>
-      <dsp:txBody>
-        <a:bodyPr spcFirstLastPara="0" vert="horz" wrap="square" lIns="45720" tIns="22860" rIns="45720" bIns="22860" numCol="1" spcCol="1270" anchor="ctr" anchorCtr="0">
-          <a:noAutofit/>
-        </a:bodyPr>
-        <a:lstStyle/>
-        <a:p>
-          <a:pPr lvl="0" algn="ctr" defTabSz="533400">
-            <a:lnSpc>
-              <a:spcPct val="90000"/>
-            </a:lnSpc>
-            <a:spcBef>
-              <a:spcPct val="0"/>
-            </a:spcBef>
-            <a:spcAft>
-              <a:spcPct val="35000"/>
-            </a:spcAft>
-          </a:pPr>
-          <a:r>
-            <a:rPr lang="en-US" sz="1200" kern="1200" dirty="0" smtClean="0">
-              <a:solidFill>
-                <a:schemeClr val="bg1"/>
-              </a:solidFill>
-            </a:rPr>
-            <a:t>Source </a:t>
-          </a:r>
-        </a:p>
-        <a:p>
-          <a:pPr lvl="0" algn="ctr" defTabSz="533400">
-            <a:lnSpc>
-              <a:spcPct val="90000"/>
-            </a:lnSpc>
-            <a:spcBef>
-              <a:spcPct val="0"/>
-            </a:spcBef>
-            <a:spcAft>
-              <a:spcPct val="35000"/>
-            </a:spcAft>
-          </a:pPr>
-          <a:r>
-            <a:rPr lang="en-US" sz="1200" kern="1200" dirty="0" smtClean="0">
-              <a:solidFill>
-                <a:schemeClr val="bg1"/>
-              </a:solidFill>
-            </a:rPr>
-            <a:t>(Only when the source is secured for connection for external source)</a:t>
-          </a:r>
-          <a:endParaRPr lang="en-US" sz="1200" kern="1200" dirty="0">
-            <a:solidFill>
-              <a:schemeClr val="bg1"/>
-            </a:solidFill>
-          </a:endParaRPr>
-        </a:p>
-      </dsp:txBody>
-      <dsp:txXfrm>
-        <a:off x="54318" y="2393561"/>
-        <a:ext cx="1345260" cy="1004077"/>
-      </dsp:txXfrm>
-    </dsp:sp>
-    <dsp:sp modelId="{D7F2B148-34B0-4CB5-8513-0BFB0CFAFE4F}">
-      <dsp:nvSpPr>
-        <dsp:cNvPr id="0" name=""/>
-        <dsp:cNvSpPr/>
-      </dsp:nvSpPr>
-      <dsp:spPr>
-        <a:xfrm rot="5400000">
-          <a:off x="2301162" y="2771597"/>
-          <a:ext cx="890170" cy="2584704"/>
-        </a:xfrm>
-        <a:prstGeom prst="round2SameRect">
-          <a:avLst/>
-        </a:prstGeom>
-        <a:solidFill>
-          <a:schemeClr val="accent1">
-            <a:alpha val="90000"/>
-            <a:tint val="40000"/>
-            <a:hueOff val="0"/>
-            <a:satOff val="0"/>
-            <a:lumOff val="0"/>
-            <a:alphaOff val="0"/>
-          </a:schemeClr>
-        </a:solidFill>
-        <a:ln w="25400" cap="flat" cmpd="sng" algn="ctr">
-          <a:solidFill>
-            <a:schemeClr val="accent1">
-              <a:alpha val="90000"/>
-              <a:tint val="40000"/>
-              <a:hueOff val="0"/>
-              <a:satOff val="0"/>
-              <a:lumOff val="0"/>
-              <a:alphaOff val="0"/>
-            </a:schemeClr>
-          </a:solidFill>
-          <a:prstDash val="solid"/>
-        </a:ln>
-        <a:effectLst/>
-      </dsp:spPr>
-      <dsp:style>
-        <a:lnRef idx="2">
-          <a:scrgbClr r="0" g="0" b="0"/>
-        </a:lnRef>
-        <a:fillRef idx="1">
-          <a:scrgbClr r="0" g="0" b="0"/>
-        </a:fillRef>
-        <a:effectRef idx="0">
-          <a:scrgbClr r="0" g="0" b="0"/>
-        </a:effectRef>
-        <a:fontRef idx="minor"/>
-      </dsp:style>
-      <dsp:txBody>
-        <a:bodyPr spcFirstLastPara="0" vert="horz" wrap="square" lIns="45720" tIns="22860" rIns="45720" bIns="22860" numCol="1" spcCol="1270" anchor="ctr" anchorCtr="0">
-          <a:noAutofit/>
-        </a:bodyPr>
-        <a:lstStyle/>
-        <a:p>
-          <a:pPr marL="114300" lvl="1" indent="-114300" algn="l" defTabSz="533400">
-            <a:lnSpc>
-              <a:spcPct val="90000"/>
-            </a:lnSpc>
-            <a:spcBef>
-              <a:spcPct val="0"/>
-            </a:spcBef>
-            <a:spcAft>
-              <a:spcPct val="15000"/>
-            </a:spcAft>
-            <a:buChar char="••"/>
-          </a:pPr>
-          <a:endParaRPr lang="en-US" sz="1200" kern="1200" dirty="0" smtClean="0">
-            <a:solidFill>
-              <a:schemeClr val="bg1"/>
-            </a:solidFill>
-          </a:endParaRPr>
-        </a:p>
-      </dsp:txBody>
-      <dsp:txXfrm rot="-5400000">
-        <a:off x="1453896" y="3662319"/>
-        <a:ext cx="2541249" cy="803260"/>
-      </dsp:txXfrm>
-    </dsp:sp>
-    <dsp:sp modelId="{E7B04BBB-BA4D-460A-AA6E-0B2D186A6065}">
-      <dsp:nvSpPr>
-        <dsp:cNvPr id="0" name=""/>
-        <dsp:cNvSpPr/>
-      </dsp:nvSpPr>
-      <dsp:spPr>
-        <a:xfrm>
-          <a:off x="0" y="3507592"/>
-          <a:ext cx="1453896" cy="1112713"/>
-        </a:xfrm>
-        <a:prstGeom prst="roundRect">
-          <a:avLst/>
-        </a:prstGeom>
-        <a:solidFill>
-          <a:schemeClr val="accent1">
-            <a:hueOff val="0"/>
-            <a:satOff val="0"/>
-            <a:lumOff val="0"/>
-            <a:alphaOff val="0"/>
-          </a:schemeClr>
-        </a:solidFill>
-        <a:ln w="25400" cap="flat" cmpd="sng" algn="ctr">
-          <a:solidFill>
-            <a:schemeClr val="lt1">
-              <a:hueOff val="0"/>
-              <a:satOff val="0"/>
-              <a:lumOff val="0"/>
-              <a:alphaOff val="0"/>
-            </a:schemeClr>
-          </a:solidFill>
-          <a:prstDash val="solid"/>
-        </a:ln>
-        <a:effectLst/>
-      </dsp:spPr>
-      <dsp:style>
-        <a:lnRef idx="2">
-          <a:scrgbClr r="0" g="0" b="0"/>
-        </a:lnRef>
-        <a:fillRef idx="1">
-          <a:scrgbClr r="0" g="0" b="0"/>
-        </a:fillRef>
-        <a:effectRef idx="0">
-          <a:scrgbClr r="0" g="0" b="0"/>
-        </a:effectRef>
-        <a:fontRef idx="minor">
-          <a:schemeClr val="lt1"/>
-        </a:fontRef>
-      </dsp:style>
-      <dsp:txBody>
-        <a:bodyPr spcFirstLastPara="0" vert="horz" wrap="square" lIns="45720" tIns="22860" rIns="45720" bIns="22860" numCol="1" spcCol="1270" anchor="ctr" anchorCtr="0">
-          <a:noAutofit/>
-        </a:bodyPr>
-        <a:lstStyle/>
-        <a:p>
-          <a:pPr lvl="0" algn="ctr" defTabSz="533400">
-            <a:lnSpc>
-              <a:spcPct val="90000"/>
-            </a:lnSpc>
-            <a:spcBef>
-              <a:spcPct val="0"/>
-            </a:spcBef>
-            <a:spcAft>
-              <a:spcPct val="35000"/>
-            </a:spcAft>
-          </a:pPr>
-          <a:r>
-            <a:rPr lang="en-US" sz="1200" kern="1200" dirty="0" smtClean="0">
-              <a:solidFill>
-                <a:schemeClr val="bg1"/>
-              </a:solidFill>
-            </a:rPr>
-            <a:t>Volume</a:t>
-          </a:r>
-        </a:p>
-      </dsp:txBody>
-      <dsp:txXfrm>
-        <a:off x="54318" y="3561910"/>
-        <a:ext cx="1345260" cy="1004077"/>
-      </dsp:txXfrm>
-    </dsp:sp>
-    <dsp:sp modelId="{1313556D-F56B-4586-A810-0352ADC75D50}">
-      <dsp:nvSpPr>
-        <dsp:cNvPr id="0" name=""/>
-        <dsp:cNvSpPr/>
-      </dsp:nvSpPr>
-      <dsp:spPr>
-        <a:xfrm rot="5400000">
-          <a:off x="2301162" y="3939946"/>
-          <a:ext cx="890170" cy="2584704"/>
-        </a:xfrm>
-        <a:prstGeom prst="round2SameRect">
-          <a:avLst/>
-        </a:prstGeom>
-        <a:solidFill>
-          <a:schemeClr val="accent1">
-            <a:alpha val="90000"/>
-            <a:tint val="40000"/>
-            <a:hueOff val="0"/>
-            <a:satOff val="0"/>
-            <a:lumOff val="0"/>
-            <a:alphaOff val="0"/>
-          </a:schemeClr>
-        </a:solidFill>
-        <a:ln w="25400" cap="flat" cmpd="sng" algn="ctr">
-          <a:solidFill>
-            <a:schemeClr val="accent1">
-              <a:alpha val="90000"/>
-              <a:tint val="40000"/>
-              <a:hueOff val="0"/>
-              <a:satOff val="0"/>
-              <a:lumOff val="0"/>
-              <a:alphaOff val="0"/>
-            </a:schemeClr>
-          </a:solidFill>
-          <a:prstDash val="solid"/>
-        </a:ln>
-        <a:effectLst/>
-      </dsp:spPr>
-      <dsp:style>
-        <a:lnRef idx="2">
-          <a:scrgbClr r="0" g="0" b="0"/>
-        </a:lnRef>
-        <a:fillRef idx="1">
-          <a:scrgbClr r="0" g="0" b="0"/>
-        </a:fillRef>
-        <a:effectRef idx="0">
-          <a:scrgbClr r="0" g="0" b="0"/>
-        </a:effectRef>
-        <a:fontRef idx="minor"/>
-      </dsp:style>
-      <dsp:txBody>
-        <a:bodyPr spcFirstLastPara="0" vert="horz" wrap="square" lIns="45720" tIns="22860" rIns="45720" bIns="22860" numCol="1" spcCol="1270" anchor="ctr" anchorCtr="0">
-          <a:noAutofit/>
-        </a:bodyPr>
-        <a:lstStyle/>
-        <a:p>
-          <a:pPr marL="114300" lvl="1" indent="-114300" algn="l" defTabSz="533400">
-            <a:lnSpc>
-              <a:spcPct val="90000"/>
-            </a:lnSpc>
-            <a:spcBef>
-              <a:spcPct val="0"/>
-            </a:spcBef>
-            <a:spcAft>
-              <a:spcPct val="15000"/>
-            </a:spcAft>
-            <a:buChar char="••"/>
-          </a:pPr>
-          <a:endParaRPr lang="en-US" sz="1200" kern="1200" dirty="0" smtClean="0">
-            <a:solidFill>
-              <a:schemeClr val="bg1"/>
-            </a:solidFill>
-          </a:endParaRPr>
-        </a:p>
-      </dsp:txBody>
-      <dsp:txXfrm rot="-5400000">
-        <a:off x="1453896" y="4830668"/>
-        <a:ext cx="2541249" cy="803260"/>
-      </dsp:txXfrm>
-    </dsp:sp>
-    <dsp:sp modelId="{5AC4080C-0002-40C8-9A42-60427021F2DD}">
-      <dsp:nvSpPr>
-        <dsp:cNvPr id="0" name=""/>
-        <dsp:cNvSpPr/>
-      </dsp:nvSpPr>
-      <dsp:spPr>
-        <a:xfrm>
-          <a:off x="0" y="4675941"/>
-          <a:ext cx="1453896" cy="1112713"/>
-        </a:xfrm>
-        <a:prstGeom prst="roundRect">
-          <a:avLst/>
-        </a:prstGeom>
-        <a:solidFill>
-          <a:schemeClr val="accent1">
-            <a:hueOff val="0"/>
-            <a:satOff val="0"/>
-            <a:lumOff val="0"/>
-            <a:alphaOff val="0"/>
-          </a:schemeClr>
-        </a:solidFill>
-        <a:ln w="25400" cap="flat" cmpd="sng" algn="ctr">
-          <a:solidFill>
-            <a:schemeClr val="lt1">
-              <a:hueOff val="0"/>
-              <a:satOff val="0"/>
-              <a:lumOff val="0"/>
-              <a:alphaOff val="0"/>
-            </a:schemeClr>
-          </a:solidFill>
-          <a:prstDash val="solid"/>
-        </a:ln>
-        <a:effectLst/>
-      </dsp:spPr>
-      <dsp:style>
-        <a:lnRef idx="2">
-          <a:scrgbClr r="0" g="0" b="0"/>
-        </a:lnRef>
-        <a:fillRef idx="1">
-          <a:scrgbClr r="0" g="0" b="0"/>
-        </a:fillRef>
-        <a:effectRef idx="0">
-          <a:scrgbClr r="0" g="0" b="0"/>
-        </a:effectRef>
-        <a:fontRef idx="minor">
-          <a:schemeClr val="lt1"/>
-        </a:fontRef>
-      </dsp:style>
-      <dsp:txBody>
-        <a:bodyPr spcFirstLastPara="0" vert="horz" wrap="square" lIns="45720" tIns="22860" rIns="45720" bIns="22860" numCol="1" spcCol="1270" anchor="ctr" anchorCtr="0">
-          <a:noAutofit/>
-        </a:bodyPr>
-        <a:lstStyle/>
-        <a:p>
-          <a:pPr lvl="0" algn="ctr" defTabSz="533400">
-            <a:lnSpc>
-              <a:spcPct val="90000"/>
-            </a:lnSpc>
-            <a:spcBef>
-              <a:spcPct val="0"/>
-            </a:spcBef>
-            <a:spcAft>
-              <a:spcPct val="35000"/>
-            </a:spcAft>
-          </a:pPr>
-          <a:r>
-            <a:rPr lang="en-US" sz="1200" kern="1200" dirty="0" smtClean="0">
-              <a:solidFill>
-                <a:schemeClr val="bg1"/>
-              </a:solidFill>
-            </a:rPr>
-            <a:t>Frequency</a:t>
-          </a:r>
-        </a:p>
-      </dsp:txBody>
-      <dsp:txXfrm>
-        <a:off x="54318" y="4730259"/>
-        <a:ext cx="1345260" cy="1004077"/>
-      </dsp:txXfrm>
-    </dsp:sp>
   </dsp:spTree>
 </dsp:drawing>
 </file>
@@ -19446,7 +18903,7 @@
           <a:p>
             <a:fld id="{1CB2FAEF-975D-4F60-BC16-E1E41C7EF21D}" type="datetimeFigureOut">
               <a:rPr lang="en-US" smtClean="0"/>
-              <a:t>11/5/2016</a:t>
+              <a:t>11/16/2016</a:t>
             </a:fld>
             <a:endParaRPr lang="en-US"/>
           </a:p>
@@ -19711,7 +19168,7 @@
             <a:fld id="{1D8BD707-D9CF-40AE-B4C6-C98DA3205C09}" type="datetimeFigureOut">
               <a:rPr lang="en-US" smtClean="0"/>
               <a:pPr/>
-              <a:t>11/5/2016</a:t>
+              <a:t>11/16/2016</a:t>
             </a:fld>
             <a:endParaRPr lang="en-US"/>
           </a:p>
@@ -19889,7 +19346,7 @@
             <a:fld id="{1D8BD707-D9CF-40AE-B4C6-C98DA3205C09}" type="datetimeFigureOut">
               <a:rPr lang="en-US" smtClean="0"/>
               <a:pPr/>
-              <a:t>11/5/2016</a:t>
+              <a:t>11/16/2016</a:t>
             </a:fld>
             <a:endParaRPr lang="en-US"/>
           </a:p>
@@ -20071,7 +19528,7 @@
             <a:fld id="{1D8BD707-D9CF-40AE-B4C6-C98DA3205C09}" type="datetimeFigureOut">
               <a:rPr lang="en-US" smtClean="0"/>
               <a:pPr/>
-              <a:t>11/5/2016</a:t>
+              <a:t>11/16/2016</a:t>
             </a:fld>
             <a:endParaRPr lang="en-US"/>
           </a:p>
@@ -20243,7 +19700,7 @@
             <a:fld id="{1D8BD707-D9CF-40AE-B4C6-C98DA3205C09}" type="datetimeFigureOut">
               <a:rPr lang="en-US" smtClean="0"/>
               <a:pPr/>
-              <a:t>11/5/2016</a:t>
+              <a:t>11/16/2016</a:t>
             </a:fld>
             <a:endParaRPr lang="en-US"/>
           </a:p>
@@ -20491,7 +19948,7 @@
             <a:fld id="{1D8BD707-D9CF-40AE-B4C6-C98DA3205C09}" type="datetimeFigureOut">
               <a:rPr lang="en-US" smtClean="0"/>
               <a:pPr/>
-              <a:t>11/5/2016</a:t>
+              <a:t>11/16/2016</a:t>
             </a:fld>
             <a:endParaRPr lang="en-US"/>
           </a:p>
@@ -20781,7 +20238,7 @@
             <a:fld id="{1D8BD707-D9CF-40AE-B4C6-C98DA3205C09}" type="datetimeFigureOut">
               <a:rPr lang="en-US" smtClean="0"/>
               <a:pPr/>
-              <a:t>11/5/2016</a:t>
+              <a:t>11/16/2016</a:t>
             </a:fld>
             <a:endParaRPr lang="en-US"/>
           </a:p>
@@ -21205,7 +20662,7 @@
             <a:fld id="{1D8BD707-D9CF-40AE-B4C6-C98DA3205C09}" type="datetimeFigureOut">
               <a:rPr lang="en-US" smtClean="0"/>
               <a:pPr/>
-              <a:t>11/5/2016</a:t>
+              <a:t>11/16/2016</a:t>
             </a:fld>
             <a:endParaRPr lang="en-US"/>
           </a:p>
@@ -21325,7 +20782,7 @@
             <a:fld id="{1D8BD707-D9CF-40AE-B4C6-C98DA3205C09}" type="datetimeFigureOut">
               <a:rPr lang="en-US" smtClean="0"/>
               <a:pPr/>
-              <a:t>11/5/2016</a:t>
+              <a:t>11/16/2016</a:t>
             </a:fld>
             <a:endParaRPr lang="en-US"/>
           </a:p>
@@ -21422,7 +20879,7 @@
             <a:fld id="{1D8BD707-D9CF-40AE-B4C6-C98DA3205C09}" type="datetimeFigureOut">
               <a:rPr lang="en-US" smtClean="0"/>
               <a:pPr/>
-              <a:t>11/5/2016</a:t>
+              <a:t>11/16/2016</a:t>
             </a:fld>
             <a:endParaRPr lang="en-US"/>
           </a:p>
@@ -21701,7 +21158,7 @@
             <a:fld id="{1D8BD707-D9CF-40AE-B4C6-C98DA3205C09}" type="datetimeFigureOut">
               <a:rPr lang="en-US" smtClean="0"/>
               <a:pPr/>
-              <a:t>11/5/2016</a:t>
+              <a:t>11/16/2016</a:t>
             </a:fld>
             <a:endParaRPr lang="en-US"/>
           </a:p>
@@ -21956,7 +21413,7 @@
             <a:fld id="{1D8BD707-D9CF-40AE-B4C6-C98DA3205C09}" type="datetimeFigureOut">
               <a:rPr lang="en-US" smtClean="0"/>
               <a:pPr/>
-              <a:t>11/5/2016</a:t>
+              <a:t>11/16/2016</a:t>
             </a:fld>
             <a:endParaRPr lang="en-US"/>
           </a:p>
@@ -22171,7 +21628,7 @@
             <a:fld id="{1D8BD707-D9CF-40AE-B4C6-C98DA3205C09}" type="datetimeFigureOut">
               <a:rPr lang="en-US" smtClean="0"/>
               <a:pPr/>
-              <a:t>11/5/2016</a:t>
+              <a:t>11/16/2016</a:t>
             </a:fld>
             <a:endParaRPr lang="en-US"/>
           </a:p>
@@ -23305,11 +22762,7 @@
             </a:pPr>
             <a:r>
               <a:rPr lang="en-US" sz="1600" dirty="0" smtClean="0"/>
-              <a:t>File Size validation based on </a:t>
-            </a:r>
-            <a:r>
-              <a:rPr lang="en-US" sz="1600" dirty="0" smtClean="0"/>
-              <a:t>subscription</a:t>
+              <a:t>File Size validation based on subscription</a:t>
             </a:r>
           </a:p>
           <a:p>
@@ -23321,7 +22774,6 @@
               <a:rPr lang="en-US" sz="1600" dirty="0" smtClean="0"/>
               <a:t>File lock</a:t>
             </a:r>
-            <a:endParaRPr lang="en-US" sz="1600" dirty="0" smtClean="0"/>
           </a:p>
         </p:txBody>
       </p:sp>
@@ -23449,7 +22901,6 @@
               <a:rPr lang="en-US" sz="1600" dirty="0" smtClean="0"/>
               <a:t>Identity Management</a:t>
             </a:r>
-            <a:endParaRPr lang="en-US" sz="1600" dirty="0" smtClean="0"/>
           </a:p>
         </p:txBody>
       </p:sp>
@@ -24660,7 +24111,7 @@
           <p:nvPr>
             <p:extLst>
               <p:ext uri="{D42A27DB-BD31-4B8C-83A1-F6EECF244321}">
-                <p14:modId xmlns:p14="http://schemas.microsoft.com/office/powerpoint/2010/main" val="2460063431"/>
+                <p14:modId xmlns:p14="http://schemas.microsoft.com/office/powerpoint/2010/main" val="2423465169"/>
               </p:ext>
             </p:extLst>
           </p:nvPr>
